--- a/docs/Manuscripts/RelationalEntity.pptx
+++ b/docs/Manuscripts/RelationalEntity.pptx
@@ -2,19 +2,20 @@
 <file path=ppt/presentation.xml><?xml version="1.0" encoding="utf-8"?>
 <p:presentation xmlns:a="http://schemas.openxmlformats.org/drawingml/2006/main" xmlns:r="http://schemas.openxmlformats.org/officeDocument/2006/relationships" xmlns:p="http://schemas.openxmlformats.org/presentationml/2006/main" saveSubsetFonts="1" autoCompressPictures="0">
   <p:sldMasterIdLst>
-    <p:sldMasterId id="2147483648" r:id="rId1"/>
+    <p:sldMasterId id="2147483672" r:id="rId1"/>
   </p:sldMasterIdLst>
   <p:sldIdLst>
     <p:sldId id="256" r:id="rId2"/>
-    <p:sldId id="257" r:id="rId3"/>
+    <p:sldId id="258" r:id="rId3"/>
+    <p:sldId id="257" r:id="rId4"/>
   </p:sldIdLst>
-  <p:sldSz cx="12192000" cy="6858000"/>
+  <p:sldSz cx="5943600" cy="6846888"/>
   <p:notesSz cx="6858000" cy="9144000"/>
   <p:defaultTextStyle>
     <a:defPPr>
       <a:defRPr lang="en-US"/>
     </a:defPPr>
-    <a:lvl1pPr marL="0" algn="l" defTabSz="914400" rtl="0" eaLnBrk="1" latinLnBrk="0" hangingPunct="1">
+    <a:lvl1pPr marL="0" algn="l" defTabSz="457200" rtl="0" eaLnBrk="1" latinLnBrk="0" hangingPunct="1">
       <a:defRPr sz="1800" kern="1200">
         <a:solidFill>
           <a:schemeClr val="tx1"/>
@@ -24,7 +25,7 @@
         <a:cs typeface="+mn-cs"/>
       </a:defRPr>
     </a:lvl1pPr>
-    <a:lvl2pPr marL="457200" algn="l" defTabSz="914400" rtl="0" eaLnBrk="1" latinLnBrk="0" hangingPunct="1">
+    <a:lvl2pPr marL="457200" algn="l" defTabSz="457200" rtl="0" eaLnBrk="1" latinLnBrk="0" hangingPunct="1">
       <a:defRPr sz="1800" kern="1200">
         <a:solidFill>
           <a:schemeClr val="tx1"/>
@@ -34,7 +35,7 @@
         <a:cs typeface="+mn-cs"/>
       </a:defRPr>
     </a:lvl2pPr>
-    <a:lvl3pPr marL="914400" algn="l" defTabSz="914400" rtl="0" eaLnBrk="1" latinLnBrk="0" hangingPunct="1">
+    <a:lvl3pPr marL="914400" algn="l" defTabSz="457200" rtl="0" eaLnBrk="1" latinLnBrk="0" hangingPunct="1">
       <a:defRPr sz="1800" kern="1200">
         <a:solidFill>
           <a:schemeClr val="tx1"/>
@@ -44,7 +45,7 @@
         <a:cs typeface="+mn-cs"/>
       </a:defRPr>
     </a:lvl3pPr>
-    <a:lvl4pPr marL="1371600" algn="l" defTabSz="914400" rtl="0" eaLnBrk="1" latinLnBrk="0" hangingPunct="1">
+    <a:lvl4pPr marL="1371600" algn="l" defTabSz="457200" rtl="0" eaLnBrk="1" latinLnBrk="0" hangingPunct="1">
       <a:defRPr sz="1800" kern="1200">
         <a:solidFill>
           <a:schemeClr val="tx1"/>
@@ -54,7 +55,7 @@
         <a:cs typeface="+mn-cs"/>
       </a:defRPr>
     </a:lvl4pPr>
-    <a:lvl5pPr marL="1828800" algn="l" defTabSz="914400" rtl="0" eaLnBrk="1" latinLnBrk="0" hangingPunct="1">
+    <a:lvl5pPr marL="1828800" algn="l" defTabSz="457200" rtl="0" eaLnBrk="1" latinLnBrk="0" hangingPunct="1">
       <a:defRPr sz="1800" kern="1200">
         <a:solidFill>
           <a:schemeClr val="tx1"/>
@@ -64,7 +65,7 @@
         <a:cs typeface="+mn-cs"/>
       </a:defRPr>
     </a:lvl5pPr>
-    <a:lvl6pPr marL="2286000" algn="l" defTabSz="914400" rtl="0" eaLnBrk="1" latinLnBrk="0" hangingPunct="1">
+    <a:lvl6pPr marL="2286000" algn="l" defTabSz="457200" rtl="0" eaLnBrk="1" latinLnBrk="0" hangingPunct="1">
       <a:defRPr sz="1800" kern="1200">
         <a:solidFill>
           <a:schemeClr val="tx1"/>
@@ -74,7 +75,7 @@
         <a:cs typeface="+mn-cs"/>
       </a:defRPr>
     </a:lvl6pPr>
-    <a:lvl7pPr marL="2743200" algn="l" defTabSz="914400" rtl="0" eaLnBrk="1" latinLnBrk="0" hangingPunct="1">
+    <a:lvl7pPr marL="2743200" algn="l" defTabSz="457200" rtl="0" eaLnBrk="1" latinLnBrk="0" hangingPunct="1">
       <a:defRPr sz="1800" kern="1200">
         <a:solidFill>
           <a:schemeClr val="tx1"/>
@@ -84,7 +85,7 @@
         <a:cs typeface="+mn-cs"/>
       </a:defRPr>
     </a:lvl7pPr>
-    <a:lvl8pPr marL="3200400" algn="l" defTabSz="914400" rtl="0" eaLnBrk="1" latinLnBrk="0" hangingPunct="1">
+    <a:lvl8pPr marL="3200400" algn="l" defTabSz="457200" rtl="0" eaLnBrk="1" latinLnBrk="0" hangingPunct="1">
       <a:defRPr sz="1800" kern="1200">
         <a:solidFill>
           <a:schemeClr val="tx1"/>
@@ -94,7 +95,7 @@
         <a:cs typeface="+mn-cs"/>
       </a:defRPr>
     </a:lvl8pPr>
-    <a:lvl9pPr marL="3657600" algn="l" defTabSz="914400" rtl="0" eaLnBrk="1" latinLnBrk="0" hangingPunct="1">
+    <a:lvl9pPr marL="3657600" algn="l" defTabSz="457200" rtl="0" eaLnBrk="1" latinLnBrk="0" hangingPunct="1">
       <a:defRPr sz="1800" kern="1200">
         <a:solidFill>
           <a:schemeClr val="tx1"/>
@@ -132,13 +133,7 @@
       </p:grpSpPr>
       <p:sp>
         <p:nvSpPr>
-          <p:cNvPr id="2" name="Title 1">
-            <a:extLst>
-              <a:ext uri="{FF2B5EF4-FFF2-40B4-BE49-F238E27FC236}">
-                <a16:creationId xmlns:a16="http://schemas.microsoft.com/office/drawing/2014/main" id="{4D4BFD21-3060-CBF5-2FA9-CF43F991C526}"/>
-              </a:ext>
-            </a:extLst>
-          </p:cNvPr>
+          <p:cNvPr id="2" name="Title 1"/>
           <p:cNvSpPr>
             <a:spLocks noGrp="1"/>
           </p:cNvSpPr>
@@ -148,15 +143,15 @@
         </p:nvSpPr>
         <p:spPr>
           <a:xfrm>
-            <a:off x="1524000" y="1122363"/>
-            <a:ext cx="9144000" cy="2387600"/>
+            <a:off x="445770" y="1120545"/>
+            <a:ext cx="5052060" cy="2383731"/>
           </a:xfrm>
         </p:spPr>
         <p:txBody>
           <a:bodyPr anchor="b"/>
           <a:lstStyle>
             <a:lvl1pPr algn="ctr">
-              <a:defRPr sz="6000"/>
+              <a:defRPr sz="3900"/>
             </a:lvl1pPr>
           </a:lstStyle>
           <a:p>
@@ -164,18 +159,13 @@
               <a:rPr lang="en-US"/>
               <a:t>Click to edit Master title style</a:t>
             </a:r>
-          </a:p>
-        </p:txBody>
-      </p:sp>
-      <p:sp>
-        <p:nvSpPr>
-          <p:cNvPr id="3" name="Subtitle 2">
-            <a:extLst>
-              <a:ext uri="{FF2B5EF4-FFF2-40B4-BE49-F238E27FC236}">
-                <a16:creationId xmlns:a16="http://schemas.microsoft.com/office/drawing/2014/main" id="{2F0C6F45-EC6F-FA8C-F3F4-6FE1D2124660}"/>
-              </a:ext>
-            </a:extLst>
-          </p:cNvPr>
+            <a:endParaRPr lang="en-US" dirty="0"/>
+          </a:p>
+        </p:txBody>
+      </p:sp>
+      <p:sp>
+        <p:nvSpPr>
+          <p:cNvPr id="3" name="Subtitle 2"/>
           <p:cNvSpPr>
             <a:spLocks noGrp="1"/>
           </p:cNvSpPr>
@@ -185,8 +175,8 @@
         </p:nvSpPr>
         <p:spPr>
           <a:xfrm>
-            <a:off x="1524000" y="3602038"/>
-            <a:ext cx="9144000" cy="1655762"/>
+            <a:off x="742950" y="3596202"/>
+            <a:ext cx="4457700" cy="1653079"/>
           </a:xfrm>
         </p:spPr>
         <p:txBody>
@@ -194,39 +184,39 @@
           <a:lstStyle>
             <a:lvl1pPr marL="0" indent="0" algn="ctr">
               <a:buNone/>
-              <a:defRPr sz="2400"/>
+              <a:defRPr sz="1560"/>
             </a:lvl1pPr>
-            <a:lvl2pPr marL="457200" indent="0" algn="ctr">
+            <a:lvl2pPr marL="297180" indent="0" algn="ctr">
               <a:buNone/>
-              <a:defRPr sz="2000"/>
+              <a:defRPr sz="1300"/>
             </a:lvl2pPr>
-            <a:lvl3pPr marL="914400" indent="0" algn="ctr">
+            <a:lvl3pPr marL="594360" indent="0" algn="ctr">
               <a:buNone/>
-              <a:defRPr sz="1800"/>
+              <a:defRPr sz="1170"/>
             </a:lvl3pPr>
-            <a:lvl4pPr marL="1371600" indent="0" algn="ctr">
+            <a:lvl4pPr marL="891540" indent="0" algn="ctr">
               <a:buNone/>
-              <a:defRPr sz="1600"/>
+              <a:defRPr sz="1040"/>
             </a:lvl4pPr>
-            <a:lvl5pPr marL="1828800" indent="0" algn="ctr">
+            <a:lvl5pPr marL="1188720" indent="0" algn="ctr">
               <a:buNone/>
-              <a:defRPr sz="1600"/>
+              <a:defRPr sz="1040"/>
             </a:lvl5pPr>
-            <a:lvl6pPr marL="2286000" indent="0" algn="ctr">
+            <a:lvl6pPr marL="1485900" indent="0" algn="ctr">
               <a:buNone/>
-              <a:defRPr sz="1600"/>
+              <a:defRPr sz="1040"/>
             </a:lvl6pPr>
-            <a:lvl7pPr marL="2743200" indent="0" algn="ctr">
+            <a:lvl7pPr marL="1783080" indent="0" algn="ctr">
               <a:buNone/>
-              <a:defRPr sz="1600"/>
+              <a:defRPr sz="1040"/>
             </a:lvl7pPr>
-            <a:lvl8pPr marL="3200400" indent="0" algn="ctr">
+            <a:lvl8pPr marL="2080260" indent="0" algn="ctr">
               <a:buNone/>
-              <a:defRPr sz="1600"/>
+              <a:defRPr sz="1040"/>
             </a:lvl8pPr>
-            <a:lvl9pPr marL="3657600" indent="0" algn="ctr">
+            <a:lvl9pPr marL="2377440" indent="0" algn="ctr">
               <a:buNone/>
-              <a:defRPr sz="1600"/>
+              <a:defRPr sz="1040"/>
             </a:lvl9pPr>
           </a:lstStyle>
           <a:p>
@@ -234,18 +224,13 @@
               <a:rPr lang="en-US"/>
               <a:t>Click to edit Master subtitle style</a:t>
             </a:r>
-          </a:p>
-        </p:txBody>
-      </p:sp>
-      <p:sp>
-        <p:nvSpPr>
-          <p:cNvPr id="4" name="Date Placeholder 3">
-            <a:extLst>
-              <a:ext uri="{FF2B5EF4-FFF2-40B4-BE49-F238E27FC236}">
-                <a16:creationId xmlns:a16="http://schemas.microsoft.com/office/drawing/2014/main" id="{52FF7386-AB2F-6992-E506-6D4496513C52}"/>
-              </a:ext>
-            </a:extLst>
-          </p:cNvPr>
+            <a:endParaRPr lang="en-US" dirty="0"/>
+          </a:p>
+        </p:txBody>
+      </p:sp>
+      <p:sp>
+        <p:nvSpPr>
+          <p:cNvPr id="4" name="Date Placeholder 3"/>
           <p:cNvSpPr>
             <a:spLocks noGrp="1"/>
           </p:cNvSpPr>
@@ -260,7 +245,7 @@
           <a:p>
             <a:fld id="{886EB2E9-B1E9-5642-BE79-612C8F9B1248}" type="datetimeFigureOut">
               <a:rPr lang="en-US" smtClean="0"/>
-              <a:t>3/28/24</a:t>
+              <a:t>11/14/25</a:t>
             </a:fld>
             <a:endParaRPr lang="en-US"/>
           </a:p>
@@ -268,13 +253,7 @@
       </p:sp>
       <p:sp>
         <p:nvSpPr>
-          <p:cNvPr id="5" name="Footer Placeholder 4">
-            <a:extLst>
-              <a:ext uri="{FF2B5EF4-FFF2-40B4-BE49-F238E27FC236}">
-                <a16:creationId xmlns:a16="http://schemas.microsoft.com/office/drawing/2014/main" id="{B38EFC00-A724-3F5B-1EF9-5421E76BEB41}"/>
-              </a:ext>
-            </a:extLst>
-          </p:cNvPr>
+          <p:cNvPr id="5" name="Footer Placeholder 4"/>
           <p:cNvSpPr>
             <a:spLocks noGrp="1"/>
           </p:cNvSpPr>
@@ -293,13 +272,7 @@
       </p:sp>
       <p:sp>
         <p:nvSpPr>
-          <p:cNvPr id="6" name="Slide Number Placeholder 5">
-            <a:extLst>
-              <a:ext uri="{FF2B5EF4-FFF2-40B4-BE49-F238E27FC236}">
-                <a16:creationId xmlns:a16="http://schemas.microsoft.com/office/drawing/2014/main" id="{AE6273B0-C396-B51B-3008-7BAA5A15E2F5}"/>
-              </a:ext>
-            </a:extLst>
-          </p:cNvPr>
+          <p:cNvPr id="6" name="Slide Number Placeholder 5"/>
           <p:cNvSpPr>
             <a:spLocks noGrp="1"/>
           </p:cNvSpPr>
@@ -323,7 +296,7 @@
     </p:spTree>
     <p:extLst>
       <p:ext uri="{BB962C8B-B14F-4D97-AF65-F5344CB8AC3E}">
-        <p14:creationId xmlns:p14="http://schemas.microsoft.com/office/powerpoint/2010/main" val="4214835218"/>
+        <p14:creationId xmlns:p14="http://schemas.microsoft.com/office/powerpoint/2010/main" val="3711579198"/>
       </p:ext>
     </p:extLst>
   </p:cSld>
@@ -352,13 +325,7 @@
       </p:grpSpPr>
       <p:sp>
         <p:nvSpPr>
-          <p:cNvPr id="2" name="Title 1">
-            <a:extLst>
-              <a:ext uri="{FF2B5EF4-FFF2-40B4-BE49-F238E27FC236}">
-                <a16:creationId xmlns:a16="http://schemas.microsoft.com/office/drawing/2014/main" id="{845AAFBD-EB3B-1E46-787D-D20628706FEA}"/>
-              </a:ext>
-            </a:extLst>
-          </p:cNvPr>
+          <p:cNvPr id="2" name="Title 1"/>
           <p:cNvSpPr>
             <a:spLocks noGrp="1"/>
           </p:cNvSpPr>
@@ -375,18 +342,13 @@
               <a:rPr lang="en-US"/>
               <a:t>Click to edit Master title style</a:t>
             </a:r>
-          </a:p>
-        </p:txBody>
-      </p:sp>
-      <p:sp>
-        <p:nvSpPr>
-          <p:cNvPr id="3" name="Vertical Text Placeholder 2">
-            <a:extLst>
-              <a:ext uri="{FF2B5EF4-FFF2-40B4-BE49-F238E27FC236}">
-                <a16:creationId xmlns:a16="http://schemas.microsoft.com/office/drawing/2014/main" id="{547DBCAC-269E-5B8D-FCA3-7B1E61F66432}"/>
-              </a:ext>
-            </a:extLst>
-          </p:cNvPr>
+            <a:endParaRPr lang="en-US" dirty="0"/>
+          </a:p>
+        </p:txBody>
+      </p:sp>
+      <p:sp>
+        <p:nvSpPr>
+          <p:cNvPr id="3" name="Vertical Text Placeholder 2"/>
           <p:cNvSpPr>
             <a:spLocks noGrp="1"/>
           </p:cNvSpPr>
@@ -432,18 +394,13 @@
               <a:rPr lang="en-US"/>
               <a:t>Fifth level</a:t>
             </a:r>
-          </a:p>
-        </p:txBody>
-      </p:sp>
-      <p:sp>
-        <p:nvSpPr>
-          <p:cNvPr id="4" name="Date Placeholder 3">
-            <a:extLst>
-              <a:ext uri="{FF2B5EF4-FFF2-40B4-BE49-F238E27FC236}">
-                <a16:creationId xmlns:a16="http://schemas.microsoft.com/office/drawing/2014/main" id="{87A9DA0A-F183-88B7-5157-B4DDD96CECB5}"/>
-              </a:ext>
-            </a:extLst>
-          </p:cNvPr>
+            <a:endParaRPr lang="en-US" dirty="0"/>
+          </a:p>
+        </p:txBody>
+      </p:sp>
+      <p:sp>
+        <p:nvSpPr>
+          <p:cNvPr id="4" name="Date Placeholder 3"/>
           <p:cNvSpPr>
             <a:spLocks noGrp="1"/>
           </p:cNvSpPr>
@@ -458,7 +415,7 @@
           <a:p>
             <a:fld id="{886EB2E9-B1E9-5642-BE79-612C8F9B1248}" type="datetimeFigureOut">
               <a:rPr lang="en-US" smtClean="0"/>
-              <a:t>3/28/24</a:t>
+              <a:t>11/14/25</a:t>
             </a:fld>
             <a:endParaRPr lang="en-US"/>
           </a:p>
@@ -466,13 +423,7 @@
       </p:sp>
       <p:sp>
         <p:nvSpPr>
-          <p:cNvPr id="5" name="Footer Placeholder 4">
-            <a:extLst>
-              <a:ext uri="{FF2B5EF4-FFF2-40B4-BE49-F238E27FC236}">
-                <a16:creationId xmlns:a16="http://schemas.microsoft.com/office/drawing/2014/main" id="{3FDC90C1-99CB-0113-7CBC-3917627A255E}"/>
-              </a:ext>
-            </a:extLst>
-          </p:cNvPr>
+          <p:cNvPr id="5" name="Footer Placeholder 4"/>
           <p:cNvSpPr>
             <a:spLocks noGrp="1"/>
           </p:cNvSpPr>
@@ -491,13 +442,7 @@
       </p:sp>
       <p:sp>
         <p:nvSpPr>
-          <p:cNvPr id="6" name="Slide Number Placeholder 5">
-            <a:extLst>
-              <a:ext uri="{FF2B5EF4-FFF2-40B4-BE49-F238E27FC236}">
-                <a16:creationId xmlns:a16="http://schemas.microsoft.com/office/drawing/2014/main" id="{D8137322-4B9B-1C69-A21B-621F24A4A47A}"/>
-              </a:ext>
-            </a:extLst>
-          </p:cNvPr>
+          <p:cNvPr id="6" name="Slide Number Placeholder 5"/>
           <p:cNvSpPr>
             <a:spLocks noGrp="1"/>
           </p:cNvSpPr>
@@ -521,7 +466,7 @@
     </p:spTree>
     <p:extLst>
       <p:ext uri="{BB962C8B-B14F-4D97-AF65-F5344CB8AC3E}">
-        <p14:creationId xmlns:p14="http://schemas.microsoft.com/office/powerpoint/2010/main" val="1697405662"/>
+        <p14:creationId xmlns:p14="http://schemas.microsoft.com/office/powerpoint/2010/main" val="318912066"/>
       </p:ext>
     </p:extLst>
   </p:cSld>
@@ -550,13 +495,7 @@
       </p:grpSpPr>
       <p:sp>
         <p:nvSpPr>
-          <p:cNvPr id="2" name="Vertical Title 1">
-            <a:extLst>
-              <a:ext uri="{FF2B5EF4-FFF2-40B4-BE49-F238E27FC236}">
-                <a16:creationId xmlns:a16="http://schemas.microsoft.com/office/drawing/2014/main" id="{0524CD22-F169-9421-A019-FF62DCB9FBCF}"/>
-              </a:ext>
-            </a:extLst>
-          </p:cNvPr>
+          <p:cNvPr id="2" name="Vertical Title 1"/>
           <p:cNvSpPr>
             <a:spLocks noGrp="1"/>
           </p:cNvSpPr>
@@ -566,8 +505,8 @@
         </p:nvSpPr>
         <p:spPr>
           <a:xfrm>
-            <a:off x="8724900" y="365125"/>
-            <a:ext cx="2628900" cy="5811838"/>
+            <a:off x="4253389" y="364533"/>
+            <a:ext cx="1281589" cy="5802421"/>
           </a:xfrm>
         </p:spPr>
         <p:txBody>
@@ -578,18 +517,13 @@
               <a:rPr lang="en-US"/>
               <a:t>Click to edit Master title style</a:t>
             </a:r>
-          </a:p>
-        </p:txBody>
-      </p:sp>
-      <p:sp>
-        <p:nvSpPr>
-          <p:cNvPr id="3" name="Vertical Text Placeholder 2">
-            <a:extLst>
-              <a:ext uri="{FF2B5EF4-FFF2-40B4-BE49-F238E27FC236}">
-                <a16:creationId xmlns:a16="http://schemas.microsoft.com/office/drawing/2014/main" id="{FAB88483-9B05-9EF5-572D-593F3FEB6987}"/>
-              </a:ext>
-            </a:extLst>
-          </p:cNvPr>
+            <a:endParaRPr lang="en-US" dirty="0"/>
+          </a:p>
+        </p:txBody>
+      </p:sp>
+      <p:sp>
+        <p:nvSpPr>
+          <p:cNvPr id="3" name="Vertical Text Placeholder 2"/>
           <p:cNvSpPr>
             <a:spLocks noGrp="1"/>
           </p:cNvSpPr>
@@ -599,8 +533,8 @@
         </p:nvSpPr>
         <p:spPr>
           <a:xfrm>
-            <a:off x="838200" y="365125"/>
-            <a:ext cx="7734300" cy="5811838"/>
+            <a:off x="408623" y="364533"/>
+            <a:ext cx="3770471" cy="5802421"/>
           </a:xfrm>
         </p:spPr>
         <p:txBody>
@@ -640,18 +574,13 @@
               <a:rPr lang="en-US"/>
               <a:t>Fifth level</a:t>
             </a:r>
-          </a:p>
-        </p:txBody>
-      </p:sp>
-      <p:sp>
-        <p:nvSpPr>
-          <p:cNvPr id="4" name="Date Placeholder 3">
-            <a:extLst>
-              <a:ext uri="{FF2B5EF4-FFF2-40B4-BE49-F238E27FC236}">
-                <a16:creationId xmlns:a16="http://schemas.microsoft.com/office/drawing/2014/main" id="{079E9391-808F-C81C-A47F-1FD8D7183E35}"/>
-              </a:ext>
-            </a:extLst>
-          </p:cNvPr>
+            <a:endParaRPr lang="en-US" dirty="0"/>
+          </a:p>
+        </p:txBody>
+      </p:sp>
+      <p:sp>
+        <p:nvSpPr>
+          <p:cNvPr id="4" name="Date Placeholder 3"/>
           <p:cNvSpPr>
             <a:spLocks noGrp="1"/>
           </p:cNvSpPr>
@@ -666,7 +595,7 @@
           <a:p>
             <a:fld id="{886EB2E9-B1E9-5642-BE79-612C8F9B1248}" type="datetimeFigureOut">
               <a:rPr lang="en-US" smtClean="0"/>
-              <a:t>3/28/24</a:t>
+              <a:t>11/14/25</a:t>
             </a:fld>
             <a:endParaRPr lang="en-US"/>
           </a:p>
@@ -674,13 +603,7 @@
       </p:sp>
       <p:sp>
         <p:nvSpPr>
-          <p:cNvPr id="5" name="Footer Placeholder 4">
-            <a:extLst>
-              <a:ext uri="{FF2B5EF4-FFF2-40B4-BE49-F238E27FC236}">
-                <a16:creationId xmlns:a16="http://schemas.microsoft.com/office/drawing/2014/main" id="{F0E8164A-C60F-89C2-E3F6-A117F81D6C38}"/>
-              </a:ext>
-            </a:extLst>
-          </p:cNvPr>
+          <p:cNvPr id="5" name="Footer Placeholder 4"/>
           <p:cNvSpPr>
             <a:spLocks noGrp="1"/>
           </p:cNvSpPr>
@@ -699,13 +622,7 @@
       </p:sp>
       <p:sp>
         <p:nvSpPr>
-          <p:cNvPr id="6" name="Slide Number Placeholder 5">
-            <a:extLst>
-              <a:ext uri="{FF2B5EF4-FFF2-40B4-BE49-F238E27FC236}">
-                <a16:creationId xmlns:a16="http://schemas.microsoft.com/office/drawing/2014/main" id="{3AF9AF21-1DDF-66AE-0D54-50C7EE33120E}"/>
-              </a:ext>
-            </a:extLst>
-          </p:cNvPr>
+          <p:cNvPr id="6" name="Slide Number Placeholder 5"/>
           <p:cNvSpPr>
             <a:spLocks noGrp="1"/>
           </p:cNvSpPr>
@@ -729,7 +646,7 @@
     </p:spTree>
     <p:extLst>
       <p:ext uri="{BB962C8B-B14F-4D97-AF65-F5344CB8AC3E}">
-        <p14:creationId xmlns:p14="http://schemas.microsoft.com/office/powerpoint/2010/main" val="2657363470"/>
+        <p14:creationId xmlns:p14="http://schemas.microsoft.com/office/powerpoint/2010/main" val="2785466074"/>
       </p:ext>
     </p:extLst>
   </p:cSld>
@@ -758,13 +675,7 @@
       </p:grpSpPr>
       <p:sp>
         <p:nvSpPr>
-          <p:cNvPr id="2" name="Title 1">
-            <a:extLst>
-              <a:ext uri="{FF2B5EF4-FFF2-40B4-BE49-F238E27FC236}">
-                <a16:creationId xmlns:a16="http://schemas.microsoft.com/office/drawing/2014/main" id="{F4432A15-C12C-B190-89F5-0919C5ACE57C}"/>
-              </a:ext>
-            </a:extLst>
-          </p:cNvPr>
+          <p:cNvPr id="2" name="Title 1"/>
           <p:cNvSpPr>
             <a:spLocks noGrp="1"/>
           </p:cNvSpPr>
@@ -781,18 +692,13 @@
               <a:rPr lang="en-US"/>
               <a:t>Click to edit Master title style</a:t>
             </a:r>
-          </a:p>
-        </p:txBody>
-      </p:sp>
-      <p:sp>
-        <p:nvSpPr>
-          <p:cNvPr id="3" name="Content Placeholder 2">
-            <a:extLst>
-              <a:ext uri="{FF2B5EF4-FFF2-40B4-BE49-F238E27FC236}">
-                <a16:creationId xmlns:a16="http://schemas.microsoft.com/office/drawing/2014/main" id="{27E3F8B8-5752-1A05-4597-3F3EF1503369}"/>
-              </a:ext>
-            </a:extLst>
-          </p:cNvPr>
+            <a:endParaRPr lang="en-US" dirty="0"/>
+          </a:p>
+        </p:txBody>
+      </p:sp>
+      <p:sp>
+        <p:nvSpPr>
+          <p:cNvPr id="3" name="Content Placeholder 2"/>
           <p:cNvSpPr>
             <a:spLocks noGrp="1"/>
           </p:cNvSpPr>
@@ -838,18 +744,13 @@
               <a:rPr lang="en-US"/>
               <a:t>Fifth level</a:t>
             </a:r>
-          </a:p>
-        </p:txBody>
-      </p:sp>
-      <p:sp>
-        <p:nvSpPr>
-          <p:cNvPr id="4" name="Date Placeholder 3">
-            <a:extLst>
-              <a:ext uri="{FF2B5EF4-FFF2-40B4-BE49-F238E27FC236}">
-                <a16:creationId xmlns:a16="http://schemas.microsoft.com/office/drawing/2014/main" id="{89D44B19-C649-5E7D-2CD8-4875FF3B8D9A}"/>
-              </a:ext>
-            </a:extLst>
-          </p:cNvPr>
+            <a:endParaRPr lang="en-US" dirty="0"/>
+          </a:p>
+        </p:txBody>
+      </p:sp>
+      <p:sp>
+        <p:nvSpPr>
+          <p:cNvPr id="4" name="Date Placeholder 3"/>
           <p:cNvSpPr>
             <a:spLocks noGrp="1"/>
           </p:cNvSpPr>
@@ -864,7 +765,7 @@
           <a:p>
             <a:fld id="{886EB2E9-B1E9-5642-BE79-612C8F9B1248}" type="datetimeFigureOut">
               <a:rPr lang="en-US" smtClean="0"/>
-              <a:t>3/28/24</a:t>
+              <a:t>11/14/25</a:t>
             </a:fld>
             <a:endParaRPr lang="en-US"/>
           </a:p>
@@ -872,13 +773,7 @@
       </p:sp>
       <p:sp>
         <p:nvSpPr>
-          <p:cNvPr id="5" name="Footer Placeholder 4">
-            <a:extLst>
-              <a:ext uri="{FF2B5EF4-FFF2-40B4-BE49-F238E27FC236}">
-                <a16:creationId xmlns:a16="http://schemas.microsoft.com/office/drawing/2014/main" id="{D5750D3F-0412-5B58-1202-9A4B2E67C8DB}"/>
-              </a:ext>
-            </a:extLst>
-          </p:cNvPr>
+          <p:cNvPr id="5" name="Footer Placeholder 4"/>
           <p:cNvSpPr>
             <a:spLocks noGrp="1"/>
           </p:cNvSpPr>
@@ -897,13 +792,7 @@
       </p:sp>
       <p:sp>
         <p:nvSpPr>
-          <p:cNvPr id="6" name="Slide Number Placeholder 5">
-            <a:extLst>
-              <a:ext uri="{FF2B5EF4-FFF2-40B4-BE49-F238E27FC236}">
-                <a16:creationId xmlns:a16="http://schemas.microsoft.com/office/drawing/2014/main" id="{F05019E7-80B1-F25B-BA0F-A8C124D4EBA3}"/>
-              </a:ext>
-            </a:extLst>
-          </p:cNvPr>
+          <p:cNvPr id="6" name="Slide Number Placeholder 5"/>
           <p:cNvSpPr>
             <a:spLocks noGrp="1"/>
           </p:cNvSpPr>
@@ -927,7 +816,7 @@
     </p:spTree>
     <p:extLst>
       <p:ext uri="{BB962C8B-B14F-4D97-AF65-F5344CB8AC3E}">
-        <p14:creationId xmlns:p14="http://schemas.microsoft.com/office/powerpoint/2010/main" val="2204648480"/>
+        <p14:creationId xmlns:p14="http://schemas.microsoft.com/office/powerpoint/2010/main" val="4012574426"/>
       </p:ext>
     </p:extLst>
   </p:cSld>
@@ -956,13 +845,7 @@
       </p:grpSpPr>
       <p:sp>
         <p:nvSpPr>
-          <p:cNvPr id="2" name="Title 1">
-            <a:extLst>
-              <a:ext uri="{FF2B5EF4-FFF2-40B4-BE49-F238E27FC236}">
-                <a16:creationId xmlns:a16="http://schemas.microsoft.com/office/drawing/2014/main" id="{A7B23EA8-F024-A72A-F116-7D44BBD5CCFD}"/>
-              </a:ext>
-            </a:extLst>
-          </p:cNvPr>
+          <p:cNvPr id="2" name="Title 1"/>
           <p:cNvSpPr>
             <a:spLocks noGrp="1"/>
           </p:cNvSpPr>
@@ -972,15 +855,15 @@
         </p:nvSpPr>
         <p:spPr>
           <a:xfrm>
-            <a:off x="831850" y="1709738"/>
-            <a:ext cx="10515600" cy="2852737"/>
+            <a:off x="405527" y="1706969"/>
+            <a:ext cx="5126355" cy="2848115"/>
           </a:xfrm>
         </p:spPr>
         <p:txBody>
           <a:bodyPr anchor="b"/>
           <a:lstStyle>
             <a:lvl1pPr>
-              <a:defRPr sz="6000"/>
+              <a:defRPr sz="3900"/>
             </a:lvl1pPr>
           </a:lstStyle>
           <a:p>
@@ -988,18 +871,13 @@
               <a:rPr lang="en-US"/>
               <a:t>Click to edit Master title style</a:t>
             </a:r>
-          </a:p>
-        </p:txBody>
-      </p:sp>
-      <p:sp>
-        <p:nvSpPr>
-          <p:cNvPr id="3" name="Text Placeholder 2">
-            <a:extLst>
-              <a:ext uri="{FF2B5EF4-FFF2-40B4-BE49-F238E27FC236}">
-                <a16:creationId xmlns:a16="http://schemas.microsoft.com/office/drawing/2014/main" id="{15C9A32E-93CD-32FC-522F-7A23632C6C61}"/>
-              </a:ext>
-            </a:extLst>
-          </p:cNvPr>
+            <a:endParaRPr lang="en-US" dirty="0"/>
+          </a:p>
+        </p:txBody>
+      </p:sp>
+      <p:sp>
+        <p:nvSpPr>
+          <p:cNvPr id="3" name="Text Placeholder 2"/>
           <p:cNvSpPr>
             <a:spLocks noGrp="1"/>
           </p:cNvSpPr>
@@ -1009,8 +887,8 @@
         </p:nvSpPr>
         <p:spPr>
           <a:xfrm>
-            <a:off x="831850" y="4589463"/>
-            <a:ext cx="10515600" cy="1500187"/>
+            <a:off x="405527" y="4582028"/>
+            <a:ext cx="5126355" cy="1497756"/>
           </a:xfrm>
         </p:spPr>
         <p:txBody>
@@ -1018,17 +896,15 @@
           <a:lstStyle>
             <a:lvl1pPr marL="0" indent="0">
               <a:buNone/>
-              <a:defRPr sz="2400">
+              <a:defRPr sz="1560">
                 <a:solidFill>
-                  <a:schemeClr val="tx1">
-                    <a:tint val="75000"/>
-                  </a:schemeClr>
+                  <a:schemeClr val="tx1"/>
                 </a:solidFill>
               </a:defRPr>
             </a:lvl1pPr>
-            <a:lvl2pPr marL="457200" indent="0">
+            <a:lvl2pPr marL="297180" indent="0">
               <a:buNone/>
-              <a:defRPr sz="2000">
+              <a:defRPr sz="1300">
                 <a:solidFill>
                   <a:schemeClr val="tx1">
                     <a:tint val="75000"/>
@@ -1036,9 +912,9 @@
                 </a:solidFill>
               </a:defRPr>
             </a:lvl2pPr>
-            <a:lvl3pPr marL="914400" indent="0">
+            <a:lvl3pPr marL="594360" indent="0">
               <a:buNone/>
-              <a:defRPr sz="1800">
+              <a:defRPr sz="1170">
                 <a:solidFill>
                   <a:schemeClr val="tx1">
                     <a:tint val="75000"/>
@@ -1046,9 +922,9 @@
                 </a:solidFill>
               </a:defRPr>
             </a:lvl3pPr>
-            <a:lvl4pPr marL="1371600" indent="0">
+            <a:lvl4pPr marL="891540" indent="0">
               <a:buNone/>
-              <a:defRPr sz="1600">
+              <a:defRPr sz="1040">
                 <a:solidFill>
                   <a:schemeClr val="tx1">
                     <a:tint val="75000"/>
@@ -1056,9 +932,9 @@
                 </a:solidFill>
               </a:defRPr>
             </a:lvl4pPr>
-            <a:lvl5pPr marL="1828800" indent="0">
+            <a:lvl5pPr marL="1188720" indent="0">
               <a:buNone/>
-              <a:defRPr sz="1600">
+              <a:defRPr sz="1040">
                 <a:solidFill>
                   <a:schemeClr val="tx1">
                     <a:tint val="75000"/>
@@ -1066,9 +942,9 @@
                 </a:solidFill>
               </a:defRPr>
             </a:lvl5pPr>
-            <a:lvl6pPr marL="2286000" indent="0">
+            <a:lvl6pPr marL="1485900" indent="0">
               <a:buNone/>
-              <a:defRPr sz="1600">
+              <a:defRPr sz="1040">
                 <a:solidFill>
                   <a:schemeClr val="tx1">
                     <a:tint val="75000"/>
@@ -1076,9 +952,9 @@
                 </a:solidFill>
               </a:defRPr>
             </a:lvl6pPr>
-            <a:lvl7pPr marL="2743200" indent="0">
+            <a:lvl7pPr marL="1783080" indent="0">
               <a:buNone/>
-              <a:defRPr sz="1600">
+              <a:defRPr sz="1040">
                 <a:solidFill>
                   <a:schemeClr val="tx1">
                     <a:tint val="75000"/>
@@ -1086,9 +962,9 @@
                 </a:solidFill>
               </a:defRPr>
             </a:lvl7pPr>
-            <a:lvl8pPr marL="3200400" indent="0">
+            <a:lvl8pPr marL="2080260" indent="0">
               <a:buNone/>
-              <a:defRPr sz="1600">
+              <a:defRPr sz="1040">
                 <a:solidFill>
                   <a:schemeClr val="tx1">
                     <a:tint val="75000"/>
@@ -1096,9 +972,9 @@
                 </a:solidFill>
               </a:defRPr>
             </a:lvl8pPr>
-            <a:lvl9pPr marL="3657600" indent="0">
+            <a:lvl9pPr marL="2377440" indent="0">
               <a:buNone/>
-              <a:defRPr sz="1600">
+              <a:defRPr sz="1040">
                 <a:solidFill>
                   <a:schemeClr val="tx1">
                     <a:tint val="75000"/>
@@ -1118,13 +994,7 @@
       </p:sp>
       <p:sp>
         <p:nvSpPr>
-          <p:cNvPr id="4" name="Date Placeholder 3">
-            <a:extLst>
-              <a:ext uri="{FF2B5EF4-FFF2-40B4-BE49-F238E27FC236}">
-                <a16:creationId xmlns:a16="http://schemas.microsoft.com/office/drawing/2014/main" id="{71E5DF07-177F-3C2E-ACFD-592115E3363E}"/>
-              </a:ext>
-            </a:extLst>
-          </p:cNvPr>
+          <p:cNvPr id="4" name="Date Placeholder 3"/>
           <p:cNvSpPr>
             <a:spLocks noGrp="1"/>
           </p:cNvSpPr>
@@ -1139,7 +1009,7 @@
           <a:p>
             <a:fld id="{886EB2E9-B1E9-5642-BE79-612C8F9B1248}" type="datetimeFigureOut">
               <a:rPr lang="en-US" smtClean="0"/>
-              <a:t>3/28/24</a:t>
+              <a:t>11/14/25</a:t>
             </a:fld>
             <a:endParaRPr lang="en-US"/>
           </a:p>
@@ -1147,13 +1017,7 @@
       </p:sp>
       <p:sp>
         <p:nvSpPr>
-          <p:cNvPr id="5" name="Footer Placeholder 4">
-            <a:extLst>
-              <a:ext uri="{FF2B5EF4-FFF2-40B4-BE49-F238E27FC236}">
-                <a16:creationId xmlns:a16="http://schemas.microsoft.com/office/drawing/2014/main" id="{61358A65-E191-9436-F260-7D43792D666D}"/>
-              </a:ext>
-            </a:extLst>
-          </p:cNvPr>
+          <p:cNvPr id="5" name="Footer Placeholder 4"/>
           <p:cNvSpPr>
             <a:spLocks noGrp="1"/>
           </p:cNvSpPr>
@@ -1172,13 +1036,7 @@
       </p:sp>
       <p:sp>
         <p:nvSpPr>
-          <p:cNvPr id="6" name="Slide Number Placeholder 5">
-            <a:extLst>
-              <a:ext uri="{FF2B5EF4-FFF2-40B4-BE49-F238E27FC236}">
-                <a16:creationId xmlns:a16="http://schemas.microsoft.com/office/drawing/2014/main" id="{D3CD017B-CC16-8253-9F36-19A63585D42A}"/>
-              </a:ext>
-            </a:extLst>
-          </p:cNvPr>
+          <p:cNvPr id="6" name="Slide Number Placeholder 5"/>
           <p:cNvSpPr>
             <a:spLocks noGrp="1"/>
           </p:cNvSpPr>
@@ -1202,7 +1060,7 @@
     </p:spTree>
     <p:extLst>
       <p:ext uri="{BB962C8B-B14F-4D97-AF65-F5344CB8AC3E}">
-        <p14:creationId xmlns:p14="http://schemas.microsoft.com/office/powerpoint/2010/main" val="4044141784"/>
+        <p14:creationId xmlns:p14="http://schemas.microsoft.com/office/powerpoint/2010/main" val="2198769728"/>
       </p:ext>
     </p:extLst>
   </p:cSld>
@@ -1231,13 +1089,7 @@
       </p:grpSpPr>
       <p:sp>
         <p:nvSpPr>
-          <p:cNvPr id="2" name="Title 1">
-            <a:extLst>
-              <a:ext uri="{FF2B5EF4-FFF2-40B4-BE49-F238E27FC236}">
-                <a16:creationId xmlns:a16="http://schemas.microsoft.com/office/drawing/2014/main" id="{CD833249-FAB1-BCB3-957F-D4750C8E0A03}"/>
-              </a:ext>
-            </a:extLst>
-          </p:cNvPr>
+          <p:cNvPr id="2" name="Title 1"/>
           <p:cNvSpPr>
             <a:spLocks noGrp="1"/>
           </p:cNvSpPr>
@@ -1254,18 +1106,13 @@
               <a:rPr lang="en-US"/>
               <a:t>Click to edit Master title style</a:t>
             </a:r>
-          </a:p>
-        </p:txBody>
-      </p:sp>
-      <p:sp>
-        <p:nvSpPr>
-          <p:cNvPr id="3" name="Content Placeholder 2">
-            <a:extLst>
-              <a:ext uri="{FF2B5EF4-FFF2-40B4-BE49-F238E27FC236}">
-                <a16:creationId xmlns:a16="http://schemas.microsoft.com/office/drawing/2014/main" id="{11260443-E032-4B63-5CE7-C6A0E4949F50}"/>
-              </a:ext>
-            </a:extLst>
-          </p:cNvPr>
+            <a:endParaRPr lang="en-US" dirty="0"/>
+          </a:p>
+        </p:txBody>
+      </p:sp>
+      <p:sp>
+        <p:nvSpPr>
+          <p:cNvPr id="3" name="Content Placeholder 2"/>
           <p:cNvSpPr>
             <a:spLocks noGrp="1"/>
           </p:cNvSpPr>
@@ -1275,8 +1122,8 @@
         </p:nvSpPr>
         <p:spPr>
           <a:xfrm>
-            <a:off x="838200" y="1825625"/>
-            <a:ext cx="5181600" cy="4351338"/>
+            <a:off x="408623" y="1822667"/>
+            <a:ext cx="2526030" cy="4344288"/>
           </a:xfrm>
         </p:spPr>
         <p:txBody>
@@ -1316,18 +1163,13 @@
               <a:rPr lang="en-US"/>
               <a:t>Fifth level</a:t>
             </a:r>
-          </a:p>
-        </p:txBody>
-      </p:sp>
-      <p:sp>
-        <p:nvSpPr>
-          <p:cNvPr id="4" name="Content Placeholder 3">
-            <a:extLst>
-              <a:ext uri="{FF2B5EF4-FFF2-40B4-BE49-F238E27FC236}">
-                <a16:creationId xmlns:a16="http://schemas.microsoft.com/office/drawing/2014/main" id="{35F61486-9C9F-E2E8-06FE-6E3D8D8FB1A3}"/>
-              </a:ext>
-            </a:extLst>
-          </p:cNvPr>
+            <a:endParaRPr lang="en-US" dirty="0"/>
+          </a:p>
+        </p:txBody>
+      </p:sp>
+      <p:sp>
+        <p:nvSpPr>
+          <p:cNvPr id="4" name="Content Placeholder 3"/>
           <p:cNvSpPr>
             <a:spLocks noGrp="1"/>
           </p:cNvSpPr>
@@ -1337,8 +1179,8 @@
         </p:nvSpPr>
         <p:spPr>
           <a:xfrm>
-            <a:off x="6172200" y="1825625"/>
-            <a:ext cx="5181600" cy="4351338"/>
+            <a:off x="3008948" y="1822667"/>
+            <a:ext cx="2526030" cy="4344288"/>
           </a:xfrm>
         </p:spPr>
         <p:txBody>
@@ -1378,18 +1220,13 @@
               <a:rPr lang="en-US"/>
               <a:t>Fifth level</a:t>
             </a:r>
-          </a:p>
-        </p:txBody>
-      </p:sp>
-      <p:sp>
-        <p:nvSpPr>
-          <p:cNvPr id="5" name="Date Placeholder 4">
-            <a:extLst>
-              <a:ext uri="{FF2B5EF4-FFF2-40B4-BE49-F238E27FC236}">
-                <a16:creationId xmlns:a16="http://schemas.microsoft.com/office/drawing/2014/main" id="{60727238-B575-E85C-7CDB-6F2E1C4EF91B}"/>
-              </a:ext>
-            </a:extLst>
-          </p:cNvPr>
+            <a:endParaRPr lang="en-US" dirty="0"/>
+          </a:p>
+        </p:txBody>
+      </p:sp>
+      <p:sp>
+        <p:nvSpPr>
+          <p:cNvPr id="5" name="Date Placeholder 4"/>
           <p:cNvSpPr>
             <a:spLocks noGrp="1"/>
           </p:cNvSpPr>
@@ -1404,7 +1241,7 @@
           <a:p>
             <a:fld id="{886EB2E9-B1E9-5642-BE79-612C8F9B1248}" type="datetimeFigureOut">
               <a:rPr lang="en-US" smtClean="0"/>
-              <a:t>3/28/24</a:t>
+              <a:t>11/14/25</a:t>
             </a:fld>
             <a:endParaRPr lang="en-US"/>
           </a:p>
@@ -1412,13 +1249,7 @@
       </p:sp>
       <p:sp>
         <p:nvSpPr>
-          <p:cNvPr id="6" name="Footer Placeholder 5">
-            <a:extLst>
-              <a:ext uri="{FF2B5EF4-FFF2-40B4-BE49-F238E27FC236}">
-                <a16:creationId xmlns:a16="http://schemas.microsoft.com/office/drawing/2014/main" id="{90D46648-6B46-6F13-46EA-B770D78CDB5C}"/>
-              </a:ext>
-            </a:extLst>
-          </p:cNvPr>
+          <p:cNvPr id="6" name="Footer Placeholder 5"/>
           <p:cNvSpPr>
             <a:spLocks noGrp="1"/>
           </p:cNvSpPr>
@@ -1437,13 +1268,7 @@
       </p:sp>
       <p:sp>
         <p:nvSpPr>
-          <p:cNvPr id="7" name="Slide Number Placeholder 6">
-            <a:extLst>
-              <a:ext uri="{FF2B5EF4-FFF2-40B4-BE49-F238E27FC236}">
-                <a16:creationId xmlns:a16="http://schemas.microsoft.com/office/drawing/2014/main" id="{D4D441EE-8812-97B6-7AA8-A57ECFFE63D4}"/>
-              </a:ext>
-            </a:extLst>
-          </p:cNvPr>
+          <p:cNvPr id="7" name="Slide Number Placeholder 6"/>
           <p:cNvSpPr>
             <a:spLocks noGrp="1"/>
           </p:cNvSpPr>
@@ -1467,7 +1292,7 @@
     </p:spTree>
     <p:extLst>
       <p:ext uri="{BB962C8B-B14F-4D97-AF65-F5344CB8AC3E}">
-        <p14:creationId xmlns:p14="http://schemas.microsoft.com/office/powerpoint/2010/main" val="1004061398"/>
+        <p14:creationId xmlns:p14="http://schemas.microsoft.com/office/powerpoint/2010/main" val="2156601005"/>
       </p:ext>
     </p:extLst>
   </p:cSld>
@@ -1496,13 +1321,7 @@
       </p:grpSpPr>
       <p:sp>
         <p:nvSpPr>
-          <p:cNvPr id="2" name="Title 1">
-            <a:extLst>
-              <a:ext uri="{FF2B5EF4-FFF2-40B4-BE49-F238E27FC236}">
-                <a16:creationId xmlns:a16="http://schemas.microsoft.com/office/drawing/2014/main" id="{7498E8D0-8774-8232-13FE-4AB567998F35}"/>
-              </a:ext>
-            </a:extLst>
-          </p:cNvPr>
+          <p:cNvPr id="2" name="Title 1"/>
           <p:cNvSpPr>
             <a:spLocks noGrp="1"/>
           </p:cNvSpPr>
@@ -1512,8 +1331,8 @@
         </p:nvSpPr>
         <p:spPr>
           <a:xfrm>
-            <a:off x="839788" y="365125"/>
-            <a:ext cx="10515600" cy="1325563"/>
+            <a:off x="409397" y="364535"/>
+            <a:ext cx="5126355" cy="1323415"/>
           </a:xfrm>
         </p:spPr>
         <p:txBody>
@@ -1524,18 +1343,13 @@
               <a:rPr lang="en-US"/>
               <a:t>Click to edit Master title style</a:t>
             </a:r>
-          </a:p>
-        </p:txBody>
-      </p:sp>
-      <p:sp>
-        <p:nvSpPr>
-          <p:cNvPr id="3" name="Text Placeholder 2">
-            <a:extLst>
-              <a:ext uri="{FF2B5EF4-FFF2-40B4-BE49-F238E27FC236}">
-                <a16:creationId xmlns:a16="http://schemas.microsoft.com/office/drawing/2014/main" id="{BA64BB6D-2132-284D-BF16-3F4425A81F5B}"/>
-              </a:ext>
-            </a:extLst>
-          </p:cNvPr>
+            <a:endParaRPr lang="en-US" dirty="0"/>
+          </a:p>
+        </p:txBody>
+      </p:sp>
+      <p:sp>
+        <p:nvSpPr>
+          <p:cNvPr id="3" name="Text Placeholder 2"/>
           <p:cNvSpPr>
             <a:spLocks noGrp="1"/>
           </p:cNvSpPr>
@@ -1545,8 +1359,8 @@
         </p:nvSpPr>
         <p:spPr>
           <a:xfrm>
-            <a:off x="839788" y="1681163"/>
-            <a:ext cx="5157787" cy="823912"/>
+            <a:off x="409397" y="1678439"/>
+            <a:ext cx="2514421" cy="822577"/>
           </a:xfrm>
         </p:spPr>
         <p:txBody>
@@ -1554,39 +1368,39 @@
           <a:lstStyle>
             <a:lvl1pPr marL="0" indent="0">
               <a:buNone/>
-              <a:defRPr sz="2400" b="1"/>
+              <a:defRPr sz="1560" b="1"/>
             </a:lvl1pPr>
-            <a:lvl2pPr marL="457200" indent="0">
+            <a:lvl2pPr marL="297180" indent="0">
               <a:buNone/>
-              <a:defRPr sz="2000" b="1"/>
+              <a:defRPr sz="1300" b="1"/>
             </a:lvl2pPr>
-            <a:lvl3pPr marL="914400" indent="0">
+            <a:lvl3pPr marL="594360" indent="0">
               <a:buNone/>
-              <a:defRPr sz="1800" b="1"/>
+              <a:defRPr sz="1170" b="1"/>
             </a:lvl3pPr>
-            <a:lvl4pPr marL="1371600" indent="0">
+            <a:lvl4pPr marL="891540" indent="0">
               <a:buNone/>
-              <a:defRPr sz="1600" b="1"/>
+              <a:defRPr sz="1040" b="1"/>
             </a:lvl4pPr>
-            <a:lvl5pPr marL="1828800" indent="0">
+            <a:lvl5pPr marL="1188720" indent="0">
               <a:buNone/>
-              <a:defRPr sz="1600" b="1"/>
+              <a:defRPr sz="1040" b="1"/>
             </a:lvl5pPr>
-            <a:lvl6pPr marL="2286000" indent="0">
+            <a:lvl6pPr marL="1485900" indent="0">
               <a:buNone/>
-              <a:defRPr sz="1600" b="1"/>
+              <a:defRPr sz="1040" b="1"/>
             </a:lvl6pPr>
-            <a:lvl7pPr marL="2743200" indent="0">
+            <a:lvl7pPr marL="1783080" indent="0">
               <a:buNone/>
-              <a:defRPr sz="1600" b="1"/>
+              <a:defRPr sz="1040" b="1"/>
             </a:lvl7pPr>
-            <a:lvl8pPr marL="3200400" indent="0">
+            <a:lvl8pPr marL="2080260" indent="0">
               <a:buNone/>
-              <a:defRPr sz="1600" b="1"/>
+              <a:defRPr sz="1040" b="1"/>
             </a:lvl8pPr>
-            <a:lvl9pPr marL="3657600" indent="0">
+            <a:lvl9pPr marL="2377440" indent="0">
               <a:buNone/>
-              <a:defRPr sz="1600" b="1"/>
+              <a:defRPr sz="1040" b="1"/>
             </a:lvl9pPr>
           </a:lstStyle>
           <a:p>
@@ -1600,13 +1414,7 @@
       </p:sp>
       <p:sp>
         <p:nvSpPr>
-          <p:cNvPr id="4" name="Content Placeholder 3">
-            <a:extLst>
-              <a:ext uri="{FF2B5EF4-FFF2-40B4-BE49-F238E27FC236}">
-                <a16:creationId xmlns:a16="http://schemas.microsoft.com/office/drawing/2014/main" id="{6DE86ACB-267C-E5EA-6A72-3F6DB5806BCC}"/>
-              </a:ext>
-            </a:extLst>
-          </p:cNvPr>
+          <p:cNvPr id="4" name="Content Placeholder 3"/>
           <p:cNvSpPr>
             <a:spLocks noGrp="1"/>
           </p:cNvSpPr>
@@ -1616,8 +1424,8 @@
         </p:nvSpPr>
         <p:spPr>
           <a:xfrm>
-            <a:off x="839788" y="2505075"/>
-            <a:ext cx="5157787" cy="3684588"/>
+            <a:off x="409397" y="2501016"/>
+            <a:ext cx="2514421" cy="3678618"/>
           </a:xfrm>
         </p:spPr>
         <p:txBody>
@@ -1657,18 +1465,13 @@
               <a:rPr lang="en-US"/>
               <a:t>Fifth level</a:t>
             </a:r>
-          </a:p>
-        </p:txBody>
-      </p:sp>
-      <p:sp>
-        <p:nvSpPr>
-          <p:cNvPr id="5" name="Text Placeholder 4">
-            <a:extLst>
-              <a:ext uri="{FF2B5EF4-FFF2-40B4-BE49-F238E27FC236}">
-                <a16:creationId xmlns:a16="http://schemas.microsoft.com/office/drawing/2014/main" id="{783EC76A-48F1-D1DB-B1D7-10FC09E4AD7F}"/>
-              </a:ext>
-            </a:extLst>
-          </p:cNvPr>
+            <a:endParaRPr lang="en-US" dirty="0"/>
+          </a:p>
+        </p:txBody>
+      </p:sp>
+      <p:sp>
+        <p:nvSpPr>
+          <p:cNvPr id="5" name="Text Placeholder 4"/>
           <p:cNvSpPr>
             <a:spLocks noGrp="1"/>
           </p:cNvSpPr>
@@ -1678,8 +1481,8 @@
         </p:nvSpPr>
         <p:spPr>
           <a:xfrm>
-            <a:off x="6172200" y="1681163"/>
-            <a:ext cx="5183188" cy="823912"/>
+            <a:off x="3008948" y="1678439"/>
+            <a:ext cx="2526804" cy="822577"/>
           </a:xfrm>
         </p:spPr>
         <p:txBody>
@@ -1687,39 +1490,39 @@
           <a:lstStyle>
             <a:lvl1pPr marL="0" indent="0">
               <a:buNone/>
-              <a:defRPr sz="2400" b="1"/>
+              <a:defRPr sz="1560" b="1"/>
             </a:lvl1pPr>
-            <a:lvl2pPr marL="457200" indent="0">
+            <a:lvl2pPr marL="297180" indent="0">
               <a:buNone/>
-              <a:defRPr sz="2000" b="1"/>
+              <a:defRPr sz="1300" b="1"/>
             </a:lvl2pPr>
-            <a:lvl3pPr marL="914400" indent="0">
+            <a:lvl3pPr marL="594360" indent="0">
               <a:buNone/>
-              <a:defRPr sz="1800" b="1"/>
+              <a:defRPr sz="1170" b="1"/>
             </a:lvl3pPr>
-            <a:lvl4pPr marL="1371600" indent="0">
+            <a:lvl4pPr marL="891540" indent="0">
               <a:buNone/>
-              <a:defRPr sz="1600" b="1"/>
+              <a:defRPr sz="1040" b="1"/>
             </a:lvl4pPr>
-            <a:lvl5pPr marL="1828800" indent="0">
+            <a:lvl5pPr marL="1188720" indent="0">
               <a:buNone/>
-              <a:defRPr sz="1600" b="1"/>
+              <a:defRPr sz="1040" b="1"/>
             </a:lvl5pPr>
-            <a:lvl6pPr marL="2286000" indent="0">
+            <a:lvl6pPr marL="1485900" indent="0">
               <a:buNone/>
-              <a:defRPr sz="1600" b="1"/>
+              <a:defRPr sz="1040" b="1"/>
             </a:lvl6pPr>
-            <a:lvl7pPr marL="2743200" indent="0">
+            <a:lvl7pPr marL="1783080" indent="0">
               <a:buNone/>
-              <a:defRPr sz="1600" b="1"/>
+              <a:defRPr sz="1040" b="1"/>
             </a:lvl7pPr>
-            <a:lvl8pPr marL="3200400" indent="0">
+            <a:lvl8pPr marL="2080260" indent="0">
               <a:buNone/>
-              <a:defRPr sz="1600" b="1"/>
+              <a:defRPr sz="1040" b="1"/>
             </a:lvl8pPr>
-            <a:lvl9pPr marL="3657600" indent="0">
+            <a:lvl9pPr marL="2377440" indent="0">
               <a:buNone/>
-              <a:defRPr sz="1600" b="1"/>
+              <a:defRPr sz="1040" b="1"/>
             </a:lvl9pPr>
           </a:lstStyle>
           <a:p>
@@ -1733,13 +1536,7 @@
       </p:sp>
       <p:sp>
         <p:nvSpPr>
-          <p:cNvPr id="6" name="Content Placeholder 5">
-            <a:extLst>
-              <a:ext uri="{FF2B5EF4-FFF2-40B4-BE49-F238E27FC236}">
-                <a16:creationId xmlns:a16="http://schemas.microsoft.com/office/drawing/2014/main" id="{AC05491C-7522-284C-792C-5FC70A2937F7}"/>
-              </a:ext>
-            </a:extLst>
-          </p:cNvPr>
+          <p:cNvPr id="6" name="Content Placeholder 5"/>
           <p:cNvSpPr>
             <a:spLocks noGrp="1"/>
           </p:cNvSpPr>
@@ -1749,8 +1546,8 @@
         </p:nvSpPr>
         <p:spPr>
           <a:xfrm>
-            <a:off x="6172200" y="2505075"/>
-            <a:ext cx="5183188" cy="3684588"/>
+            <a:off x="3008948" y="2501016"/>
+            <a:ext cx="2526804" cy="3678618"/>
           </a:xfrm>
         </p:spPr>
         <p:txBody>
@@ -1790,18 +1587,13 @@
               <a:rPr lang="en-US"/>
               <a:t>Fifth level</a:t>
             </a:r>
-          </a:p>
-        </p:txBody>
-      </p:sp>
-      <p:sp>
-        <p:nvSpPr>
-          <p:cNvPr id="7" name="Date Placeholder 6">
-            <a:extLst>
-              <a:ext uri="{FF2B5EF4-FFF2-40B4-BE49-F238E27FC236}">
-                <a16:creationId xmlns:a16="http://schemas.microsoft.com/office/drawing/2014/main" id="{DD567878-6E7B-5C6A-F57E-008034ACBAEA}"/>
-              </a:ext>
-            </a:extLst>
-          </p:cNvPr>
+            <a:endParaRPr lang="en-US" dirty="0"/>
+          </a:p>
+        </p:txBody>
+      </p:sp>
+      <p:sp>
+        <p:nvSpPr>
+          <p:cNvPr id="7" name="Date Placeholder 6"/>
           <p:cNvSpPr>
             <a:spLocks noGrp="1"/>
           </p:cNvSpPr>
@@ -1816,7 +1608,7 @@
           <a:p>
             <a:fld id="{886EB2E9-B1E9-5642-BE79-612C8F9B1248}" type="datetimeFigureOut">
               <a:rPr lang="en-US" smtClean="0"/>
-              <a:t>3/28/24</a:t>
+              <a:t>11/14/25</a:t>
             </a:fld>
             <a:endParaRPr lang="en-US"/>
           </a:p>
@@ -1824,13 +1616,7 @@
       </p:sp>
       <p:sp>
         <p:nvSpPr>
-          <p:cNvPr id="8" name="Footer Placeholder 7">
-            <a:extLst>
-              <a:ext uri="{FF2B5EF4-FFF2-40B4-BE49-F238E27FC236}">
-                <a16:creationId xmlns:a16="http://schemas.microsoft.com/office/drawing/2014/main" id="{8AB804FC-FED2-7120-06F0-D2EB7F0466CC}"/>
-              </a:ext>
-            </a:extLst>
-          </p:cNvPr>
+          <p:cNvPr id="8" name="Footer Placeholder 7"/>
           <p:cNvSpPr>
             <a:spLocks noGrp="1"/>
           </p:cNvSpPr>
@@ -1849,13 +1635,7 @@
       </p:sp>
       <p:sp>
         <p:nvSpPr>
-          <p:cNvPr id="9" name="Slide Number Placeholder 8">
-            <a:extLst>
-              <a:ext uri="{FF2B5EF4-FFF2-40B4-BE49-F238E27FC236}">
-                <a16:creationId xmlns:a16="http://schemas.microsoft.com/office/drawing/2014/main" id="{5C7735FF-BFE1-9405-5D15-413482CBA1DC}"/>
-              </a:ext>
-            </a:extLst>
-          </p:cNvPr>
+          <p:cNvPr id="9" name="Slide Number Placeholder 8"/>
           <p:cNvSpPr>
             <a:spLocks noGrp="1"/>
           </p:cNvSpPr>
@@ -1879,7 +1659,7 @@
     </p:spTree>
     <p:extLst>
       <p:ext uri="{BB962C8B-B14F-4D97-AF65-F5344CB8AC3E}">
-        <p14:creationId xmlns:p14="http://schemas.microsoft.com/office/powerpoint/2010/main" val="1896466219"/>
+        <p14:creationId xmlns:p14="http://schemas.microsoft.com/office/powerpoint/2010/main" val="191846352"/>
       </p:ext>
     </p:extLst>
   </p:cSld>
@@ -1908,13 +1688,7 @@
       </p:grpSpPr>
       <p:sp>
         <p:nvSpPr>
-          <p:cNvPr id="2" name="Title 1">
-            <a:extLst>
-              <a:ext uri="{FF2B5EF4-FFF2-40B4-BE49-F238E27FC236}">
-                <a16:creationId xmlns:a16="http://schemas.microsoft.com/office/drawing/2014/main" id="{1F86EC4B-4B1C-D7B4-355F-08E83F679EB4}"/>
-              </a:ext>
-            </a:extLst>
-          </p:cNvPr>
+          <p:cNvPr id="2" name="Title 1"/>
           <p:cNvSpPr>
             <a:spLocks noGrp="1"/>
           </p:cNvSpPr>
@@ -1931,18 +1705,13 @@
               <a:rPr lang="en-US"/>
               <a:t>Click to edit Master title style</a:t>
             </a:r>
-          </a:p>
-        </p:txBody>
-      </p:sp>
-      <p:sp>
-        <p:nvSpPr>
-          <p:cNvPr id="3" name="Date Placeholder 2">
-            <a:extLst>
-              <a:ext uri="{FF2B5EF4-FFF2-40B4-BE49-F238E27FC236}">
-                <a16:creationId xmlns:a16="http://schemas.microsoft.com/office/drawing/2014/main" id="{EC4E7763-FE06-B158-0012-BA5D3D2A7A96}"/>
-              </a:ext>
-            </a:extLst>
-          </p:cNvPr>
+            <a:endParaRPr lang="en-US" dirty="0"/>
+          </a:p>
+        </p:txBody>
+      </p:sp>
+      <p:sp>
+        <p:nvSpPr>
+          <p:cNvPr id="3" name="Date Placeholder 2"/>
           <p:cNvSpPr>
             <a:spLocks noGrp="1"/>
           </p:cNvSpPr>
@@ -1957,7 +1726,7 @@
           <a:p>
             <a:fld id="{886EB2E9-B1E9-5642-BE79-612C8F9B1248}" type="datetimeFigureOut">
               <a:rPr lang="en-US" smtClean="0"/>
-              <a:t>3/28/24</a:t>
+              <a:t>11/14/25</a:t>
             </a:fld>
             <a:endParaRPr lang="en-US"/>
           </a:p>
@@ -1965,13 +1734,7 @@
       </p:sp>
       <p:sp>
         <p:nvSpPr>
-          <p:cNvPr id="4" name="Footer Placeholder 3">
-            <a:extLst>
-              <a:ext uri="{FF2B5EF4-FFF2-40B4-BE49-F238E27FC236}">
-                <a16:creationId xmlns:a16="http://schemas.microsoft.com/office/drawing/2014/main" id="{C761CF65-EF14-FE1B-F1DA-1B33F298623D}"/>
-              </a:ext>
-            </a:extLst>
-          </p:cNvPr>
+          <p:cNvPr id="4" name="Footer Placeholder 3"/>
           <p:cNvSpPr>
             <a:spLocks noGrp="1"/>
           </p:cNvSpPr>
@@ -1990,13 +1753,7 @@
       </p:sp>
       <p:sp>
         <p:nvSpPr>
-          <p:cNvPr id="5" name="Slide Number Placeholder 4">
-            <a:extLst>
-              <a:ext uri="{FF2B5EF4-FFF2-40B4-BE49-F238E27FC236}">
-                <a16:creationId xmlns:a16="http://schemas.microsoft.com/office/drawing/2014/main" id="{D6E83B69-15F4-CDDF-C52E-207371CEFC73}"/>
-              </a:ext>
-            </a:extLst>
-          </p:cNvPr>
+          <p:cNvPr id="5" name="Slide Number Placeholder 4"/>
           <p:cNvSpPr>
             <a:spLocks noGrp="1"/>
           </p:cNvSpPr>
@@ -2020,7 +1777,7 @@
     </p:spTree>
     <p:extLst>
       <p:ext uri="{BB962C8B-B14F-4D97-AF65-F5344CB8AC3E}">
-        <p14:creationId xmlns:p14="http://schemas.microsoft.com/office/powerpoint/2010/main" val="2279154503"/>
+        <p14:creationId xmlns:p14="http://schemas.microsoft.com/office/powerpoint/2010/main" val="3147398288"/>
       </p:ext>
     </p:extLst>
   </p:cSld>
@@ -2049,13 +1806,7 @@
       </p:grpSpPr>
       <p:sp>
         <p:nvSpPr>
-          <p:cNvPr id="2" name="Date Placeholder 1">
-            <a:extLst>
-              <a:ext uri="{FF2B5EF4-FFF2-40B4-BE49-F238E27FC236}">
-                <a16:creationId xmlns:a16="http://schemas.microsoft.com/office/drawing/2014/main" id="{7DA1FC05-1FE0-ED0F-F449-6248E7699623}"/>
-              </a:ext>
-            </a:extLst>
-          </p:cNvPr>
+          <p:cNvPr id="2" name="Date Placeholder 1"/>
           <p:cNvSpPr>
             <a:spLocks noGrp="1"/>
           </p:cNvSpPr>
@@ -2070,7 +1821,7 @@
           <a:p>
             <a:fld id="{886EB2E9-B1E9-5642-BE79-612C8F9B1248}" type="datetimeFigureOut">
               <a:rPr lang="en-US" smtClean="0"/>
-              <a:t>3/28/24</a:t>
+              <a:t>11/14/25</a:t>
             </a:fld>
             <a:endParaRPr lang="en-US"/>
           </a:p>
@@ -2078,13 +1829,7 @@
       </p:sp>
       <p:sp>
         <p:nvSpPr>
-          <p:cNvPr id="3" name="Footer Placeholder 2">
-            <a:extLst>
-              <a:ext uri="{FF2B5EF4-FFF2-40B4-BE49-F238E27FC236}">
-                <a16:creationId xmlns:a16="http://schemas.microsoft.com/office/drawing/2014/main" id="{084A643C-42C9-9ADF-0A25-2248AAA35825}"/>
-              </a:ext>
-            </a:extLst>
-          </p:cNvPr>
+          <p:cNvPr id="3" name="Footer Placeholder 2"/>
           <p:cNvSpPr>
             <a:spLocks noGrp="1"/>
           </p:cNvSpPr>
@@ -2103,13 +1848,7 @@
       </p:sp>
       <p:sp>
         <p:nvSpPr>
-          <p:cNvPr id="4" name="Slide Number Placeholder 3">
-            <a:extLst>
-              <a:ext uri="{FF2B5EF4-FFF2-40B4-BE49-F238E27FC236}">
-                <a16:creationId xmlns:a16="http://schemas.microsoft.com/office/drawing/2014/main" id="{0327EAA6-F439-616C-7F5E-057C199EA03A}"/>
-              </a:ext>
-            </a:extLst>
-          </p:cNvPr>
+          <p:cNvPr id="4" name="Slide Number Placeholder 3"/>
           <p:cNvSpPr>
             <a:spLocks noGrp="1"/>
           </p:cNvSpPr>
@@ -2133,7 +1872,7 @@
     </p:spTree>
     <p:extLst>
       <p:ext uri="{BB962C8B-B14F-4D97-AF65-F5344CB8AC3E}">
-        <p14:creationId xmlns:p14="http://schemas.microsoft.com/office/powerpoint/2010/main" val="3073906416"/>
+        <p14:creationId xmlns:p14="http://schemas.microsoft.com/office/powerpoint/2010/main" val="1024124607"/>
       </p:ext>
     </p:extLst>
   </p:cSld>
@@ -2162,13 +1901,7 @@
       </p:grpSpPr>
       <p:sp>
         <p:nvSpPr>
-          <p:cNvPr id="2" name="Title 1">
-            <a:extLst>
-              <a:ext uri="{FF2B5EF4-FFF2-40B4-BE49-F238E27FC236}">
-                <a16:creationId xmlns:a16="http://schemas.microsoft.com/office/drawing/2014/main" id="{A095372C-1807-C055-9F9C-89A3E910E219}"/>
-              </a:ext>
-            </a:extLst>
-          </p:cNvPr>
+          <p:cNvPr id="2" name="Title 1"/>
           <p:cNvSpPr>
             <a:spLocks noGrp="1"/>
           </p:cNvSpPr>
@@ -2178,15 +1911,15 @@
         </p:nvSpPr>
         <p:spPr>
           <a:xfrm>
-            <a:off x="839788" y="457200"/>
-            <a:ext cx="3932237" cy="1600200"/>
+            <a:off x="409397" y="456459"/>
+            <a:ext cx="1916966" cy="1597607"/>
           </a:xfrm>
         </p:spPr>
         <p:txBody>
           <a:bodyPr anchor="b"/>
           <a:lstStyle>
             <a:lvl1pPr>
-              <a:defRPr sz="3200"/>
+              <a:defRPr sz="2080"/>
             </a:lvl1pPr>
           </a:lstStyle>
           <a:p>
@@ -2194,18 +1927,13 @@
               <a:rPr lang="en-US"/>
               <a:t>Click to edit Master title style</a:t>
             </a:r>
-          </a:p>
-        </p:txBody>
-      </p:sp>
-      <p:sp>
-        <p:nvSpPr>
-          <p:cNvPr id="3" name="Content Placeholder 2">
-            <a:extLst>
-              <a:ext uri="{FF2B5EF4-FFF2-40B4-BE49-F238E27FC236}">
-                <a16:creationId xmlns:a16="http://schemas.microsoft.com/office/drawing/2014/main" id="{ACF4AF91-14AC-B1ED-FBBC-320BBA9F9D47}"/>
-              </a:ext>
-            </a:extLst>
-          </p:cNvPr>
+            <a:endParaRPr lang="en-US" dirty="0"/>
+          </a:p>
+        </p:txBody>
+      </p:sp>
+      <p:sp>
+        <p:nvSpPr>
+          <p:cNvPr id="3" name="Content Placeholder 2"/>
           <p:cNvSpPr>
             <a:spLocks noGrp="1"/>
           </p:cNvSpPr>
@@ -2215,39 +1943,39 @@
         </p:nvSpPr>
         <p:spPr>
           <a:xfrm>
-            <a:off x="5183188" y="987425"/>
-            <a:ext cx="6172200" cy="4873625"/>
+            <a:off x="2526804" y="985827"/>
+            <a:ext cx="3008948" cy="4865728"/>
           </a:xfrm>
         </p:spPr>
         <p:txBody>
           <a:bodyPr/>
           <a:lstStyle>
             <a:lvl1pPr>
-              <a:defRPr sz="3200"/>
+              <a:defRPr sz="2080"/>
             </a:lvl1pPr>
             <a:lvl2pPr>
-              <a:defRPr sz="2800"/>
+              <a:defRPr sz="1820"/>
             </a:lvl2pPr>
             <a:lvl3pPr>
-              <a:defRPr sz="2400"/>
+              <a:defRPr sz="1560"/>
             </a:lvl3pPr>
             <a:lvl4pPr>
-              <a:defRPr sz="2000"/>
+              <a:defRPr sz="1300"/>
             </a:lvl4pPr>
             <a:lvl5pPr>
-              <a:defRPr sz="2000"/>
+              <a:defRPr sz="1300"/>
             </a:lvl5pPr>
             <a:lvl6pPr>
-              <a:defRPr sz="2000"/>
+              <a:defRPr sz="1300"/>
             </a:lvl6pPr>
             <a:lvl7pPr>
-              <a:defRPr sz="2000"/>
+              <a:defRPr sz="1300"/>
             </a:lvl7pPr>
             <a:lvl8pPr>
-              <a:defRPr sz="2000"/>
+              <a:defRPr sz="1300"/>
             </a:lvl8pPr>
             <a:lvl9pPr>
-              <a:defRPr sz="2000"/>
+              <a:defRPr sz="1300"/>
             </a:lvl9pPr>
           </a:lstStyle>
           <a:p>
@@ -2284,18 +2012,13 @@
               <a:rPr lang="en-US"/>
               <a:t>Fifth level</a:t>
             </a:r>
-          </a:p>
-        </p:txBody>
-      </p:sp>
-      <p:sp>
-        <p:nvSpPr>
-          <p:cNvPr id="4" name="Text Placeholder 3">
-            <a:extLst>
-              <a:ext uri="{FF2B5EF4-FFF2-40B4-BE49-F238E27FC236}">
-                <a16:creationId xmlns:a16="http://schemas.microsoft.com/office/drawing/2014/main" id="{AD90EE3E-73C7-D92A-30F2-8EAA5FD359F4}"/>
-              </a:ext>
-            </a:extLst>
-          </p:cNvPr>
+            <a:endParaRPr lang="en-US" dirty="0"/>
+          </a:p>
+        </p:txBody>
+      </p:sp>
+      <p:sp>
+        <p:nvSpPr>
+          <p:cNvPr id="4" name="Text Placeholder 3"/>
           <p:cNvSpPr>
             <a:spLocks noGrp="1"/>
           </p:cNvSpPr>
@@ -2305,8 +2028,8 @@
         </p:nvSpPr>
         <p:spPr>
           <a:xfrm>
-            <a:off x="839788" y="2057400"/>
-            <a:ext cx="3932237" cy="3811588"/>
+            <a:off x="409397" y="2054066"/>
+            <a:ext cx="1916966" cy="3805412"/>
           </a:xfrm>
         </p:spPr>
         <p:txBody>
@@ -2314,39 +2037,39 @@
           <a:lstStyle>
             <a:lvl1pPr marL="0" indent="0">
               <a:buNone/>
-              <a:defRPr sz="1600"/>
+              <a:defRPr sz="1040"/>
             </a:lvl1pPr>
-            <a:lvl2pPr marL="457200" indent="0">
+            <a:lvl2pPr marL="297180" indent="0">
               <a:buNone/>
-              <a:defRPr sz="1400"/>
+              <a:defRPr sz="910"/>
             </a:lvl2pPr>
-            <a:lvl3pPr marL="914400" indent="0">
+            <a:lvl3pPr marL="594360" indent="0">
               <a:buNone/>
-              <a:defRPr sz="1200"/>
+              <a:defRPr sz="780"/>
             </a:lvl3pPr>
-            <a:lvl4pPr marL="1371600" indent="0">
+            <a:lvl4pPr marL="891540" indent="0">
               <a:buNone/>
-              <a:defRPr sz="1000"/>
+              <a:defRPr sz="650"/>
             </a:lvl4pPr>
-            <a:lvl5pPr marL="1828800" indent="0">
+            <a:lvl5pPr marL="1188720" indent="0">
               <a:buNone/>
-              <a:defRPr sz="1000"/>
+              <a:defRPr sz="650"/>
             </a:lvl5pPr>
-            <a:lvl6pPr marL="2286000" indent="0">
+            <a:lvl6pPr marL="1485900" indent="0">
               <a:buNone/>
-              <a:defRPr sz="1000"/>
+              <a:defRPr sz="650"/>
             </a:lvl6pPr>
-            <a:lvl7pPr marL="2743200" indent="0">
+            <a:lvl7pPr marL="1783080" indent="0">
               <a:buNone/>
-              <a:defRPr sz="1000"/>
+              <a:defRPr sz="650"/>
             </a:lvl7pPr>
-            <a:lvl8pPr marL="3200400" indent="0">
+            <a:lvl8pPr marL="2080260" indent="0">
               <a:buNone/>
-              <a:defRPr sz="1000"/>
+              <a:defRPr sz="650"/>
             </a:lvl8pPr>
-            <a:lvl9pPr marL="3657600" indent="0">
+            <a:lvl9pPr marL="2377440" indent="0">
               <a:buNone/>
-              <a:defRPr sz="1000"/>
+              <a:defRPr sz="650"/>
             </a:lvl9pPr>
           </a:lstStyle>
           <a:p>
@@ -2360,13 +2083,7 @@
       </p:sp>
       <p:sp>
         <p:nvSpPr>
-          <p:cNvPr id="5" name="Date Placeholder 4">
-            <a:extLst>
-              <a:ext uri="{FF2B5EF4-FFF2-40B4-BE49-F238E27FC236}">
-                <a16:creationId xmlns:a16="http://schemas.microsoft.com/office/drawing/2014/main" id="{3F910BB5-D043-0BBF-FF87-97EACBC29603}"/>
-              </a:ext>
-            </a:extLst>
-          </p:cNvPr>
+          <p:cNvPr id="5" name="Date Placeholder 4"/>
           <p:cNvSpPr>
             <a:spLocks noGrp="1"/>
           </p:cNvSpPr>
@@ -2381,7 +2098,7 @@
           <a:p>
             <a:fld id="{886EB2E9-B1E9-5642-BE79-612C8F9B1248}" type="datetimeFigureOut">
               <a:rPr lang="en-US" smtClean="0"/>
-              <a:t>3/28/24</a:t>
+              <a:t>11/14/25</a:t>
             </a:fld>
             <a:endParaRPr lang="en-US"/>
           </a:p>
@@ -2389,13 +2106,7 @@
       </p:sp>
       <p:sp>
         <p:nvSpPr>
-          <p:cNvPr id="6" name="Footer Placeholder 5">
-            <a:extLst>
-              <a:ext uri="{FF2B5EF4-FFF2-40B4-BE49-F238E27FC236}">
-                <a16:creationId xmlns:a16="http://schemas.microsoft.com/office/drawing/2014/main" id="{72F12F71-086E-D5AA-8176-5E6AFAE7C2A0}"/>
-              </a:ext>
-            </a:extLst>
-          </p:cNvPr>
+          <p:cNvPr id="6" name="Footer Placeholder 5"/>
           <p:cNvSpPr>
             <a:spLocks noGrp="1"/>
           </p:cNvSpPr>
@@ -2414,13 +2125,7 @@
       </p:sp>
       <p:sp>
         <p:nvSpPr>
-          <p:cNvPr id="7" name="Slide Number Placeholder 6">
-            <a:extLst>
-              <a:ext uri="{FF2B5EF4-FFF2-40B4-BE49-F238E27FC236}">
-                <a16:creationId xmlns:a16="http://schemas.microsoft.com/office/drawing/2014/main" id="{8C071388-B984-3A37-79A4-4B9CCA42B2DA}"/>
-              </a:ext>
-            </a:extLst>
-          </p:cNvPr>
+          <p:cNvPr id="7" name="Slide Number Placeholder 6"/>
           <p:cNvSpPr>
             <a:spLocks noGrp="1"/>
           </p:cNvSpPr>
@@ -2444,7 +2149,7 @@
     </p:spTree>
     <p:extLst>
       <p:ext uri="{BB962C8B-B14F-4D97-AF65-F5344CB8AC3E}">
-        <p14:creationId xmlns:p14="http://schemas.microsoft.com/office/powerpoint/2010/main" val="3525167568"/>
+        <p14:creationId xmlns:p14="http://schemas.microsoft.com/office/powerpoint/2010/main" val="3698046743"/>
       </p:ext>
     </p:extLst>
   </p:cSld>
@@ -2473,13 +2178,7 @@
       </p:grpSpPr>
       <p:sp>
         <p:nvSpPr>
-          <p:cNvPr id="2" name="Title 1">
-            <a:extLst>
-              <a:ext uri="{FF2B5EF4-FFF2-40B4-BE49-F238E27FC236}">
-                <a16:creationId xmlns:a16="http://schemas.microsoft.com/office/drawing/2014/main" id="{BC7A1B7F-9BFE-C263-26D1-8F82ADA20C97}"/>
-              </a:ext>
-            </a:extLst>
-          </p:cNvPr>
+          <p:cNvPr id="2" name="Title 1"/>
           <p:cNvSpPr>
             <a:spLocks noGrp="1"/>
           </p:cNvSpPr>
@@ -2489,15 +2188,15 @@
         </p:nvSpPr>
         <p:spPr>
           <a:xfrm>
-            <a:off x="839788" y="457200"/>
-            <a:ext cx="3932237" cy="1600200"/>
+            <a:off x="409397" y="456459"/>
+            <a:ext cx="1916966" cy="1597607"/>
           </a:xfrm>
         </p:spPr>
         <p:txBody>
           <a:bodyPr anchor="b"/>
           <a:lstStyle>
             <a:lvl1pPr>
-              <a:defRPr sz="3200"/>
+              <a:defRPr sz="2080"/>
             </a:lvl1pPr>
           </a:lstStyle>
           <a:p>
@@ -2505,20 +2204,15 @@
               <a:rPr lang="en-US"/>
               <a:t>Click to edit Master title style</a:t>
             </a:r>
-          </a:p>
-        </p:txBody>
-      </p:sp>
-      <p:sp>
-        <p:nvSpPr>
-          <p:cNvPr id="3" name="Picture Placeholder 2">
-            <a:extLst>
-              <a:ext uri="{FF2B5EF4-FFF2-40B4-BE49-F238E27FC236}">
-                <a16:creationId xmlns:a16="http://schemas.microsoft.com/office/drawing/2014/main" id="{418C867D-CD0F-09F7-E359-E59FAD1D9A6C}"/>
-              </a:ext>
-            </a:extLst>
-          </p:cNvPr>
+            <a:endParaRPr lang="en-US" dirty="0"/>
+          </a:p>
+        </p:txBody>
+      </p:sp>
+      <p:sp>
+        <p:nvSpPr>
+          <p:cNvPr id="3" name="Picture Placeholder 2"/>
           <p:cNvSpPr>
-            <a:spLocks noGrp="1"/>
+            <a:spLocks noGrp="1" noChangeAspect="1"/>
           </p:cNvSpPr>
           <p:nvPr>
             <p:ph type="pic" idx="1"/>
@@ -2526,64 +2220,62 @@
         </p:nvSpPr>
         <p:spPr>
           <a:xfrm>
-            <a:off x="5183188" y="987425"/>
-            <a:ext cx="6172200" cy="4873625"/>
-          </a:xfrm>
-        </p:spPr>
-        <p:txBody>
-          <a:bodyPr/>
+            <a:off x="2526804" y="985827"/>
+            <a:ext cx="3008948" cy="4865728"/>
+          </a:xfrm>
+        </p:spPr>
+        <p:txBody>
+          <a:bodyPr anchor="t"/>
           <a:lstStyle>
             <a:lvl1pPr marL="0" indent="0">
               <a:buNone/>
-              <a:defRPr sz="3200"/>
+              <a:defRPr sz="2080"/>
             </a:lvl1pPr>
-            <a:lvl2pPr marL="457200" indent="0">
+            <a:lvl2pPr marL="297180" indent="0">
               <a:buNone/>
-              <a:defRPr sz="2800"/>
+              <a:defRPr sz="1820"/>
             </a:lvl2pPr>
-            <a:lvl3pPr marL="914400" indent="0">
+            <a:lvl3pPr marL="594360" indent="0">
               <a:buNone/>
-              <a:defRPr sz="2400"/>
+              <a:defRPr sz="1560"/>
             </a:lvl3pPr>
-            <a:lvl4pPr marL="1371600" indent="0">
+            <a:lvl4pPr marL="891540" indent="0">
               <a:buNone/>
-              <a:defRPr sz="2000"/>
+              <a:defRPr sz="1300"/>
             </a:lvl4pPr>
-            <a:lvl5pPr marL="1828800" indent="0">
+            <a:lvl5pPr marL="1188720" indent="0">
               <a:buNone/>
-              <a:defRPr sz="2000"/>
+              <a:defRPr sz="1300"/>
             </a:lvl5pPr>
-            <a:lvl6pPr marL="2286000" indent="0">
+            <a:lvl6pPr marL="1485900" indent="0">
               <a:buNone/>
-              <a:defRPr sz="2000"/>
+              <a:defRPr sz="1300"/>
             </a:lvl6pPr>
-            <a:lvl7pPr marL="2743200" indent="0">
+            <a:lvl7pPr marL="1783080" indent="0">
               <a:buNone/>
-              <a:defRPr sz="2000"/>
+              <a:defRPr sz="1300"/>
             </a:lvl7pPr>
-            <a:lvl8pPr marL="3200400" indent="0">
+            <a:lvl8pPr marL="2080260" indent="0">
               <a:buNone/>
-              <a:defRPr sz="2000"/>
+              <a:defRPr sz="1300"/>
             </a:lvl8pPr>
-            <a:lvl9pPr marL="3657600" indent="0">
+            <a:lvl9pPr marL="2377440" indent="0">
               <a:buNone/>
-              <a:defRPr sz="2000"/>
+              <a:defRPr sz="1300"/>
             </a:lvl9pPr>
           </a:lstStyle>
           <a:p>
-            <a:endParaRPr lang="en-US"/>
-          </a:p>
-        </p:txBody>
-      </p:sp>
-      <p:sp>
-        <p:nvSpPr>
-          <p:cNvPr id="4" name="Text Placeholder 3">
-            <a:extLst>
-              <a:ext uri="{FF2B5EF4-FFF2-40B4-BE49-F238E27FC236}">
-                <a16:creationId xmlns:a16="http://schemas.microsoft.com/office/drawing/2014/main" id="{27BF3842-160B-8FBA-5B8B-97BD0F134AE2}"/>
-              </a:ext>
-            </a:extLst>
-          </p:cNvPr>
+            <a:r>
+              <a:rPr lang="en-US"/>
+              <a:t>Click icon to add picture</a:t>
+            </a:r>
+            <a:endParaRPr lang="en-US" dirty="0"/>
+          </a:p>
+        </p:txBody>
+      </p:sp>
+      <p:sp>
+        <p:nvSpPr>
+          <p:cNvPr id="4" name="Text Placeholder 3"/>
           <p:cNvSpPr>
             <a:spLocks noGrp="1"/>
           </p:cNvSpPr>
@@ -2593,8 +2285,8 @@
         </p:nvSpPr>
         <p:spPr>
           <a:xfrm>
-            <a:off x="839788" y="2057400"/>
-            <a:ext cx="3932237" cy="3811588"/>
+            <a:off x="409397" y="2054066"/>
+            <a:ext cx="1916966" cy="3805412"/>
           </a:xfrm>
         </p:spPr>
         <p:txBody>
@@ -2602,39 +2294,39 @@
           <a:lstStyle>
             <a:lvl1pPr marL="0" indent="0">
               <a:buNone/>
-              <a:defRPr sz="1600"/>
+              <a:defRPr sz="1040"/>
             </a:lvl1pPr>
-            <a:lvl2pPr marL="457200" indent="0">
+            <a:lvl2pPr marL="297180" indent="0">
               <a:buNone/>
-              <a:defRPr sz="1400"/>
+              <a:defRPr sz="910"/>
             </a:lvl2pPr>
-            <a:lvl3pPr marL="914400" indent="0">
+            <a:lvl3pPr marL="594360" indent="0">
               <a:buNone/>
-              <a:defRPr sz="1200"/>
+              <a:defRPr sz="780"/>
             </a:lvl3pPr>
-            <a:lvl4pPr marL="1371600" indent="0">
+            <a:lvl4pPr marL="891540" indent="0">
               <a:buNone/>
-              <a:defRPr sz="1000"/>
+              <a:defRPr sz="650"/>
             </a:lvl4pPr>
-            <a:lvl5pPr marL="1828800" indent="0">
+            <a:lvl5pPr marL="1188720" indent="0">
               <a:buNone/>
-              <a:defRPr sz="1000"/>
+              <a:defRPr sz="650"/>
             </a:lvl5pPr>
-            <a:lvl6pPr marL="2286000" indent="0">
+            <a:lvl6pPr marL="1485900" indent="0">
               <a:buNone/>
-              <a:defRPr sz="1000"/>
+              <a:defRPr sz="650"/>
             </a:lvl6pPr>
-            <a:lvl7pPr marL="2743200" indent="0">
+            <a:lvl7pPr marL="1783080" indent="0">
               <a:buNone/>
-              <a:defRPr sz="1000"/>
+              <a:defRPr sz="650"/>
             </a:lvl7pPr>
-            <a:lvl8pPr marL="3200400" indent="0">
+            <a:lvl8pPr marL="2080260" indent="0">
               <a:buNone/>
-              <a:defRPr sz="1000"/>
+              <a:defRPr sz="650"/>
             </a:lvl8pPr>
-            <a:lvl9pPr marL="3657600" indent="0">
+            <a:lvl9pPr marL="2377440" indent="0">
               <a:buNone/>
-              <a:defRPr sz="1000"/>
+              <a:defRPr sz="650"/>
             </a:lvl9pPr>
           </a:lstStyle>
           <a:p>
@@ -2648,13 +2340,7 @@
       </p:sp>
       <p:sp>
         <p:nvSpPr>
-          <p:cNvPr id="5" name="Date Placeholder 4">
-            <a:extLst>
-              <a:ext uri="{FF2B5EF4-FFF2-40B4-BE49-F238E27FC236}">
-                <a16:creationId xmlns:a16="http://schemas.microsoft.com/office/drawing/2014/main" id="{365E9358-4104-1321-C3B2-6A4F2947FB7F}"/>
-              </a:ext>
-            </a:extLst>
-          </p:cNvPr>
+          <p:cNvPr id="5" name="Date Placeholder 4"/>
           <p:cNvSpPr>
             <a:spLocks noGrp="1"/>
           </p:cNvSpPr>
@@ -2669,7 +2355,7 @@
           <a:p>
             <a:fld id="{886EB2E9-B1E9-5642-BE79-612C8F9B1248}" type="datetimeFigureOut">
               <a:rPr lang="en-US" smtClean="0"/>
-              <a:t>3/28/24</a:t>
+              <a:t>11/14/25</a:t>
             </a:fld>
             <a:endParaRPr lang="en-US"/>
           </a:p>
@@ -2677,13 +2363,7 @@
       </p:sp>
       <p:sp>
         <p:nvSpPr>
-          <p:cNvPr id="6" name="Footer Placeholder 5">
-            <a:extLst>
-              <a:ext uri="{FF2B5EF4-FFF2-40B4-BE49-F238E27FC236}">
-                <a16:creationId xmlns:a16="http://schemas.microsoft.com/office/drawing/2014/main" id="{11594F25-FC51-BFA2-01A2-6839BE9541C0}"/>
-              </a:ext>
-            </a:extLst>
-          </p:cNvPr>
+          <p:cNvPr id="6" name="Footer Placeholder 5"/>
           <p:cNvSpPr>
             <a:spLocks noGrp="1"/>
           </p:cNvSpPr>
@@ -2702,13 +2382,7 @@
       </p:sp>
       <p:sp>
         <p:nvSpPr>
-          <p:cNvPr id="7" name="Slide Number Placeholder 6">
-            <a:extLst>
-              <a:ext uri="{FF2B5EF4-FFF2-40B4-BE49-F238E27FC236}">
-                <a16:creationId xmlns:a16="http://schemas.microsoft.com/office/drawing/2014/main" id="{44EDE298-C917-4ECF-1C07-A89021FA54FA}"/>
-              </a:ext>
-            </a:extLst>
-          </p:cNvPr>
+          <p:cNvPr id="7" name="Slide Number Placeholder 6"/>
           <p:cNvSpPr>
             <a:spLocks noGrp="1"/>
           </p:cNvSpPr>
@@ -2732,7 +2406,7 @@
     </p:spTree>
     <p:extLst>
       <p:ext uri="{BB962C8B-B14F-4D97-AF65-F5344CB8AC3E}">
-        <p14:creationId xmlns:p14="http://schemas.microsoft.com/office/powerpoint/2010/main" val="1509185032"/>
+        <p14:creationId xmlns:p14="http://schemas.microsoft.com/office/powerpoint/2010/main" val="3106165686"/>
       </p:ext>
     </p:extLst>
   </p:cSld>
@@ -2766,13 +2440,7 @@
       </p:grpSpPr>
       <p:sp>
         <p:nvSpPr>
-          <p:cNvPr id="2" name="Title Placeholder 1">
-            <a:extLst>
-              <a:ext uri="{FF2B5EF4-FFF2-40B4-BE49-F238E27FC236}">
-                <a16:creationId xmlns:a16="http://schemas.microsoft.com/office/drawing/2014/main" id="{4E971778-2300-A78F-8097-45B2FC11B871}"/>
-              </a:ext>
-            </a:extLst>
-          </p:cNvPr>
+          <p:cNvPr id="2" name="Title Placeholder 1"/>
           <p:cNvSpPr>
             <a:spLocks noGrp="1"/>
           </p:cNvSpPr>
@@ -2782,8 +2450,8 @@
         </p:nvSpPr>
         <p:spPr>
           <a:xfrm>
-            <a:off x="838200" y="365125"/>
-            <a:ext cx="10515600" cy="1325563"/>
+            <a:off x="408623" y="364535"/>
+            <a:ext cx="5126355" cy="1323415"/>
           </a:xfrm>
           <a:prstGeom prst="rect">
             <a:avLst/>
@@ -2799,18 +2467,13 @@
               <a:rPr lang="en-US"/>
               <a:t>Click to edit Master title style</a:t>
             </a:r>
-          </a:p>
-        </p:txBody>
-      </p:sp>
-      <p:sp>
-        <p:nvSpPr>
-          <p:cNvPr id="3" name="Text Placeholder 2">
-            <a:extLst>
-              <a:ext uri="{FF2B5EF4-FFF2-40B4-BE49-F238E27FC236}">
-                <a16:creationId xmlns:a16="http://schemas.microsoft.com/office/drawing/2014/main" id="{A0C369A1-CDF1-AC3B-2B5D-037366BAA151}"/>
-              </a:ext>
-            </a:extLst>
-          </p:cNvPr>
+            <a:endParaRPr lang="en-US" dirty="0"/>
+          </a:p>
+        </p:txBody>
+      </p:sp>
+      <p:sp>
+        <p:nvSpPr>
+          <p:cNvPr id="3" name="Text Placeholder 2"/>
           <p:cNvSpPr>
             <a:spLocks noGrp="1"/>
           </p:cNvSpPr>
@@ -2820,8 +2483,8 @@
         </p:nvSpPr>
         <p:spPr>
           <a:xfrm>
-            <a:off x="838200" y="1825625"/>
-            <a:ext cx="10515600" cy="4351338"/>
+            <a:off x="408623" y="1822667"/>
+            <a:ext cx="5126355" cy="4344288"/>
           </a:xfrm>
           <a:prstGeom prst="rect">
             <a:avLst/>
@@ -2866,18 +2529,13 @@
               <a:rPr lang="en-US"/>
               <a:t>Fifth level</a:t>
             </a:r>
-          </a:p>
-        </p:txBody>
-      </p:sp>
-      <p:sp>
-        <p:nvSpPr>
-          <p:cNvPr id="4" name="Date Placeholder 3">
-            <a:extLst>
-              <a:ext uri="{FF2B5EF4-FFF2-40B4-BE49-F238E27FC236}">
-                <a16:creationId xmlns:a16="http://schemas.microsoft.com/office/drawing/2014/main" id="{6372B66F-6303-5D26-F7C5-05C067FC15DD}"/>
-              </a:ext>
-            </a:extLst>
-          </p:cNvPr>
+            <a:endParaRPr lang="en-US" dirty="0"/>
+          </a:p>
+        </p:txBody>
+      </p:sp>
+      <p:sp>
+        <p:nvSpPr>
+          <p:cNvPr id="4" name="Date Placeholder 3"/>
           <p:cNvSpPr>
             <a:spLocks noGrp="1"/>
           </p:cNvSpPr>
@@ -2887,8 +2545,8 @@
         </p:nvSpPr>
         <p:spPr>
           <a:xfrm>
-            <a:off x="838200" y="6356350"/>
-            <a:ext cx="2743200" cy="365125"/>
+            <a:off x="408622" y="6346053"/>
+            <a:ext cx="1337310" cy="364533"/>
           </a:xfrm>
           <a:prstGeom prst="rect">
             <a:avLst/>
@@ -2898,7 +2556,7 @@
           <a:bodyPr vert="horz" lIns="91440" tIns="45720" rIns="91440" bIns="45720" rtlCol="0" anchor="ctr"/>
           <a:lstStyle>
             <a:lvl1pPr algn="l">
-              <a:defRPr sz="1200">
+              <a:defRPr sz="780">
                 <a:solidFill>
                   <a:schemeClr val="tx1">
                     <a:tint val="75000"/>
@@ -2910,7 +2568,7 @@
           <a:p>
             <a:fld id="{886EB2E9-B1E9-5642-BE79-612C8F9B1248}" type="datetimeFigureOut">
               <a:rPr lang="en-US" smtClean="0"/>
-              <a:t>3/28/24</a:t>
+              <a:t>11/14/25</a:t>
             </a:fld>
             <a:endParaRPr lang="en-US"/>
           </a:p>
@@ -2918,13 +2576,7 @@
       </p:sp>
       <p:sp>
         <p:nvSpPr>
-          <p:cNvPr id="5" name="Footer Placeholder 4">
-            <a:extLst>
-              <a:ext uri="{FF2B5EF4-FFF2-40B4-BE49-F238E27FC236}">
-                <a16:creationId xmlns:a16="http://schemas.microsoft.com/office/drawing/2014/main" id="{173A2634-6FDA-3286-E2E6-7D0099EF929B}"/>
-              </a:ext>
-            </a:extLst>
-          </p:cNvPr>
+          <p:cNvPr id="5" name="Footer Placeholder 4"/>
           <p:cNvSpPr>
             <a:spLocks noGrp="1"/>
           </p:cNvSpPr>
@@ -2934,8 +2586,8 @@
         </p:nvSpPr>
         <p:spPr>
           <a:xfrm>
-            <a:off x="4038600" y="6356350"/>
-            <a:ext cx="4114800" cy="365125"/>
+            <a:off x="1968818" y="6346053"/>
+            <a:ext cx="2005965" cy="364533"/>
           </a:xfrm>
           <a:prstGeom prst="rect">
             <a:avLst/>
@@ -2945,7 +2597,7 @@
           <a:bodyPr vert="horz" lIns="91440" tIns="45720" rIns="91440" bIns="45720" rtlCol="0" anchor="ctr"/>
           <a:lstStyle>
             <a:lvl1pPr algn="ctr">
-              <a:defRPr sz="1200">
+              <a:defRPr sz="780">
                 <a:solidFill>
                   <a:schemeClr val="tx1">
                     <a:tint val="75000"/>
@@ -2961,13 +2613,7 @@
       </p:sp>
       <p:sp>
         <p:nvSpPr>
-          <p:cNvPr id="6" name="Slide Number Placeholder 5">
-            <a:extLst>
-              <a:ext uri="{FF2B5EF4-FFF2-40B4-BE49-F238E27FC236}">
-                <a16:creationId xmlns:a16="http://schemas.microsoft.com/office/drawing/2014/main" id="{5DCA7898-E59B-99F3-C964-17943D4D1D3A}"/>
-              </a:ext>
-            </a:extLst>
-          </p:cNvPr>
+          <p:cNvPr id="6" name="Slide Number Placeholder 5"/>
           <p:cNvSpPr>
             <a:spLocks noGrp="1"/>
           </p:cNvSpPr>
@@ -2977,8 +2623,8 @@
         </p:nvSpPr>
         <p:spPr>
           <a:xfrm>
-            <a:off x="8610600" y="6356350"/>
-            <a:ext cx="2743200" cy="365125"/>
+            <a:off x="4197668" y="6346053"/>
+            <a:ext cx="1337310" cy="364533"/>
           </a:xfrm>
           <a:prstGeom prst="rect">
             <a:avLst/>
@@ -2988,7 +2634,7 @@
           <a:bodyPr vert="horz" lIns="91440" tIns="45720" rIns="91440" bIns="45720" rtlCol="0" anchor="ctr"/>
           <a:lstStyle>
             <a:lvl1pPr algn="r">
-              <a:defRPr sz="1200">
+              <a:defRPr sz="780">
                 <a:solidFill>
                   <a:schemeClr val="tx1">
                     <a:tint val="75000"/>
@@ -3009,27 +2655,27 @@
     </p:spTree>
     <p:extLst>
       <p:ext uri="{BB962C8B-B14F-4D97-AF65-F5344CB8AC3E}">
-        <p14:creationId xmlns:p14="http://schemas.microsoft.com/office/powerpoint/2010/main" val="1738995873"/>
+        <p14:creationId xmlns:p14="http://schemas.microsoft.com/office/powerpoint/2010/main" val="3544423606"/>
       </p:ext>
     </p:extLst>
   </p:cSld>
   <p:clrMap bg1="lt1" tx1="dk1" bg2="lt2" tx2="dk2" accent1="accent1" accent2="accent2" accent3="accent3" accent4="accent4" accent5="accent5" accent6="accent6" hlink="hlink" folHlink="folHlink"/>
   <p:sldLayoutIdLst>
-    <p:sldLayoutId id="2147483649" r:id="rId1"/>
-    <p:sldLayoutId id="2147483650" r:id="rId2"/>
-    <p:sldLayoutId id="2147483651" r:id="rId3"/>
-    <p:sldLayoutId id="2147483652" r:id="rId4"/>
-    <p:sldLayoutId id="2147483653" r:id="rId5"/>
-    <p:sldLayoutId id="2147483654" r:id="rId6"/>
-    <p:sldLayoutId id="2147483655" r:id="rId7"/>
-    <p:sldLayoutId id="2147483656" r:id="rId8"/>
-    <p:sldLayoutId id="2147483657" r:id="rId9"/>
-    <p:sldLayoutId id="2147483658" r:id="rId10"/>
-    <p:sldLayoutId id="2147483659" r:id="rId11"/>
+    <p:sldLayoutId id="2147483673" r:id="rId1"/>
+    <p:sldLayoutId id="2147483674" r:id="rId2"/>
+    <p:sldLayoutId id="2147483675" r:id="rId3"/>
+    <p:sldLayoutId id="2147483676" r:id="rId4"/>
+    <p:sldLayoutId id="2147483677" r:id="rId5"/>
+    <p:sldLayoutId id="2147483678" r:id="rId6"/>
+    <p:sldLayoutId id="2147483679" r:id="rId7"/>
+    <p:sldLayoutId id="2147483680" r:id="rId8"/>
+    <p:sldLayoutId id="2147483681" r:id="rId9"/>
+    <p:sldLayoutId id="2147483682" r:id="rId10"/>
+    <p:sldLayoutId id="2147483683" r:id="rId11"/>
   </p:sldLayoutIdLst>
   <p:txStyles>
     <p:titleStyle>
-      <a:lvl1pPr algn="l" defTabSz="914400" rtl="0" eaLnBrk="1" latinLnBrk="0" hangingPunct="1">
+      <a:lvl1pPr algn="l" defTabSz="594360" rtl="0" eaLnBrk="1" latinLnBrk="0" hangingPunct="1">
         <a:lnSpc>
           <a:spcPct val="90000"/>
         </a:lnSpc>
@@ -3037,7 +2683,7 @@
           <a:spcPct val="0"/>
         </a:spcBef>
         <a:buNone/>
-        <a:defRPr sz="4400" kern="1200">
+        <a:defRPr sz="2860" kern="1200">
           <a:solidFill>
             <a:schemeClr val="tx1"/>
           </a:solidFill>
@@ -3048,16 +2694,16 @@
       </a:lvl1pPr>
     </p:titleStyle>
     <p:bodyStyle>
-      <a:lvl1pPr marL="228600" indent="-228600" algn="l" defTabSz="914400" rtl="0" eaLnBrk="1" latinLnBrk="0" hangingPunct="1">
+      <a:lvl1pPr marL="148590" indent="-148590" algn="l" defTabSz="594360" rtl="0" eaLnBrk="1" latinLnBrk="0" hangingPunct="1">
         <a:lnSpc>
           <a:spcPct val="90000"/>
         </a:lnSpc>
         <a:spcBef>
-          <a:spcPts val="1000"/>
+          <a:spcPts val="650"/>
         </a:spcBef>
         <a:buFont typeface="Arial" panose="020B0604020202020204" pitchFamily="34" charset="0"/>
         <a:buChar char="•"/>
-        <a:defRPr sz="2800" kern="1200">
+        <a:defRPr sz="1820" kern="1200">
           <a:solidFill>
             <a:schemeClr val="tx1"/>
           </a:solidFill>
@@ -3066,16 +2712,16 @@
           <a:cs typeface="+mn-cs"/>
         </a:defRPr>
       </a:lvl1pPr>
-      <a:lvl2pPr marL="685800" indent="-228600" algn="l" defTabSz="914400" rtl="0" eaLnBrk="1" latinLnBrk="0" hangingPunct="1">
+      <a:lvl2pPr marL="445770" indent="-148590" algn="l" defTabSz="594360" rtl="0" eaLnBrk="1" latinLnBrk="0" hangingPunct="1">
         <a:lnSpc>
           <a:spcPct val="90000"/>
         </a:lnSpc>
         <a:spcBef>
-          <a:spcPts val="500"/>
+          <a:spcPts val="325"/>
         </a:spcBef>
         <a:buFont typeface="Arial" panose="020B0604020202020204" pitchFamily="34" charset="0"/>
         <a:buChar char="•"/>
-        <a:defRPr sz="2400" kern="1200">
+        <a:defRPr sz="1560" kern="1200">
           <a:solidFill>
             <a:schemeClr val="tx1"/>
           </a:solidFill>
@@ -3084,16 +2730,16 @@
           <a:cs typeface="+mn-cs"/>
         </a:defRPr>
       </a:lvl2pPr>
-      <a:lvl3pPr marL="1143000" indent="-228600" algn="l" defTabSz="914400" rtl="0" eaLnBrk="1" latinLnBrk="0" hangingPunct="1">
+      <a:lvl3pPr marL="742950" indent="-148590" algn="l" defTabSz="594360" rtl="0" eaLnBrk="1" latinLnBrk="0" hangingPunct="1">
         <a:lnSpc>
           <a:spcPct val="90000"/>
         </a:lnSpc>
         <a:spcBef>
-          <a:spcPts val="500"/>
+          <a:spcPts val="325"/>
         </a:spcBef>
         <a:buFont typeface="Arial" panose="020B0604020202020204" pitchFamily="34" charset="0"/>
         <a:buChar char="•"/>
-        <a:defRPr sz="2000" kern="1200">
+        <a:defRPr sz="1300" kern="1200">
           <a:solidFill>
             <a:schemeClr val="tx1"/>
           </a:solidFill>
@@ -3102,16 +2748,16 @@
           <a:cs typeface="+mn-cs"/>
         </a:defRPr>
       </a:lvl3pPr>
-      <a:lvl4pPr marL="1600200" indent="-228600" algn="l" defTabSz="914400" rtl="0" eaLnBrk="1" latinLnBrk="0" hangingPunct="1">
+      <a:lvl4pPr marL="1040130" indent="-148590" algn="l" defTabSz="594360" rtl="0" eaLnBrk="1" latinLnBrk="0" hangingPunct="1">
         <a:lnSpc>
           <a:spcPct val="90000"/>
         </a:lnSpc>
         <a:spcBef>
-          <a:spcPts val="500"/>
+          <a:spcPts val="325"/>
         </a:spcBef>
         <a:buFont typeface="Arial" panose="020B0604020202020204" pitchFamily="34" charset="0"/>
         <a:buChar char="•"/>
-        <a:defRPr sz="1800" kern="1200">
+        <a:defRPr sz="1170" kern="1200">
           <a:solidFill>
             <a:schemeClr val="tx1"/>
           </a:solidFill>
@@ -3120,16 +2766,16 @@
           <a:cs typeface="+mn-cs"/>
         </a:defRPr>
       </a:lvl4pPr>
-      <a:lvl5pPr marL="2057400" indent="-228600" algn="l" defTabSz="914400" rtl="0" eaLnBrk="1" latinLnBrk="0" hangingPunct="1">
+      <a:lvl5pPr marL="1337310" indent="-148590" algn="l" defTabSz="594360" rtl="0" eaLnBrk="1" latinLnBrk="0" hangingPunct="1">
         <a:lnSpc>
           <a:spcPct val="90000"/>
         </a:lnSpc>
         <a:spcBef>
-          <a:spcPts val="500"/>
+          <a:spcPts val="325"/>
         </a:spcBef>
         <a:buFont typeface="Arial" panose="020B0604020202020204" pitchFamily="34" charset="0"/>
         <a:buChar char="•"/>
-        <a:defRPr sz="1800" kern="1200">
+        <a:defRPr sz="1170" kern="1200">
           <a:solidFill>
             <a:schemeClr val="tx1"/>
           </a:solidFill>
@@ -3138,16 +2784,16 @@
           <a:cs typeface="+mn-cs"/>
         </a:defRPr>
       </a:lvl5pPr>
-      <a:lvl6pPr marL="2514600" indent="-228600" algn="l" defTabSz="914400" rtl="0" eaLnBrk="1" latinLnBrk="0" hangingPunct="1">
+      <a:lvl6pPr marL="1634490" indent="-148590" algn="l" defTabSz="594360" rtl="0" eaLnBrk="1" latinLnBrk="0" hangingPunct="1">
         <a:lnSpc>
           <a:spcPct val="90000"/>
         </a:lnSpc>
         <a:spcBef>
-          <a:spcPts val="500"/>
+          <a:spcPts val="325"/>
         </a:spcBef>
         <a:buFont typeface="Arial" panose="020B0604020202020204" pitchFamily="34" charset="0"/>
         <a:buChar char="•"/>
-        <a:defRPr sz="1800" kern="1200">
+        <a:defRPr sz="1170" kern="1200">
           <a:solidFill>
             <a:schemeClr val="tx1"/>
           </a:solidFill>
@@ -3156,16 +2802,16 @@
           <a:cs typeface="+mn-cs"/>
         </a:defRPr>
       </a:lvl6pPr>
-      <a:lvl7pPr marL="2971800" indent="-228600" algn="l" defTabSz="914400" rtl="0" eaLnBrk="1" latinLnBrk="0" hangingPunct="1">
+      <a:lvl7pPr marL="1931670" indent="-148590" algn="l" defTabSz="594360" rtl="0" eaLnBrk="1" latinLnBrk="0" hangingPunct="1">
         <a:lnSpc>
           <a:spcPct val="90000"/>
         </a:lnSpc>
         <a:spcBef>
-          <a:spcPts val="500"/>
+          <a:spcPts val="325"/>
         </a:spcBef>
         <a:buFont typeface="Arial" panose="020B0604020202020204" pitchFamily="34" charset="0"/>
         <a:buChar char="•"/>
-        <a:defRPr sz="1800" kern="1200">
+        <a:defRPr sz="1170" kern="1200">
           <a:solidFill>
             <a:schemeClr val="tx1"/>
           </a:solidFill>
@@ -3174,16 +2820,16 @@
           <a:cs typeface="+mn-cs"/>
         </a:defRPr>
       </a:lvl7pPr>
-      <a:lvl8pPr marL="3429000" indent="-228600" algn="l" defTabSz="914400" rtl="0" eaLnBrk="1" latinLnBrk="0" hangingPunct="1">
+      <a:lvl8pPr marL="2228850" indent="-148590" algn="l" defTabSz="594360" rtl="0" eaLnBrk="1" latinLnBrk="0" hangingPunct="1">
         <a:lnSpc>
           <a:spcPct val="90000"/>
         </a:lnSpc>
         <a:spcBef>
-          <a:spcPts val="500"/>
+          <a:spcPts val="325"/>
         </a:spcBef>
         <a:buFont typeface="Arial" panose="020B0604020202020204" pitchFamily="34" charset="0"/>
         <a:buChar char="•"/>
-        <a:defRPr sz="1800" kern="1200">
+        <a:defRPr sz="1170" kern="1200">
           <a:solidFill>
             <a:schemeClr val="tx1"/>
           </a:solidFill>
@@ -3192,16 +2838,16 @@
           <a:cs typeface="+mn-cs"/>
         </a:defRPr>
       </a:lvl8pPr>
-      <a:lvl9pPr marL="3886200" indent="-228600" algn="l" defTabSz="914400" rtl="0" eaLnBrk="1" latinLnBrk="0" hangingPunct="1">
+      <a:lvl9pPr marL="2526030" indent="-148590" algn="l" defTabSz="594360" rtl="0" eaLnBrk="1" latinLnBrk="0" hangingPunct="1">
         <a:lnSpc>
           <a:spcPct val="90000"/>
         </a:lnSpc>
         <a:spcBef>
-          <a:spcPts val="500"/>
+          <a:spcPts val="325"/>
         </a:spcBef>
         <a:buFont typeface="Arial" panose="020B0604020202020204" pitchFamily="34" charset="0"/>
         <a:buChar char="•"/>
-        <a:defRPr sz="1800" kern="1200">
+        <a:defRPr sz="1170" kern="1200">
           <a:solidFill>
             <a:schemeClr val="tx1"/>
           </a:solidFill>
@@ -3215,8 +2861,8 @@
       <a:defPPr>
         <a:defRPr lang="en-US"/>
       </a:defPPr>
-      <a:lvl1pPr marL="0" algn="l" defTabSz="914400" rtl="0" eaLnBrk="1" latinLnBrk="0" hangingPunct="1">
-        <a:defRPr sz="1800" kern="1200">
+      <a:lvl1pPr marL="0" algn="l" defTabSz="594360" rtl="0" eaLnBrk="1" latinLnBrk="0" hangingPunct="1">
+        <a:defRPr sz="1170" kern="1200">
           <a:solidFill>
             <a:schemeClr val="tx1"/>
           </a:solidFill>
@@ -3225,8 +2871,8 @@
           <a:cs typeface="+mn-cs"/>
         </a:defRPr>
       </a:lvl1pPr>
-      <a:lvl2pPr marL="457200" algn="l" defTabSz="914400" rtl="0" eaLnBrk="1" latinLnBrk="0" hangingPunct="1">
-        <a:defRPr sz="1800" kern="1200">
+      <a:lvl2pPr marL="297180" algn="l" defTabSz="594360" rtl="0" eaLnBrk="1" latinLnBrk="0" hangingPunct="1">
+        <a:defRPr sz="1170" kern="1200">
           <a:solidFill>
             <a:schemeClr val="tx1"/>
           </a:solidFill>
@@ -3235,8 +2881,8 @@
           <a:cs typeface="+mn-cs"/>
         </a:defRPr>
       </a:lvl2pPr>
-      <a:lvl3pPr marL="914400" algn="l" defTabSz="914400" rtl="0" eaLnBrk="1" latinLnBrk="0" hangingPunct="1">
-        <a:defRPr sz="1800" kern="1200">
+      <a:lvl3pPr marL="594360" algn="l" defTabSz="594360" rtl="0" eaLnBrk="1" latinLnBrk="0" hangingPunct="1">
+        <a:defRPr sz="1170" kern="1200">
           <a:solidFill>
             <a:schemeClr val="tx1"/>
           </a:solidFill>
@@ -3245,8 +2891,8 @@
           <a:cs typeface="+mn-cs"/>
         </a:defRPr>
       </a:lvl3pPr>
-      <a:lvl4pPr marL="1371600" algn="l" defTabSz="914400" rtl="0" eaLnBrk="1" latinLnBrk="0" hangingPunct="1">
-        <a:defRPr sz="1800" kern="1200">
+      <a:lvl4pPr marL="891540" algn="l" defTabSz="594360" rtl="0" eaLnBrk="1" latinLnBrk="0" hangingPunct="1">
+        <a:defRPr sz="1170" kern="1200">
           <a:solidFill>
             <a:schemeClr val="tx1"/>
           </a:solidFill>
@@ -3255,8 +2901,8 @@
           <a:cs typeface="+mn-cs"/>
         </a:defRPr>
       </a:lvl4pPr>
-      <a:lvl5pPr marL="1828800" algn="l" defTabSz="914400" rtl="0" eaLnBrk="1" latinLnBrk="0" hangingPunct="1">
-        <a:defRPr sz="1800" kern="1200">
+      <a:lvl5pPr marL="1188720" algn="l" defTabSz="594360" rtl="0" eaLnBrk="1" latinLnBrk="0" hangingPunct="1">
+        <a:defRPr sz="1170" kern="1200">
           <a:solidFill>
             <a:schemeClr val="tx1"/>
           </a:solidFill>
@@ -3265,8 +2911,8 @@
           <a:cs typeface="+mn-cs"/>
         </a:defRPr>
       </a:lvl5pPr>
-      <a:lvl6pPr marL="2286000" algn="l" defTabSz="914400" rtl="0" eaLnBrk="1" latinLnBrk="0" hangingPunct="1">
-        <a:defRPr sz="1800" kern="1200">
+      <a:lvl6pPr marL="1485900" algn="l" defTabSz="594360" rtl="0" eaLnBrk="1" latinLnBrk="0" hangingPunct="1">
+        <a:defRPr sz="1170" kern="1200">
           <a:solidFill>
             <a:schemeClr val="tx1"/>
           </a:solidFill>
@@ -3275,8 +2921,8 @@
           <a:cs typeface="+mn-cs"/>
         </a:defRPr>
       </a:lvl6pPr>
-      <a:lvl7pPr marL="2743200" algn="l" defTabSz="914400" rtl="0" eaLnBrk="1" latinLnBrk="0" hangingPunct="1">
-        <a:defRPr sz="1800" kern="1200">
+      <a:lvl7pPr marL="1783080" algn="l" defTabSz="594360" rtl="0" eaLnBrk="1" latinLnBrk="0" hangingPunct="1">
+        <a:defRPr sz="1170" kern="1200">
           <a:solidFill>
             <a:schemeClr val="tx1"/>
           </a:solidFill>
@@ -3285,8 +2931,8 @@
           <a:cs typeface="+mn-cs"/>
         </a:defRPr>
       </a:lvl7pPr>
-      <a:lvl8pPr marL="3200400" algn="l" defTabSz="914400" rtl="0" eaLnBrk="1" latinLnBrk="0" hangingPunct="1">
-        <a:defRPr sz="1800" kern="1200">
+      <a:lvl8pPr marL="2080260" algn="l" defTabSz="594360" rtl="0" eaLnBrk="1" latinLnBrk="0" hangingPunct="1">
+        <a:defRPr sz="1170" kern="1200">
           <a:solidFill>
             <a:schemeClr val="tx1"/>
           </a:solidFill>
@@ -3295,8 +2941,8 @@
           <a:cs typeface="+mn-cs"/>
         </a:defRPr>
       </a:lvl8pPr>
-      <a:lvl9pPr marL="3657600" algn="l" defTabSz="914400" rtl="0" eaLnBrk="1" latinLnBrk="0" hangingPunct="1">
-        <a:defRPr sz="1800" kern="1200">
+      <a:lvl9pPr marL="2377440" algn="l" defTabSz="594360" rtl="0" eaLnBrk="1" latinLnBrk="0" hangingPunct="1">
+        <a:defRPr sz="1170" kern="1200">
           <a:solidFill>
             <a:schemeClr val="tx1"/>
           </a:solidFill>
@@ -3343,8 +2989,8 @@
         </p:nvCxnSpPr>
         <p:spPr>
           <a:xfrm rot="10800000" flipV="1">
-            <a:off x="6201129" y="3606949"/>
-            <a:ext cx="2224984" cy="908876"/>
+            <a:off x="3080628" y="3607655"/>
+            <a:ext cx="2303270" cy="940855"/>
           </a:xfrm>
           <a:prstGeom prst="bentConnector2">
             <a:avLst/>
@@ -3386,8 +3032,8 @@
         </p:nvCxnSpPr>
         <p:spPr>
           <a:xfrm rot="10800000" flipV="1">
-            <a:off x="3978399" y="3612641"/>
-            <a:ext cx="2224984" cy="908876"/>
+            <a:off x="779691" y="3613547"/>
+            <a:ext cx="2303270" cy="940855"/>
           </a:xfrm>
           <a:prstGeom prst="bentConnector2">
             <a:avLst/>
@@ -3427,8 +3073,8 @@
         </p:nvGrpSpPr>
         <p:grpSpPr>
           <a:xfrm rot="5400000">
-            <a:off x="5982542" y="4171709"/>
-            <a:ext cx="434081" cy="286216"/>
+            <a:off x="2854351" y="4192286"/>
+            <a:ext cx="449354" cy="296287"/>
             <a:chOff x="8095785" y="2981074"/>
             <a:chExt cx="434081" cy="286216"/>
           </a:xfrm>
@@ -3590,7 +3236,7 @@
             <a:lstStyle/>
             <a:p>
               <a:pPr algn="ctr"/>
-              <a:endParaRPr lang="en-US"/>
+              <a:endParaRPr lang="en-US" sz="1863" dirty="0"/>
             </a:p>
           </p:txBody>
         </p:sp>
@@ -3611,8 +3257,8 @@
         </p:nvCxnSpPr>
         <p:spPr>
           <a:xfrm rot="10800000" flipV="1">
-            <a:off x="1754494" y="3620364"/>
-            <a:ext cx="2224984" cy="908876"/>
+            <a:off x="-1522462" y="3621542"/>
+            <a:ext cx="2303270" cy="940855"/>
           </a:xfrm>
           <a:prstGeom prst="bentConnector2">
             <a:avLst/>
@@ -3653,8 +3299,8 @@
         </p:nvGrpSpPr>
         <p:grpSpPr>
           <a:xfrm rot="5400000">
-            <a:off x="1535907" y="4185124"/>
-            <a:ext cx="434081" cy="286216"/>
+            <a:off x="-1748740" y="4206173"/>
+            <a:ext cx="449354" cy="296287"/>
             <a:chOff x="8095785" y="2981074"/>
             <a:chExt cx="434081" cy="286216"/>
           </a:xfrm>
@@ -3819,7 +3465,7 @@
             <a:lstStyle/>
             <a:p>
               <a:pPr algn="ctr"/>
-              <a:endParaRPr lang="en-US"/>
+              <a:endParaRPr lang="en-US" sz="1863"/>
             </a:p>
           </p:txBody>
         </p:sp>
@@ -3838,8 +3484,8 @@
         </p:nvGrpSpPr>
         <p:grpSpPr>
           <a:xfrm rot="5400000">
-            <a:off x="3759812" y="4177401"/>
-            <a:ext cx="434081" cy="286216"/>
+            <a:off x="553413" y="4198178"/>
+            <a:ext cx="449354" cy="296287"/>
             <a:chOff x="8095785" y="2981074"/>
             <a:chExt cx="434081" cy="286216"/>
           </a:xfrm>
@@ -4001,7 +3647,7 @@
             <a:lstStyle/>
             <a:p>
               <a:pPr algn="ctr"/>
-              <a:endParaRPr lang="en-US"/>
+              <a:endParaRPr lang="en-US" sz="1863"/>
             </a:p>
           </p:txBody>
         </p:sp>
@@ -4024,8 +3670,8 @@
         </p:nvCxnSpPr>
         <p:spPr>
           <a:xfrm>
-            <a:off x="10398288" y="1952139"/>
-            <a:ext cx="284166" cy="2565983"/>
+            <a:off x="7425465" y="1894620"/>
+            <a:ext cx="294164" cy="2656268"/>
           </a:xfrm>
           <a:prstGeom prst="bentConnector2">
             <a:avLst/>
@@ -4065,8 +3711,8 @@
         </p:nvSpPr>
         <p:spPr>
           <a:xfrm>
-            <a:off x="1753641" y="2665815"/>
-            <a:ext cx="1735873" cy="569678"/>
+            <a:off x="-1523345" y="2633406"/>
+            <a:ext cx="1796950" cy="589722"/>
           </a:xfrm>
           <a:prstGeom prst="roundRect">
             <a:avLst/>
@@ -4100,7 +3746,7 @@
           <a:p>
             <a:pPr algn="ctr"/>
             <a:r>
-              <a:rPr lang="en-US" sz="1700" b="1" dirty="0">
+              <a:rPr lang="en-US" sz="1760" b="1" dirty="0">
                 <a:solidFill>
                   <a:schemeClr val="tx1"/>
                 </a:solidFill>
@@ -4127,8 +3773,8 @@
         </p:nvSpPr>
         <p:spPr>
           <a:xfrm>
-            <a:off x="1753641" y="1228017"/>
-            <a:ext cx="1735873" cy="1427353"/>
+            <a:off x="-1523345" y="1145020"/>
+            <a:ext cx="1796950" cy="1477575"/>
           </a:xfrm>
           <a:prstGeom prst="roundRect">
             <a:avLst/>
@@ -4156,7 +3802,7 @@
           <a:p>
             <a:pPr algn="ctr"/>
             <a:r>
-              <a:rPr lang="en-US" sz="1700" b="1" dirty="0">
+              <a:rPr lang="en-US" sz="1760" b="1" dirty="0">
                 <a:solidFill>
                   <a:schemeClr val="bg1"/>
                 </a:solidFill>
@@ -4183,8 +3829,8 @@
         </p:nvSpPr>
         <p:spPr>
           <a:xfrm>
-            <a:off x="5203679" y="2658118"/>
-            <a:ext cx="1735873" cy="569677"/>
+            <a:off x="2048083" y="2625440"/>
+            <a:ext cx="1796950" cy="589721"/>
           </a:xfrm>
           <a:prstGeom prst="roundRect">
             <a:avLst/>
@@ -4218,7 +3864,7 @@
           <a:p>
             <a:pPr algn="ctr"/>
             <a:r>
-              <a:rPr lang="en-US" sz="1700" b="1" dirty="0">
+              <a:rPr lang="en-US" sz="1760" b="1" dirty="0">
                 <a:solidFill>
                   <a:schemeClr val="tx1"/>
                 </a:solidFill>
@@ -4245,8 +3891,8 @@
         </p:nvSpPr>
         <p:spPr>
           <a:xfrm>
-            <a:off x="5203680" y="1228017"/>
-            <a:ext cx="1735873" cy="1427353"/>
+            <a:off x="2048084" y="1145020"/>
+            <a:ext cx="1796950" cy="1477575"/>
           </a:xfrm>
           <a:prstGeom prst="roundRect">
             <a:avLst/>
@@ -4277,7 +3923,7 @@
           <a:p>
             <a:pPr algn="ctr"/>
             <a:r>
-              <a:rPr lang="en-US" sz="1700" b="1" dirty="0">
+              <a:rPr lang="en-US" sz="1760" b="1" dirty="0">
                 <a:solidFill>
                   <a:schemeClr val="bg1"/>
                 </a:solidFill>
@@ -4304,8 +3950,8 @@
         </p:nvSpPr>
         <p:spPr>
           <a:xfrm>
-            <a:off x="8662414" y="2665815"/>
-            <a:ext cx="1735873" cy="564772"/>
+            <a:off x="5628514" y="2633406"/>
+            <a:ext cx="1796950" cy="584644"/>
           </a:xfrm>
           <a:prstGeom prst="roundRect">
             <a:avLst/>
@@ -4339,7 +3985,7 @@
           <a:p>
             <a:pPr algn="ctr"/>
             <a:r>
-              <a:rPr lang="en-US" sz="1700" b="1" dirty="0">
+              <a:rPr lang="en-US" sz="1760" b="1" dirty="0">
                 <a:solidFill>
                   <a:schemeClr val="tx1"/>
                 </a:solidFill>
@@ -4366,8 +4012,8 @@
         </p:nvSpPr>
         <p:spPr>
           <a:xfrm>
-            <a:off x="8662415" y="1238462"/>
-            <a:ext cx="1735873" cy="1427353"/>
+            <a:off x="5628515" y="1155833"/>
+            <a:ext cx="1796950" cy="1477575"/>
           </a:xfrm>
           <a:prstGeom prst="roundRect">
             <a:avLst/>
@@ -4398,7 +4044,7 @@
           <a:p>
             <a:pPr algn="ctr"/>
             <a:r>
-              <a:rPr lang="en-US" sz="1700" b="1" dirty="0">
+              <a:rPr lang="en-US" sz="1760" b="1" dirty="0">
                 <a:latin typeface="Verdana" panose="020B0604030504040204" pitchFamily="34" charset="0"/>
                 <a:ea typeface="Verdana" panose="020B0604030504040204" pitchFamily="34" charset="0"/>
                 <a:cs typeface="Verdana" panose="020B0604030504040204" pitchFamily="34" charset="0"/>
@@ -4422,8 +4068,8 @@
         </p:nvGrpSpPr>
         <p:grpSpPr>
           <a:xfrm>
-            <a:off x="3478661" y="1798584"/>
-            <a:ext cx="1726548" cy="286216"/>
+            <a:off x="262370" y="1735662"/>
+            <a:ext cx="1787297" cy="296287"/>
             <a:chOff x="3489514" y="1788140"/>
             <a:chExt cx="1726548" cy="286216"/>
           </a:xfrm>
@@ -4660,8 +4306,8 @@
         </p:nvGrpSpPr>
         <p:grpSpPr>
           <a:xfrm>
-            <a:off x="6939552" y="1798584"/>
-            <a:ext cx="1715579" cy="286216"/>
+            <a:off x="3845033" y="1735662"/>
+            <a:ext cx="1775942" cy="296287"/>
             <a:chOff x="3333397" y="1136944"/>
             <a:chExt cx="1715579" cy="286216"/>
           </a:xfrm>
@@ -4896,8 +4542,8 @@
         </p:nvGrpSpPr>
         <p:grpSpPr>
           <a:xfrm rot="5400000">
-            <a:off x="10466639" y="4157006"/>
-            <a:ext cx="434081" cy="286216"/>
+            <a:off x="7496221" y="4177066"/>
+            <a:ext cx="449354" cy="296287"/>
             <a:chOff x="8095785" y="2981074"/>
             <a:chExt cx="434081" cy="286216"/>
           </a:xfrm>
@@ -5059,7 +4705,7 @@
             <a:lstStyle/>
             <a:p>
               <a:pPr algn="ctr"/>
-              <a:endParaRPr lang="en-US"/>
+              <a:endParaRPr lang="en-US" sz="1863"/>
             </a:p>
           </p:txBody>
         </p:sp>
@@ -5081,8 +4727,8 @@
         </p:nvCxnSpPr>
         <p:spPr>
           <a:xfrm rot="10800000" flipV="1">
-            <a:off x="8437035" y="3611154"/>
-            <a:ext cx="2224984" cy="908876"/>
+            <a:off x="5395205" y="3612008"/>
+            <a:ext cx="2303270" cy="940855"/>
           </a:xfrm>
           <a:prstGeom prst="bentConnector2">
             <a:avLst/>
@@ -5122,8 +4768,8 @@
         </p:nvGrpSpPr>
         <p:grpSpPr>
           <a:xfrm rot="5400000">
-            <a:off x="8218448" y="4175914"/>
-            <a:ext cx="434081" cy="286216"/>
+            <a:off x="5168927" y="4196639"/>
+            <a:ext cx="449354" cy="296287"/>
             <a:chOff x="8095785" y="2981074"/>
             <a:chExt cx="434081" cy="286216"/>
           </a:xfrm>
@@ -5285,7 +4931,7 @@
             <a:lstStyle/>
             <a:p>
               <a:pPr algn="ctr"/>
-              <a:endParaRPr lang="en-US"/>
+              <a:endParaRPr lang="en-US" sz="1863"/>
             </a:p>
           </p:txBody>
         </p:sp>
@@ -5304,8 +4950,8 @@
         </p:nvSpPr>
         <p:spPr>
           <a:xfrm>
-            <a:off x="7569098" y="5948351"/>
-            <a:ext cx="1735873" cy="569677"/>
+            <a:off x="4496730" y="6031440"/>
+            <a:ext cx="1796950" cy="589721"/>
           </a:xfrm>
           <a:prstGeom prst="roundRect">
             <a:avLst/>
@@ -5338,7 +4984,7 @@
           <a:p>
             <a:pPr algn="ctr"/>
             <a:r>
-              <a:rPr lang="en-US" sz="1700" b="1" dirty="0">
+              <a:rPr lang="en-US" sz="1760" b="1" dirty="0">
                 <a:solidFill>
                   <a:schemeClr val="tx1"/>
                 </a:solidFill>
@@ -5365,8 +5011,8 @@
         </p:nvSpPr>
         <p:spPr>
           <a:xfrm>
-            <a:off x="7569098" y="4520030"/>
-            <a:ext cx="1735873" cy="1427353"/>
+            <a:off x="4496730" y="4552863"/>
+            <a:ext cx="1796950" cy="1477575"/>
           </a:xfrm>
           <a:prstGeom prst="roundRect">
             <a:avLst/>
@@ -5397,7 +5043,7 @@
           <a:p>
             <a:pPr algn="ctr"/>
             <a:r>
-              <a:rPr lang="en-US" sz="1700" b="1" dirty="0">
+              <a:rPr lang="en-US" sz="1760" b="1" dirty="0">
                 <a:solidFill>
                   <a:schemeClr val="bg1"/>
                 </a:solidFill>
@@ -5424,8 +5070,8 @@
         </p:nvSpPr>
         <p:spPr>
           <a:xfrm>
-            <a:off x="9814517" y="5946443"/>
-            <a:ext cx="1735873" cy="569677"/>
+            <a:off x="6821154" y="6029465"/>
+            <a:ext cx="1796950" cy="589721"/>
           </a:xfrm>
           <a:prstGeom prst="roundRect">
             <a:avLst/>
@@ -5458,7 +5104,7 @@
           <a:p>
             <a:pPr algn="ctr"/>
             <a:r>
-              <a:rPr lang="en-US" sz="1700" b="1" dirty="0">
+              <a:rPr lang="en-US" sz="1760" b="1" dirty="0">
                 <a:solidFill>
                   <a:schemeClr val="tx1"/>
                 </a:solidFill>
@@ -5485,8 +5131,8 @@
         </p:nvSpPr>
         <p:spPr>
           <a:xfrm>
-            <a:off x="9814517" y="4518122"/>
-            <a:ext cx="1735873" cy="1427353"/>
+            <a:off x="6821154" y="4550888"/>
+            <a:ext cx="1796950" cy="1477575"/>
           </a:xfrm>
           <a:prstGeom prst="roundRect">
             <a:avLst/>
@@ -5517,7 +5163,7 @@
           <a:p>
             <a:pPr algn="ctr"/>
             <a:r>
-              <a:rPr lang="en-US" sz="1700" b="1" dirty="0">
+              <a:rPr lang="en-US" sz="1760" b="1" dirty="0">
                 <a:solidFill>
                   <a:schemeClr val="bg1"/>
                 </a:solidFill>
@@ -5544,8 +5190,8 @@
         </p:nvSpPr>
         <p:spPr>
           <a:xfrm>
-            <a:off x="5320588" y="5946443"/>
-            <a:ext cx="1735873" cy="569677"/>
+            <a:off x="2169106" y="6029465"/>
+            <a:ext cx="1796950" cy="589721"/>
           </a:xfrm>
           <a:prstGeom prst="roundRect">
             <a:avLst/>
@@ -5578,7 +5224,7 @@
           <a:p>
             <a:pPr algn="ctr"/>
             <a:r>
-              <a:rPr lang="en-US" sz="1700" b="1" dirty="0">
+              <a:rPr lang="en-US" sz="1760" b="1" dirty="0">
                 <a:solidFill>
                   <a:schemeClr val="tx1"/>
                 </a:solidFill>
@@ -5605,8 +5251,8 @@
         </p:nvSpPr>
         <p:spPr>
           <a:xfrm>
-            <a:off x="5320588" y="4518122"/>
-            <a:ext cx="1735873" cy="1427353"/>
+            <a:off x="2169106" y="4550888"/>
+            <a:ext cx="1796950" cy="1477575"/>
           </a:xfrm>
           <a:prstGeom prst="roundRect">
             <a:avLst/>
@@ -5637,7 +5283,7 @@
           <a:p>
             <a:pPr algn="ctr"/>
             <a:r>
-              <a:rPr lang="en-US" sz="1700" b="1" dirty="0">
+              <a:rPr lang="en-US" sz="1760" b="1" dirty="0">
                 <a:solidFill>
                   <a:schemeClr val="bg1"/>
                 </a:solidFill>
@@ -5664,8 +5310,8 @@
         </p:nvSpPr>
         <p:spPr>
           <a:xfrm>
-            <a:off x="3082515" y="5952023"/>
-            <a:ext cx="1735873" cy="569677"/>
+            <a:off x="-147715" y="6035242"/>
+            <a:ext cx="1796950" cy="589721"/>
           </a:xfrm>
           <a:prstGeom prst="roundRect">
             <a:avLst/>
@@ -5698,7 +5344,7 @@
           <a:p>
             <a:pPr algn="ctr"/>
             <a:r>
-              <a:rPr lang="en-US" sz="1700" b="1" dirty="0">
+              <a:rPr lang="en-US" sz="1760" b="1" dirty="0">
                 <a:solidFill>
                   <a:schemeClr val="tx1"/>
                 </a:solidFill>
@@ -5725,8 +5371,8 @@
         </p:nvSpPr>
         <p:spPr>
           <a:xfrm>
-            <a:off x="3082515" y="4523702"/>
-            <a:ext cx="1735873" cy="1427353"/>
+            <a:off x="-147715" y="4556665"/>
+            <a:ext cx="1796950" cy="1477575"/>
           </a:xfrm>
           <a:prstGeom prst="roundRect">
             <a:avLst/>
@@ -5757,7 +5403,7 @@
           <a:p>
             <a:pPr algn="ctr"/>
             <a:r>
-              <a:rPr lang="en-US" sz="1700" b="1" dirty="0">
+              <a:rPr lang="en-US" sz="1760" b="1" dirty="0">
                 <a:solidFill>
                   <a:schemeClr val="bg1"/>
                 </a:solidFill>
@@ -5784,8 +5430,8 @@
         </p:nvSpPr>
         <p:spPr>
           <a:xfrm>
-            <a:off x="844442" y="5960835"/>
-            <a:ext cx="1735873" cy="569677"/>
+            <a:off x="-2464535" y="6044364"/>
+            <a:ext cx="1796950" cy="589721"/>
           </a:xfrm>
           <a:prstGeom prst="roundRect">
             <a:avLst/>
@@ -5818,7 +5464,7 @@
           <a:p>
             <a:pPr algn="ctr"/>
             <a:r>
-              <a:rPr lang="en-US" sz="1700" b="1" dirty="0">
+              <a:rPr lang="en-US" sz="1760" b="1" dirty="0">
                 <a:solidFill>
                   <a:schemeClr val="tx1"/>
                 </a:solidFill>
@@ -5845,8 +5491,8 @@
         </p:nvSpPr>
         <p:spPr>
           <a:xfrm>
-            <a:off x="844442" y="4532514"/>
-            <a:ext cx="1735873" cy="1427353"/>
+            <a:off x="-2464535" y="4565787"/>
+            <a:ext cx="1796950" cy="1477575"/>
           </a:xfrm>
           <a:prstGeom prst="roundRect">
             <a:avLst/>
@@ -5877,7 +5523,7 @@
           <a:p>
             <a:pPr algn="ctr"/>
             <a:r>
-              <a:rPr lang="en-US" sz="1700" b="1" dirty="0" err="1">
+              <a:rPr lang="en-US" sz="1760" b="1" dirty="0" err="1">
                 <a:solidFill>
                   <a:schemeClr val="bg1"/>
                 </a:solidFill>
@@ -5887,7 +5533,7 @@
               </a:rPr>
               <a:t>datXXX</a:t>
             </a:r>
-            <a:endParaRPr lang="en-US" sz="1700" b="1" dirty="0">
+            <a:endParaRPr lang="en-US" sz="1760" b="1" dirty="0">
               <a:solidFill>
                 <a:schemeClr val="bg1"/>
               </a:solidFill>
@@ -5912,8 +5558,8 @@
         </p:nvSpPr>
         <p:spPr>
           <a:xfrm>
-            <a:off x="405073" y="276438"/>
-            <a:ext cx="7603748" cy="369332"/>
+            <a:off x="-2919363" y="159960"/>
+            <a:ext cx="8136461" cy="392351"/>
           </a:xfrm>
           <a:prstGeom prst="rect">
             <a:avLst/>
@@ -5927,7 +5573,7 @@
           <a:lstStyle/>
           <a:p>
             <a:r>
-              <a:rPr lang="en-US" b="1" dirty="0">
+              <a:rPr lang="en-US" sz="1863" b="1" dirty="0">
                 <a:latin typeface="Verdana" panose="020B0604030504040204" pitchFamily="34" charset="0"/>
                 <a:ea typeface="Verdana" panose="020B0604030504040204" pitchFamily="34" charset="0"/>
                 <a:cs typeface="Verdana" panose="020B0604030504040204" pitchFamily="34" charset="0"/>
@@ -5935,7 +5581,7 @@
               <a:t>Figure 1. </a:t>
             </a:r>
             <a:r>
-              <a:rPr lang="en-US" dirty="0">
+              <a:rPr lang="en-US" sz="1863" dirty="0">
                 <a:latin typeface="Verdana" panose="020B0604030504040204" pitchFamily="34" charset="0"/>
                 <a:ea typeface="Verdana" panose="020B0604030504040204" pitchFamily="34" charset="0"/>
                 <a:cs typeface="Verdana" panose="020B0604030504040204" pitchFamily="34" charset="0"/>
@@ -5963,6 +5609,2112 @@
   <p:cSld>
     <p:spTree>
       <p:nvGrpSpPr>
+        <p:cNvPr id="1" name="">
+          <a:extLst>
+            <a:ext uri="{FF2B5EF4-FFF2-40B4-BE49-F238E27FC236}">
+              <a16:creationId xmlns:a16="http://schemas.microsoft.com/office/drawing/2014/main" id="{060BA4F6-1006-7088-30A1-82694869B3AF}"/>
+            </a:ext>
+          </a:extLst>
+        </p:cNvPr>
+        <p:cNvGrpSpPr/>
+        <p:nvPr/>
+      </p:nvGrpSpPr>
+      <p:grpSpPr>
+        <a:xfrm>
+          <a:off x="0" y="0"/>
+          <a:ext cx="0" cy="0"/>
+          <a:chOff x="0" y="0"/>
+          <a:chExt cx="0" cy="0"/>
+        </a:xfrm>
+      </p:grpSpPr>
+      <p:cxnSp>
+        <p:nvCxnSpPr>
+          <p:cNvPr id="158" name="Straight Connector 157">
+            <a:extLst>
+              <a:ext uri="{FF2B5EF4-FFF2-40B4-BE49-F238E27FC236}">
+                <a16:creationId xmlns:a16="http://schemas.microsoft.com/office/drawing/2014/main" id="{9BA67CFA-0D2C-34AE-11C0-AD9E89073D93}"/>
+              </a:ext>
+            </a:extLst>
+          </p:cNvPr>
+          <p:cNvCxnSpPr>
+            <a:cxnSpLocks/>
+          </p:cNvCxnSpPr>
+          <p:nvPr/>
+        </p:nvCxnSpPr>
+        <p:spPr>
+          <a:xfrm>
+            <a:off x="3585500" y="2789237"/>
+            <a:ext cx="0" cy="178021"/>
+          </a:xfrm>
+          <a:prstGeom prst="line">
+            <a:avLst/>
+          </a:prstGeom>
+          <a:ln w="38100">
+            <a:solidFill>
+              <a:srgbClr val="7030A0"/>
+            </a:solidFill>
+          </a:ln>
+        </p:spPr>
+        <p:style>
+          <a:lnRef idx="1">
+            <a:schemeClr val="accent1"/>
+          </a:lnRef>
+          <a:fillRef idx="0">
+            <a:schemeClr val="accent1"/>
+          </a:fillRef>
+          <a:effectRef idx="0">
+            <a:schemeClr val="accent1"/>
+          </a:effectRef>
+          <a:fontRef idx="minor">
+            <a:schemeClr val="tx1"/>
+          </a:fontRef>
+        </p:style>
+      </p:cxnSp>
+      <p:cxnSp>
+        <p:nvCxnSpPr>
+          <p:cNvPr id="159" name="Straight Connector 158">
+            <a:extLst>
+              <a:ext uri="{FF2B5EF4-FFF2-40B4-BE49-F238E27FC236}">
+                <a16:creationId xmlns:a16="http://schemas.microsoft.com/office/drawing/2014/main" id="{B5B90B95-17B0-117B-5A91-5682A3A8DE65}"/>
+              </a:ext>
+            </a:extLst>
+          </p:cNvPr>
+          <p:cNvCxnSpPr>
+            <a:cxnSpLocks/>
+          </p:cNvCxnSpPr>
+          <p:nvPr/>
+        </p:nvCxnSpPr>
+        <p:spPr>
+          <a:xfrm>
+            <a:off x="2282716" y="2794154"/>
+            <a:ext cx="0" cy="178021"/>
+          </a:xfrm>
+          <a:prstGeom prst="line">
+            <a:avLst/>
+          </a:prstGeom>
+          <a:ln w="38100">
+            <a:solidFill>
+              <a:srgbClr val="7030A0"/>
+            </a:solidFill>
+          </a:ln>
+        </p:spPr>
+        <p:style>
+          <a:lnRef idx="1">
+            <a:schemeClr val="accent1"/>
+          </a:lnRef>
+          <a:fillRef idx="0">
+            <a:schemeClr val="accent1"/>
+          </a:fillRef>
+          <a:effectRef idx="0">
+            <a:schemeClr val="accent1"/>
+          </a:effectRef>
+          <a:fontRef idx="minor">
+            <a:schemeClr val="tx1"/>
+          </a:fontRef>
+        </p:style>
+      </p:cxnSp>
+      <p:cxnSp>
+        <p:nvCxnSpPr>
+          <p:cNvPr id="160" name="Straight Connector 159">
+            <a:extLst>
+              <a:ext uri="{FF2B5EF4-FFF2-40B4-BE49-F238E27FC236}">
+                <a16:creationId xmlns:a16="http://schemas.microsoft.com/office/drawing/2014/main" id="{21E888EA-E16B-CC65-2CC3-6FAADF465AC4}"/>
+              </a:ext>
+            </a:extLst>
+          </p:cNvPr>
+          <p:cNvCxnSpPr>
+            <a:cxnSpLocks/>
+          </p:cNvCxnSpPr>
+          <p:nvPr/>
+        </p:nvCxnSpPr>
+        <p:spPr>
+          <a:xfrm>
+            <a:off x="967675" y="2812681"/>
+            <a:ext cx="0" cy="178021"/>
+          </a:xfrm>
+          <a:prstGeom prst="line">
+            <a:avLst/>
+          </a:prstGeom>
+          <a:ln w="38100">
+            <a:solidFill>
+              <a:srgbClr val="7030A0"/>
+            </a:solidFill>
+          </a:ln>
+        </p:spPr>
+        <p:style>
+          <a:lnRef idx="1">
+            <a:schemeClr val="accent1"/>
+          </a:lnRef>
+          <a:fillRef idx="0">
+            <a:schemeClr val="accent1"/>
+          </a:fillRef>
+          <a:effectRef idx="0">
+            <a:schemeClr val="accent1"/>
+          </a:effectRef>
+          <a:fontRef idx="minor">
+            <a:schemeClr val="tx1"/>
+          </a:fontRef>
+        </p:style>
+      </p:cxnSp>
+      <p:grpSp>
+        <p:nvGrpSpPr>
+          <p:cNvPr id="2" name="Group 1">
+            <a:extLst>
+              <a:ext uri="{FF2B5EF4-FFF2-40B4-BE49-F238E27FC236}">
+                <a16:creationId xmlns:a16="http://schemas.microsoft.com/office/drawing/2014/main" id="{3CB387F5-6091-997B-E51E-DCA582468FB1}"/>
+              </a:ext>
+            </a:extLst>
+          </p:cNvPr>
+          <p:cNvGrpSpPr>
+            <a:grpSpLocks/>
+          </p:cNvGrpSpPr>
+          <p:nvPr/>
+        </p:nvGrpSpPr>
+        <p:grpSpPr>
+          <a:xfrm>
+            <a:off x="1861449" y="1591974"/>
+            <a:ext cx="670800" cy="191936"/>
+            <a:chOff x="3333397" y="1136944"/>
+            <a:chExt cx="1715579" cy="286216"/>
+          </a:xfrm>
+        </p:grpSpPr>
+        <p:cxnSp>
+          <p:nvCxnSpPr>
+            <p:cNvPr id="3" name="Straight Connector 2">
+              <a:extLst>
+                <a:ext uri="{FF2B5EF4-FFF2-40B4-BE49-F238E27FC236}">
+                  <a16:creationId xmlns:a16="http://schemas.microsoft.com/office/drawing/2014/main" id="{DF9EBA11-01C3-2012-DE81-E24935251E76}"/>
+                </a:ext>
+              </a:extLst>
+            </p:cNvPr>
+            <p:cNvCxnSpPr>
+              <a:cxnSpLocks/>
+            </p:cNvCxnSpPr>
+            <p:nvPr/>
+          </p:nvCxnSpPr>
+          <p:spPr>
+            <a:xfrm>
+              <a:off x="3333397" y="1272620"/>
+              <a:ext cx="1434866" cy="0"/>
+            </a:xfrm>
+            <a:prstGeom prst="line">
+              <a:avLst/>
+            </a:prstGeom>
+            <a:ln w="38100">
+              <a:solidFill>
+                <a:srgbClr val="7030A0"/>
+              </a:solidFill>
+            </a:ln>
+          </p:spPr>
+          <p:style>
+            <a:lnRef idx="1">
+              <a:schemeClr val="accent1"/>
+            </a:lnRef>
+            <a:fillRef idx="0">
+              <a:schemeClr val="accent1"/>
+            </a:fillRef>
+            <a:effectRef idx="0">
+              <a:schemeClr val="accent1"/>
+            </a:effectRef>
+            <a:fontRef idx="minor">
+              <a:schemeClr val="tx1"/>
+            </a:fontRef>
+          </p:style>
+        </p:cxnSp>
+        <p:cxnSp>
+          <p:nvCxnSpPr>
+            <p:cNvPr id="4" name="Straight Connector 3">
+              <a:extLst>
+                <a:ext uri="{FF2B5EF4-FFF2-40B4-BE49-F238E27FC236}">
+                  <a16:creationId xmlns:a16="http://schemas.microsoft.com/office/drawing/2014/main" id="{3A57A42F-75FB-E8F3-7641-3C7947F6F726}"/>
+                </a:ext>
+              </a:extLst>
+            </p:cNvPr>
+            <p:cNvCxnSpPr>
+              <a:cxnSpLocks/>
+            </p:cNvCxnSpPr>
+            <p:nvPr/>
+          </p:nvCxnSpPr>
+          <p:spPr>
+            <a:xfrm flipV="1">
+              <a:off x="4760976" y="1136944"/>
+              <a:ext cx="0" cy="286216"/>
+            </a:xfrm>
+            <a:prstGeom prst="line">
+              <a:avLst/>
+            </a:prstGeom>
+            <a:ln w="38100">
+              <a:solidFill>
+                <a:srgbClr val="7030A0"/>
+              </a:solidFill>
+            </a:ln>
+          </p:spPr>
+          <p:style>
+            <a:lnRef idx="1">
+              <a:schemeClr val="accent1"/>
+            </a:lnRef>
+            <a:fillRef idx="0">
+              <a:schemeClr val="accent1"/>
+            </a:fillRef>
+            <a:effectRef idx="0">
+              <a:schemeClr val="accent1"/>
+            </a:effectRef>
+            <a:fontRef idx="minor">
+              <a:schemeClr val="tx1"/>
+            </a:fontRef>
+          </p:style>
+        </p:cxnSp>
+        <p:cxnSp>
+          <p:nvCxnSpPr>
+            <p:cNvPr id="5" name="Straight Connector 4">
+              <a:extLst>
+                <a:ext uri="{FF2B5EF4-FFF2-40B4-BE49-F238E27FC236}">
+                  <a16:creationId xmlns:a16="http://schemas.microsoft.com/office/drawing/2014/main" id="{0B37EACF-5555-4315-C7A2-D581464041B6}"/>
+                </a:ext>
+              </a:extLst>
+            </p:cNvPr>
+            <p:cNvCxnSpPr>
+              <a:cxnSpLocks/>
+            </p:cNvCxnSpPr>
+            <p:nvPr/>
+          </p:nvCxnSpPr>
+          <p:spPr>
+            <a:xfrm flipH="1">
+              <a:off x="4766848" y="1272620"/>
+              <a:ext cx="280715" cy="0"/>
+            </a:xfrm>
+            <a:prstGeom prst="line">
+              <a:avLst/>
+            </a:prstGeom>
+            <a:ln w="38100">
+              <a:solidFill>
+                <a:srgbClr val="7030A0"/>
+              </a:solidFill>
+            </a:ln>
+          </p:spPr>
+          <p:style>
+            <a:lnRef idx="1">
+              <a:schemeClr val="accent1"/>
+            </a:lnRef>
+            <a:fillRef idx="0">
+              <a:schemeClr val="accent1"/>
+            </a:fillRef>
+            <a:effectRef idx="0">
+              <a:schemeClr val="accent1"/>
+            </a:effectRef>
+            <a:fontRef idx="minor">
+              <a:schemeClr val="tx1"/>
+            </a:fontRef>
+          </p:style>
+        </p:cxnSp>
+        <p:cxnSp>
+          <p:nvCxnSpPr>
+            <p:cNvPr id="6" name="Straight Connector 5">
+              <a:extLst>
+                <a:ext uri="{FF2B5EF4-FFF2-40B4-BE49-F238E27FC236}">
+                  <a16:creationId xmlns:a16="http://schemas.microsoft.com/office/drawing/2014/main" id="{D859F881-7F65-450D-10FF-B6D795C10191}"/>
+                </a:ext>
+              </a:extLst>
+            </p:cNvPr>
+            <p:cNvCxnSpPr>
+              <a:cxnSpLocks/>
+            </p:cNvCxnSpPr>
+            <p:nvPr/>
+          </p:nvCxnSpPr>
+          <p:spPr>
+            <a:xfrm flipH="1">
+              <a:off x="4760976" y="1136944"/>
+              <a:ext cx="280715" cy="144965"/>
+            </a:xfrm>
+            <a:prstGeom prst="line">
+              <a:avLst/>
+            </a:prstGeom>
+            <a:ln w="38100">
+              <a:solidFill>
+                <a:srgbClr val="7030A0"/>
+              </a:solidFill>
+            </a:ln>
+          </p:spPr>
+          <p:style>
+            <a:lnRef idx="1">
+              <a:schemeClr val="accent1"/>
+            </a:lnRef>
+            <a:fillRef idx="0">
+              <a:schemeClr val="accent1"/>
+            </a:fillRef>
+            <a:effectRef idx="0">
+              <a:schemeClr val="accent1"/>
+            </a:effectRef>
+            <a:fontRef idx="minor">
+              <a:schemeClr val="tx1"/>
+            </a:fontRef>
+          </p:style>
+        </p:cxnSp>
+        <p:cxnSp>
+          <p:nvCxnSpPr>
+            <p:cNvPr id="13" name="Straight Connector 12">
+              <a:extLst>
+                <a:ext uri="{FF2B5EF4-FFF2-40B4-BE49-F238E27FC236}">
+                  <a16:creationId xmlns:a16="http://schemas.microsoft.com/office/drawing/2014/main" id="{116B08F2-ADAF-7A75-B36C-863DBA7DE3BC}"/>
+                </a:ext>
+              </a:extLst>
+            </p:cNvPr>
+            <p:cNvCxnSpPr>
+              <a:cxnSpLocks/>
+            </p:cNvCxnSpPr>
+            <p:nvPr/>
+          </p:nvCxnSpPr>
+          <p:spPr>
+            <a:xfrm flipH="1" flipV="1">
+              <a:off x="4768260" y="1272620"/>
+              <a:ext cx="280716" cy="150540"/>
+            </a:xfrm>
+            <a:prstGeom prst="line">
+              <a:avLst/>
+            </a:prstGeom>
+            <a:ln w="38100">
+              <a:solidFill>
+                <a:srgbClr val="7030A0"/>
+              </a:solidFill>
+            </a:ln>
+          </p:spPr>
+          <p:style>
+            <a:lnRef idx="1">
+              <a:schemeClr val="accent1"/>
+            </a:lnRef>
+            <a:fillRef idx="0">
+              <a:schemeClr val="accent1"/>
+            </a:fillRef>
+            <a:effectRef idx="0">
+              <a:schemeClr val="accent1"/>
+            </a:effectRef>
+            <a:fontRef idx="minor">
+              <a:schemeClr val="tx1"/>
+            </a:fontRef>
+          </p:style>
+        </p:cxnSp>
+      </p:grpSp>
+      <p:grpSp>
+        <p:nvGrpSpPr>
+          <p:cNvPr id="17" name="Group 16">
+            <a:extLst>
+              <a:ext uri="{FF2B5EF4-FFF2-40B4-BE49-F238E27FC236}">
+                <a16:creationId xmlns:a16="http://schemas.microsoft.com/office/drawing/2014/main" id="{0EF11C1E-CF4D-FCEE-E42A-775D27EFD1BD}"/>
+              </a:ext>
+            </a:extLst>
+          </p:cNvPr>
+          <p:cNvGrpSpPr>
+            <a:grpSpLocks/>
+          </p:cNvGrpSpPr>
+          <p:nvPr/>
+        </p:nvGrpSpPr>
+        <p:grpSpPr>
+          <a:xfrm>
+            <a:off x="3616328" y="1602507"/>
+            <a:ext cx="670248" cy="191936"/>
+            <a:chOff x="3333397" y="1136944"/>
+            <a:chExt cx="1714166" cy="286216"/>
+          </a:xfrm>
+        </p:grpSpPr>
+        <p:cxnSp>
+          <p:nvCxnSpPr>
+            <p:cNvPr id="18" name="Straight Connector 17">
+              <a:extLst>
+                <a:ext uri="{FF2B5EF4-FFF2-40B4-BE49-F238E27FC236}">
+                  <a16:creationId xmlns:a16="http://schemas.microsoft.com/office/drawing/2014/main" id="{3A2FAB3D-DE8F-8D53-1EB6-86242441860E}"/>
+                </a:ext>
+              </a:extLst>
+            </p:cNvPr>
+            <p:cNvCxnSpPr>
+              <a:cxnSpLocks/>
+            </p:cNvCxnSpPr>
+            <p:nvPr/>
+          </p:nvCxnSpPr>
+          <p:spPr>
+            <a:xfrm>
+              <a:off x="3333397" y="1272620"/>
+              <a:ext cx="1434866" cy="0"/>
+            </a:xfrm>
+            <a:prstGeom prst="line">
+              <a:avLst/>
+            </a:prstGeom>
+            <a:ln w="38100">
+              <a:solidFill>
+                <a:srgbClr val="7030A0"/>
+              </a:solidFill>
+            </a:ln>
+          </p:spPr>
+          <p:style>
+            <a:lnRef idx="1">
+              <a:schemeClr val="accent1"/>
+            </a:lnRef>
+            <a:fillRef idx="0">
+              <a:schemeClr val="accent1"/>
+            </a:fillRef>
+            <a:effectRef idx="0">
+              <a:schemeClr val="accent1"/>
+            </a:effectRef>
+            <a:fontRef idx="minor">
+              <a:schemeClr val="tx1"/>
+            </a:fontRef>
+          </p:style>
+        </p:cxnSp>
+        <p:cxnSp>
+          <p:nvCxnSpPr>
+            <p:cNvPr id="19" name="Straight Connector 18">
+              <a:extLst>
+                <a:ext uri="{FF2B5EF4-FFF2-40B4-BE49-F238E27FC236}">
+                  <a16:creationId xmlns:a16="http://schemas.microsoft.com/office/drawing/2014/main" id="{424AAA04-62C1-90D8-2BF8-8A3BB2627A95}"/>
+                </a:ext>
+              </a:extLst>
+            </p:cNvPr>
+            <p:cNvCxnSpPr>
+              <a:cxnSpLocks/>
+            </p:cNvCxnSpPr>
+            <p:nvPr/>
+          </p:nvCxnSpPr>
+          <p:spPr>
+            <a:xfrm flipV="1">
+              <a:off x="4760976" y="1136944"/>
+              <a:ext cx="0" cy="286216"/>
+            </a:xfrm>
+            <a:prstGeom prst="line">
+              <a:avLst/>
+            </a:prstGeom>
+            <a:ln w="38100">
+              <a:solidFill>
+                <a:srgbClr val="7030A0"/>
+              </a:solidFill>
+            </a:ln>
+          </p:spPr>
+          <p:style>
+            <a:lnRef idx="1">
+              <a:schemeClr val="accent1"/>
+            </a:lnRef>
+            <a:fillRef idx="0">
+              <a:schemeClr val="accent1"/>
+            </a:fillRef>
+            <a:effectRef idx="0">
+              <a:schemeClr val="accent1"/>
+            </a:effectRef>
+            <a:fontRef idx="minor">
+              <a:schemeClr val="tx1"/>
+            </a:fontRef>
+          </p:style>
+        </p:cxnSp>
+        <p:cxnSp>
+          <p:nvCxnSpPr>
+            <p:cNvPr id="21" name="Straight Connector 20">
+              <a:extLst>
+                <a:ext uri="{FF2B5EF4-FFF2-40B4-BE49-F238E27FC236}">
+                  <a16:creationId xmlns:a16="http://schemas.microsoft.com/office/drawing/2014/main" id="{C4828FB5-8A3C-6F01-42FE-4070BE5475AE}"/>
+                </a:ext>
+              </a:extLst>
+            </p:cNvPr>
+            <p:cNvCxnSpPr>
+              <a:cxnSpLocks/>
+            </p:cNvCxnSpPr>
+            <p:nvPr/>
+          </p:nvCxnSpPr>
+          <p:spPr>
+            <a:xfrm flipH="1">
+              <a:off x="4766848" y="1272620"/>
+              <a:ext cx="280715" cy="0"/>
+            </a:xfrm>
+            <a:prstGeom prst="line">
+              <a:avLst/>
+            </a:prstGeom>
+            <a:ln w="38100">
+              <a:solidFill>
+                <a:srgbClr val="7030A0"/>
+              </a:solidFill>
+            </a:ln>
+          </p:spPr>
+          <p:style>
+            <a:lnRef idx="1">
+              <a:schemeClr val="accent1"/>
+            </a:lnRef>
+            <a:fillRef idx="0">
+              <a:schemeClr val="accent1"/>
+            </a:fillRef>
+            <a:effectRef idx="0">
+              <a:schemeClr val="accent1"/>
+            </a:effectRef>
+            <a:fontRef idx="minor">
+              <a:schemeClr val="tx1"/>
+            </a:fontRef>
+          </p:style>
+        </p:cxnSp>
+      </p:grpSp>
+      <p:cxnSp>
+        <p:nvCxnSpPr>
+          <p:cNvPr id="130" name="Straight Connector 129">
+            <a:extLst>
+              <a:ext uri="{FF2B5EF4-FFF2-40B4-BE49-F238E27FC236}">
+                <a16:creationId xmlns:a16="http://schemas.microsoft.com/office/drawing/2014/main" id="{63E0177E-1415-BD5B-3D29-F2FF66A85451}"/>
+              </a:ext>
+            </a:extLst>
+          </p:cNvPr>
+          <p:cNvCxnSpPr>
+            <a:cxnSpLocks/>
+            <a:endCxn id="96" idx="2"/>
+          </p:cNvCxnSpPr>
+          <p:nvPr/>
+        </p:nvCxnSpPr>
+        <p:spPr>
+          <a:xfrm flipH="1" flipV="1">
+            <a:off x="967271" y="4013605"/>
+            <a:ext cx="1950029" cy="466166"/>
+          </a:xfrm>
+          <a:prstGeom prst="line">
+            <a:avLst/>
+          </a:prstGeom>
+          <a:ln w="38100">
+            <a:solidFill>
+              <a:srgbClr val="7030A0"/>
+            </a:solidFill>
+            <a:prstDash val="solid"/>
+          </a:ln>
+        </p:spPr>
+        <p:style>
+          <a:lnRef idx="1">
+            <a:schemeClr val="accent1"/>
+          </a:lnRef>
+          <a:fillRef idx="0">
+            <a:schemeClr val="accent1"/>
+          </a:fillRef>
+          <a:effectRef idx="0">
+            <a:schemeClr val="accent1"/>
+          </a:effectRef>
+          <a:fontRef idx="minor">
+            <a:schemeClr val="tx1"/>
+          </a:fontRef>
+        </p:style>
+      </p:cxnSp>
+      <p:cxnSp>
+        <p:nvCxnSpPr>
+          <p:cNvPr id="133" name="Straight Connector 132">
+            <a:extLst>
+              <a:ext uri="{FF2B5EF4-FFF2-40B4-BE49-F238E27FC236}">
+                <a16:creationId xmlns:a16="http://schemas.microsoft.com/office/drawing/2014/main" id="{0CDDD94A-B9D7-9554-6220-FD5ED375D721}"/>
+              </a:ext>
+            </a:extLst>
+          </p:cNvPr>
+          <p:cNvCxnSpPr>
+            <a:cxnSpLocks/>
+            <a:endCxn id="87" idx="2"/>
+          </p:cNvCxnSpPr>
+          <p:nvPr/>
+        </p:nvCxnSpPr>
+        <p:spPr>
+          <a:xfrm flipH="1" flipV="1">
+            <a:off x="2290465" y="4013605"/>
+            <a:ext cx="626832" cy="449894"/>
+          </a:xfrm>
+          <a:prstGeom prst="line">
+            <a:avLst/>
+          </a:prstGeom>
+          <a:ln w="38100">
+            <a:solidFill>
+              <a:srgbClr val="7030A0"/>
+            </a:solidFill>
+            <a:prstDash val="solid"/>
+          </a:ln>
+        </p:spPr>
+        <p:style>
+          <a:lnRef idx="1">
+            <a:schemeClr val="accent1"/>
+          </a:lnRef>
+          <a:fillRef idx="0">
+            <a:schemeClr val="accent1"/>
+          </a:fillRef>
+          <a:effectRef idx="0">
+            <a:schemeClr val="accent1"/>
+          </a:effectRef>
+          <a:fontRef idx="minor">
+            <a:schemeClr val="tx1"/>
+          </a:fontRef>
+        </p:style>
+      </p:cxnSp>
+      <p:cxnSp>
+        <p:nvCxnSpPr>
+          <p:cNvPr id="136" name="Straight Connector 135">
+            <a:extLst>
+              <a:ext uri="{FF2B5EF4-FFF2-40B4-BE49-F238E27FC236}">
+                <a16:creationId xmlns:a16="http://schemas.microsoft.com/office/drawing/2014/main" id="{B24BFC89-9058-D237-6177-3FE59D6DC85A}"/>
+              </a:ext>
+            </a:extLst>
+          </p:cNvPr>
+          <p:cNvCxnSpPr>
+            <a:cxnSpLocks/>
+            <a:endCxn id="79" idx="2"/>
+          </p:cNvCxnSpPr>
+          <p:nvPr/>
+        </p:nvCxnSpPr>
+        <p:spPr>
+          <a:xfrm flipV="1">
+            <a:off x="2917299" y="4014796"/>
+            <a:ext cx="673575" cy="448704"/>
+          </a:xfrm>
+          <a:prstGeom prst="line">
+            <a:avLst/>
+          </a:prstGeom>
+          <a:ln w="38100">
+            <a:solidFill>
+              <a:srgbClr val="7030A0"/>
+            </a:solidFill>
+            <a:prstDash val="solid"/>
+          </a:ln>
+        </p:spPr>
+        <p:style>
+          <a:lnRef idx="1">
+            <a:schemeClr val="accent1"/>
+          </a:lnRef>
+          <a:fillRef idx="0">
+            <a:schemeClr val="accent1"/>
+          </a:fillRef>
+          <a:effectRef idx="0">
+            <a:schemeClr val="accent1"/>
+          </a:effectRef>
+          <a:fontRef idx="minor">
+            <a:schemeClr val="tx1"/>
+          </a:fontRef>
+        </p:style>
+      </p:cxnSp>
+      <p:cxnSp>
+        <p:nvCxnSpPr>
+          <p:cNvPr id="139" name="Straight Connector 138">
+            <a:extLst>
+              <a:ext uri="{FF2B5EF4-FFF2-40B4-BE49-F238E27FC236}">
+                <a16:creationId xmlns:a16="http://schemas.microsoft.com/office/drawing/2014/main" id="{C3BE0CBB-670A-51E1-82AC-FB41B67076BD}"/>
+              </a:ext>
+            </a:extLst>
+          </p:cNvPr>
+          <p:cNvCxnSpPr>
+            <a:cxnSpLocks/>
+            <a:endCxn id="91" idx="2"/>
+          </p:cNvCxnSpPr>
+          <p:nvPr/>
+        </p:nvCxnSpPr>
+        <p:spPr>
+          <a:xfrm flipV="1">
+            <a:off x="2917298" y="4015508"/>
+            <a:ext cx="1998379" cy="447992"/>
+          </a:xfrm>
+          <a:prstGeom prst="line">
+            <a:avLst/>
+          </a:prstGeom>
+          <a:ln w="38100">
+            <a:solidFill>
+              <a:srgbClr val="7030A0"/>
+            </a:solidFill>
+          </a:ln>
+        </p:spPr>
+        <p:style>
+          <a:lnRef idx="1">
+            <a:schemeClr val="accent1"/>
+          </a:lnRef>
+          <a:fillRef idx="0">
+            <a:schemeClr val="accent1"/>
+          </a:fillRef>
+          <a:effectRef idx="0">
+            <a:schemeClr val="accent1"/>
+          </a:effectRef>
+          <a:fontRef idx="minor">
+            <a:schemeClr val="tx1"/>
+          </a:fontRef>
+        </p:style>
+      </p:cxnSp>
+      <p:cxnSp>
+        <p:nvCxnSpPr>
+          <p:cNvPr id="122" name="Elbow Connector 121">
+            <a:extLst>
+              <a:ext uri="{FF2B5EF4-FFF2-40B4-BE49-F238E27FC236}">
+                <a16:creationId xmlns:a16="http://schemas.microsoft.com/office/drawing/2014/main" id="{D2D60536-2442-07F9-E952-06A4C48ABA77}"/>
+              </a:ext>
+            </a:extLst>
+          </p:cNvPr>
+          <p:cNvCxnSpPr>
+            <a:cxnSpLocks noChangeAspect="1"/>
+          </p:cNvCxnSpPr>
+          <p:nvPr/>
+        </p:nvCxnSpPr>
+        <p:spPr>
+          <a:xfrm rot="10800000" flipV="1">
+            <a:off x="1513721" y="2901712"/>
+            <a:ext cx="814348" cy="332651"/>
+          </a:xfrm>
+          <a:prstGeom prst="bentConnector3">
+            <a:avLst>
+              <a:gd name="adj1" fmla="val 166237"/>
+            </a:avLst>
+          </a:prstGeom>
+          <a:ln w="38100">
+            <a:solidFill>
+              <a:srgbClr val="7030A0"/>
+            </a:solidFill>
+            <a:prstDash val="solid"/>
+          </a:ln>
+        </p:spPr>
+        <p:style>
+          <a:lnRef idx="1">
+            <a:schemeClr val="accent1"/>
+          </a:lnRef>
+          <a:fillRef idx="0">
+            <a:schemeClr val="accent1"/>
+          </a:fillRef>
+          <a:effectRef idx="0">
+            <a:schemeClr val="accent1"/>
+          </a:effectRef>
+          <a:fontRef idx="minor">
+            <a:schemeClr val="tx1"/>
+          </a:fontRef>
+        </p:style>
+      </p:cxnSp>
+      <p:sp>
+        <p:nvSpPr>
+          <p:cNvPr id="8" name="Rounded Rectangle 7">
+            <a:extLst>
+              <a:ext uri="{FF2B5EF4-FFF2-40B4-BE49-F238E27FC236}">
+                <a16:creationId xmlns:a16="http://schemas.microsoft.com/office/drawing/2014/main" id="{7D9696B4-A74F-827D-D6CF-92339F71A1EB}"/>
+              </a:ext>
+            </a:extLst>
+          </p:cNvPr>
+          <p:cNvSpPr>
+            <a:spLocks noChangeAspect="1"/>
+          </p:cNvSpPr>
+          <p:nvPr/>
+        </p:nvSpPr>
+        <p:spPr>
+          <a:xfrm>
+            <a:off x="134952" y="1334895"/>
+            <a:ext cx="1807330" cy="685854"/>
+          </a:xfrm>
+          <a:prstGeom prst="roundRect">
+            <a:avLst/>
+          </a:prstGeom>
+        </p:spPr>
+        <p:style>
+          <a:lnRef idx="2">
+            <a:schemeClr val="accent1">
+              <a:shade val="15000"/>
+            </a:schemeClr>
+          </a:lnRef>
+          <a:fillRef idx="1">
+            <a:schemeClr val="accent1"/>
+          </a:fillRef>
+          <a:effectRef idx="0">
+            <a:schemeClr val="accent1"/>
+          </a:effectRef>
+          <a:fontRef idx="minor">
+            <a:schemeClr val="lt1"/>
+          </a:fontRef>
+        </p:style>
+        <p:txBody>
+          <a:bodyPr rtlCol="0" anchor="ctr"/>
+          <a:lstStyle/>
+          <a:p>
+            <a:pPr algn="ctr"/>
+            <a:r>
+              <a:rPr lang="en-US" sz="1760" b="1" dirty="0">
+                <a:solidFill>
+                  <a:schemeClr val="bg1"/>
+                </a:solidFill>
+                <a:latin typeface="Verdana" panose="020B0604030504040204" pitchFamily="34" charset="0"/>
+                <a:ea typeface="Verdana" panose="020B0604030504040204" pitchFamily="34" charset="0"/>
+                <a:cs typeface="Verdana" panose="020B0604030504040204" pitchFamily="34" charset="0"/>
+              </a:rPr>
+              <a:t>experiment</a:t>
+            </a:r>
+          </a:p>
+        </p:txBody>
+      </p:sp>
+      <p:sp>
+        <p:nvSpPr>
+          <p:cNvPr id="10" name="Rounded Rectangle 9">
+            <a:extLst>
+              <a:ext uri="{FF2B5EF4-FFF2-40B4-BE49-F238E27FC236}">
+                <a16:creationId xmlns:a16="http://schemas.microsoft.com/office/drawing/2014/main" id="{183E3AA4-F715-EE68-928C-8CA6EFAF8FCC}"/>
+              </a:ext>
+            </a:extLst>
+          </p:cNvPr>
+          <p:cNvSpPr>
+            <a:spLocks noChangeAspect="1"/>
+          </p:cNvSpPr>
+          <p:nvPr/>
+        </p:nvSpPr>
+        <p:spPr>
+          <a:xfrm>
+            <a:off x="2535098" y="1334895"/>
+            <a:ext cx="1164075" cy="685854"/>
+          </a:xfrm>
+          <a:prstGeom prst="roundRect">
+            <a:avLst/>
+          </a:prstGeom>
+          <a:solidFill>
+            <a:schemeClr val="accent4"/>
+          </a:solidFill>
+        </p:spPr>
+        <p:style>
+          <a:lnRef idx="2">
+            <a:schemeClr val="accent1">
+              <a:shade val="15000"/>
+            </a:schemeClr>
+          </a:lnRef>
+          <a:fillRef idx="1">
+            <a:schemeClr val="accent1"/>
+          </a:fillRef>
+          <a:effectRef idx="0">
+            <a:schemeClr val="accent1"/>
+          </a:effectRef>
+          <a:fontRef idx="minor">
+            <a:schemeClr val="lt1"/>
+          </a:fontRef>
+        </p:style>
+        <p:txBody>
+          <a:bodyPr rtlCol="0" anchor="ctr"/>
+          <a:lstStyle/>
+          <a:p>
+            <a:pPr algn="ctr"/>
+            <a:r>
+              <a:rPr lang="en-US" sz="1760" b="1" dirty="0">
+                <a:solidFill>
+                  <a:schemeClr val="bg1"/>
+                </a:solidFill>
+                <a:latin typeface="Verdana" panose="020B0604030504040204" pitchFamily="34" charset="0"/>
+                <a:ea typeface="Verdana" panose="020B0604030504040204" pitchFamily="34" charset="0"/>
+                <a:cs typeface="Verdana" panose="020B0604030504040204" pitchFamily="34" charset="0"/>
+              </a:rPr>
+              <a:t>site</a:t>
+            </a:r>
+          </a:p>
+        </p:txBody>
+      </p:sp>
+      <p:sp>
+        <p:nvSpPr>
+          <p:cNvPr id="12" name="Rounded Rectangle 11">
+            <a:extLst>
+              <a:ext uri="{FF2B5EF4-FFF2-40B4-BE49-F238E27FC236}">
+                <a16:creationId xmlns:a16="http://schemas.microsoft.com/office/drawing/2014/main" id="{0544FEBD-BCFA-BDF2-DBC2-FCAB53EACE7E}"/>
+              </a:ext>
+            </a:extLst>
+          </p:cNvPr>
+          <p:cNvSpPr>
+            <a:spLocks noChangeAspect="1"/>
+          </p:cNvSpPr>
+          <p:nvPr/>
+        </p:nvSpPr>
+        <p:spPr>
+          <a:xfrm>
+            <a:off x="4289975" y="1328404"/>
+            <a:ext cx="1164075" cy="681429"/>
+          </a:xfrm>
+          <a:prstGeom prst="roundRect">
+            <a:avLst/>
+          </a:prstGeom>
+          <a:solidFill>
+            <a:schemeClr val="accent6"/>
+          </a:solidFill>
+        </p:spPr>
+        <p:style>
+          <a:lnRef idx="2">
+            <a:schemeClr val="accent1">
+              <a:shade val="15000"/>
+            </a:schemeClr>
+          </a:lnRef>
+          <a:fillRef idx="1">
+            <a:schemeClr val="accent1"/>
+          </a:fillRef>
+          <a:effectRef idx="0">
+            <a:schemeClr val="accent1"/>
+          </a:effectRef>
+          <a:fontRef idx="minor">
+            <a:schemeClr val="lt1"/>
+          </a:fontRef>
+        </p:style>
+        <p:txBody>
+          <a:bodyPr rtlCol="0" anchor="ctr"/>
+          <a:lstStyle/>
+          <a:p>
+            <a:pPr algn="ctr"/>
+            <a:r>
+              <a:rPr lang="en-US" sz="1760" b="1" dirty="0">
+                <a:latin typeface="Verdana" panose="020B0604030504040204" pitchFamily="34" charset="0"/>
+                <a:ea typeface="Verdana" panose="020B0604030504040204" pitchFamily="34" charset="0"/>
+                <a:cs typeface="Verdana" panose="020B0604030504040204" pitchFamily="34" charset="0"/>
+              </a:rPr>
+              <a:t>plot</a:t>
+            </a:r>
+          </a:p>
+        </p:txBody>
+      </p:sp>
+      <p:cxnSp>
+        <p:nvCxnSpPr>
+          <p:cNvPr id="77" name="Elbow Connector 76">
+            <a:extLst>
+              <a:ext uri="{FF2B5EF4-FFF2-40B4-BE49-F238E27FC236}">
+                <a16:creationId xmlns:a16="http://schemas.microsoft.com/office/drawing/2014/main" id="{9A96B0E4-6133-6449-B612-2AE84C65300D}"/>
+              </a:ext>
+            </a:extLst>
+          </p:cNvPr>
+          <p:cNvCxnSpPr>
+            <a:cxnSpLocks noChangeAspect="1"/>
+          </p:cNvCxnSpPr>
+          <p:nvPr/>
+        </p:nvCxnSpPr>
+        <p:spPr>
+          <a:xfrm rot="10800000" flipV="1">
+            <a:off x="4927081" y="2898668"/>
+            <a:ext cx="771987" cy="179614"/>
+          </a:xfrm>
+          <a:prstGeom prst="bentConnector3">
+            <a:avLst>
+              <a:gd name="adj1" fmla="val 104659"/>
+            </a:avLst>
+          </a:prstGeom>
+          <a:ln w="38100">
+            <a:solidFill>
+              <a:srgbClr val="7030A0"/>
+            </a:solidFill>
+          </a:ln>
+        </p:spPr>
+        <p:style>
+          <a:lnRef idx="1">
+            <a:schemeClr val="accent1"/>
+          </a:lnRef>
+          <a:fillRef idx="0">
+            <a:schemeClr val="accent1"/>
+          </a:fillRef>
+          <a:effectRef idx="0">
+            <a:schemeClr val="accent1"/>
+          </a:effectRef>
+          <a:fontRef idx="minor">
+            <a:schemeClr val="tx1"/>
+          </a:fontRef>
+        </p:style>
+      </p:cxnSp>
+      <p:sp>
+        <p:nvSpPr>
+          <p:cNvPr id="91" name="Rounded Rectangle 90">
+            <a:extLst>
+              <a:ext uri="{FF2B5EF4-FFF2-40B4-BE49-F238E27FC236}">
+                <a16:creationId xmlns:a16="http://schemas.microsoft.com/office/drawing/2014/main" id="{C289770C-3F82-D0C7-90E2-53C4A3956D6A}"/>
+              </a:ext>
+            </a:extLst>
+          </p:cNvPr>
+          <p:cNvSpPr>
+            <a:spLocks noChangeAspect="1"/>
+          </p:cNvSpPr>
+          <p:nvPr/>
+        </p:nvSpPr>
+        <p:spPr>
+          <a:xfrm>
+            <a:off x="4333640" y="3757658"/>
+            <a:ext cx="1164075" cy="257851"/>
+          </a:xfrm>
+          <a:prstGeom prst="roundRect">
+            <a:avLst/>
+          </a:prstGeom>
+          <a:solidFill>
+            <a:schemeClr val="bg1">
+              <a:lumMod val="85000"/>
+            </a:schemeClr>
+          </a:solidFill>
+        </p:spPr>
+        <p:style>
+          <a:lnRef idx="2">
+            <a:schemeClr val="accent1">
+              <a:shade val="15000"/>
+            </a:schemeClr>
+          </a:lnRef>
+          <a:fillRef idx="1">
+            <a:schemeClr val="accent1"/>
+          </a:fillRef>
+          <a:effectRef idx="0">
+            <a:schemeClr val="accent1"/>
+          </a:effectRef>
+          <a:fontRef idx="minor">
+            <a:schemeClr val="lt1"/>
+          </a:fontRef>
+        </p:style>
+        <p:txBody>
+          <a:bodyPr rtlCol="0" anchor="ctr"/>
+          <a:lstStyle/>
+          <a:p>
+            <a:pPr algn="ctr"/>
+            <a:r>
+              <a:rPr lang="en-US" sz="1760" b="1" dirty="0">
+                <a:solidFill>
+                  <a:schemeClr val="tx1"/>
+                </a:solidFill>
+                <a:latin typeface="Verdana" panose="020B0604030504040204" pitchFamily="34" charset="0"/>
+                <a:ea typeface="Verdana" panose="020B0604030504040204" pitchFamily="34" charset="0"/>
+                <a:cs typeface="Verdana" panose="020B0604030504040204" pitchFamily="34" charset="0"/>
+              </a:rPr>
+              <a:t>dd</a:t>
+            </a:r>
+          </a:p>
+        </p:txBody>
+      </p:sp>
+      <p:sp>
+        <p:nvSpPr>
+          <p:cNvPr id="92" name="Rounded Rectangle 91">
+            <a:extLst>
+              <a:ext uri="{FF2B5EF4-FFF2-40B4-BE49-F238E27FC236}">
+                <a16:creationId xmlns:a16="http://schemas.microsoft.com/office/drawing/2014/main" id="{911909BA-489D-D2C7-CFB5-503B594B92BB}"/>
+              </a:ext>
+            </a:extLst>
+          </p:cNvPr>
+          <p:cNvSpPr>
+            <a:spLocks noChangeAspect="1"/>
+          </p:cNvSpPr>
+          <p:nvPr/>
+        </p:nvSpPr>
+        <p:spPr>
+          <a:xfrm>
+            <a:off x="4322234" y="3066051"/>
+            <a:ext cx="1164076" cy="677285"/>
+          </a:xfrm>
+          <a:prstGeom prst="roundRect">
+            <a:avLst/>
+          </a:prstGeom>
+          <a:solidFill>
+            <a:schemeClr val="tx1"/>
+          </a:solidFill>
+        </p:spPr>
+        <p:style>
+          <a:lnRef idx="2">
+            <a:schemeClr val="accent1">
+              <a:shade val="15000"/>
+            </a:schemeClr>
+          </a:lnRef>
+          <a:fillRef idx="1">
+            <a:schemeClr val="accent1"/>
+          </a:fillRef>
+          <a:effectRef idx="0">
+            <a:schemeClr val="accent1"/>
+          </a:effectRef>
+          <a:fontRef idx="minor">
+            <a:schemeClr val="lt1"/>
+          </a:fontRef>
+        </p:style>
+        <p:txBody>
+          <a:bodyPr rtlCol="0" anchor="ctr"/>
+          <a:lstStyle/>
+          <a:p>
+            <a:pPr algn="ctr"/>
+            <a:r>
+              <a:rPr lang="en-US" sz="1760" b="1" dirty="0">
+                <a:solidFill>
+                  <a:schemeClr val="bg1"/>
+                </a:solidFill>
+                <a:latin typeface="Verdana" panose="020B0604030504040204" pitchFamily="34" charset="0"/>
+                <a:ea typeface="Verdana" panose="020B0604030504040204" pitchFamily="34" charset="0"/>
+                <a:cs typeface="Verdana" panose="020B0604030504040204" pitchFamily="34" charset="0"/>
+              </a:rPr>
+              <a:t>soil temp</a:t>
+            </a:r>
+          </a:p>
+        </p:txBody>
+      </p:sp>
+      <p:sp>
+        <p:nvSpPr>
+          <p:cNvPr id="99" name="Rounded Rectangle 98">
+            <a:extLst>
+              <a:ext uri="{FF2B5EF4-FFF2-40B4-BE49-F238E27FC236}">
+                <a16:creationId xmlns:a16="http://schemas.microsoft.com/office/drawing/2014/main" id="{28467896-5797-3C10-8ED1-BB32AA989911}"/>
+              </a:ext>
+            </a:extLst>
+          </p:cNvPr>
+          <p:cNvSpPr>
+            <a:spLocks noChangeAspect="1"/>
+          </p:cNvSpPr>
+          <p:nvPr/>
+        </p:nvSpPr>
+        <p:spPr>
+          <a:xfrm>
+            <a:off x="349646" y="4721612"/>
+            <a:ext cx="5148069" cy="449082"/>
+          </a:xfrm>
+          <a:prstGeom prst="roundRect">
+            <a:avLst/>
+          </a:prstGeom>
+          <a:solidFill>
+            <a:schemeClr val="accent2">
+              <a:lumMod val="50000"/>
+            </a:schemeClr>
+          </a:solidFill>
+        </p:spPr>
+        <p:style>
+          <a:lnRef idx="2">
+            <a:schemeClr val="accent1">
+              <a:shade val="15000"/>
+            </a:schemeClr>
+          </a:lnRef>
+          <a:fillRef idx="1">
+            <a:schemeClr val="accent1"/>
+          </a:fillRef>
+          <a:effectRef idx="0">
+            <a:schemeClr val="accent1"/>
+          </a:effectRef>
+          <a:fontRef idx="minor">
+            <a:schemeClr val="lt1"/>
+          </a:fontRef>
+        </p:style>
+        <p:txBody>
+          <a:bodyPr rtlCol="0" anchor="ctr"/>
+          <a:lstStyle/>
+          <a:p>
+            <a:pPr algn="ctr"/>
+            <a:r>
+              <a:rPr lang="en-US" sz="1760" b="1" dirty="0">
+                <a:solidFill>
+                  <a:schemeClr val="bg1"/>
+                </a:solidFill>
+                <a:latin typeface="Verdana" panose="020B0604030504040204" pitchFamily="34" charset="0"/>
+                <a:ea typeface="Verdana" panose="020B0604030504040204" pitchFamily="34" charset="0"/>
+                <a:cs typeface="Verdana" panose="020B0604030504040204" pitchFamily="34" charset="0"/>
+              </a:rPr>
+              <a:t>file level metadata</a:t>
+            </a:r>
+          </a:p>
+        </p:txBody>
+      </p:sp>
+      <p:sp>
+        <p:nvSpPr>
+          <p:cNvPr id="101" name="Rounded Rectangle 100">
+            <a:extLst>
+              <a:ext uri="{FF2B5EF4-FFF2-40B4-BE49-F238E27FC236}">
+                <a16:creationId xmlns:a16="http://schemas.microsoft.com/office/drawing/2014/main" id="{1B57A52F-F48E-A518-0763-AE6A2BAB0417}"/>
+              </a:ext>
+            </a:extLst>
+          </p:cNvPr>
+          <p:cNvSpPr>
+            <a:spLocks noChangeAspect="1"/>
+          </p:cNvSpPr>
+          <p:nvPr/>
+        </p:nvSpPr>
+        <p:spPr>
+          <a:xfrm>
+            <a:off x="385233" y="3064148"/>
+            <a:ext cx="1164075" cy="675334"/>
+          </a:xfrm>
+          <a:prstGeom prst="roundRect">
+            <a:avLst/>
+          </a:prstGeom>
+          <a:solidFill>
+            <a:schemeClr val="tx1"/>
+          </a:solidFill>
+        </p:spPr>
+        <p:style>
+          <a:lnRef idx="2">
+            <a:schemeClr val="accent1">
+              <a:shade val="15000"/>
+            </a:schemeClr>
+          </a:lnRef>
+          <a:fillRef idx="1">
+            <a:schemeClr val="accent1"/>
+          </a:fillRef>
+          <a:effectRef idx="0">
+            <a:schemeClr val="accent1"/>
+          </a:effectRef>
+          <a:fontRef idx="minor">
+            <a:schemeClr val="lt1"/>
+          </a:fontRef>
+        </p:style>
+        <p:txBody>
+          <a:bodyPr rtlCol="0" anchor="ctr"/>
+          <a:lstStyle/>
+          <a:p>
+            <a:pPr algn="ctr"/>
+            <a:r>
+              <a:rPr lang="en-US" sz="1760" b="1" i="1" dirty="0" err="1">
+                <a:solidFill>
+                  <a:schemeClr val="bg1"/>
+                </a:solidFill>
+                <a:latin typeface="Verdana" panose="020B0604030504040204" pitchFamily="34" charset="0"/>
+                <a:ea typeface="Verdana" panose="020B0604030504040204" pitchFamily="34" charset="0"/>
+                <a:cs typeface="Verdana" panose="020B0604030504040204" pitchFamily="34" charset="0"/>
+              </a:rPr>
+              <a:t>dat</a:t>
+            </a:r>
+            <a:endParaRPr lang="en-US" sz="1760" b="1" dirty="0">
+              <a:solidFill>
+                <a:schemeClr val="bg1"/>
+              </a:solidFill>
+              <a:latin typeface="Verdana" panose="020B0604030504040204" pitchFamily="34" charset="0"/>
+              <a:ea typeface="Verdana" panose="020B0604030504040204" pitchFamily="34" charset="0"/>
+              <a:cs typeface="Verdana" panose="020B0604030504040204" pitchFamily="34" charset="0"/>
+            </a:endParaRPr>
+          </a:p>
+          <a:p>
+            <a:pPr algn="ctr"/>
+            <a:r>
+              <a:rPr lang="en-US" sz="1760" b="1" dirty="0">
+                <a:solidFill>
+                  <a:schemeClr val="bg1"/>
+                </a:solidFill>
+                <a:latin typeface="Verdana" panose="020B0604030504040204" pitchFamily="34" charset="0"/>
+                <a:ea typeface="Verdana" panose="020B0604030504040204" pitchFamily="34" charset="0"/>
+                <a:cs typeface="Verdana" panose="020B0604030504040204" pitchFamily="34" charset="0"/>
+              </a:rPr>
+              <a:t>X</a:t>
+            </a:r>
+          </a:p>
+        </p:txBody>
+      </p:sp>
+      <p:sp>
+        <p:nvSpPr>
+          <p:cNvPr id="129" name="TextBox 128">
+            <a:extLst>
+              <a:ext uri="{FF2B5EF4-FFF2-40B4-BE49-F238E27FC236}">
+                <a16:creationId xmlns:a16="http://schemas.microsoft.com/office/drawing/2014/main" id="{6C340760-C340-CA5B-CBB4-7D4CD4DA6AE1}"/>
+              </a:ext>
+            </a:extLst>
+          </p:cNvPr>
+          <p:cNvSpPr txBox="1"/>
+          <p:nvPr/>
+        </p:nvSpPr>
+        <p:spPr>
+          <a:xfrm>
+            <a:off x="-743430" y="-126206"/>
+            <a:ext cx="8136461" cy="392351"/>
+          </a:xfrm>
+          <a:prstGeom prst="rect">
+            <a:avLst/>
+          </a:prstGeom>
+          <a:noFill/>
+        </p:spPr>
+        <p:txBody>
+          <a:bodyPr wrap="none" rtlCol="0">
+            <a:spAutoFit/>
+          </a:bodyPr>
+          <a:lstStyle/>
+          <a:p>
+            <a:r>
+              <a:rPr lang="en-US" sz="1863" b="1" dirty="0">
+                <a:latin typeface="Verdana" panose="020B0604030504040204" pitchFamily="34" charset="0"/>
+                <a:ea typeface="Verdana" panose="020B0604030504040204" pitchFamily="34" charset="0"/>
+                <a:cs typeface="Verdana" panose="020B0604030504040204" pitchFamily="34" charset="0"/>
+              </a:rPr>
+              <a:t>Figure 1. </a:t>
+            </a:r>
+            <a:r>
+              <a:rPr lang="en-US" sz="1863" dirty="0">
+                <a:latin typeface="Verdana" panose="020B0604030504040204" pitchFamily="34" charset="0"/>
+                <a:ea typeface="Verdana" panose="020B0604030504040204" pitchFamily="34" charset="0"/>
+                <a:cs typeface="Verdana" panose="020B0604030504040204" pitchFamily="34" charset="0"/>
+              </a:rPr>
+              <a:t>Relational entity diagram for the SWEDIE data model</a:t>
+            </a:r>
+          </a:p>
+        </p:txBody>
+      </p:sp>
+      <p:cxnSp>
+        <p:nvCxnSpPr>
+          <p:cNvPr id="46" name="Elbow Connector 45">
+            <a:extLst>
+              <a:ext uri="{FF2B5EF4-FFF2-40B4-BE49-F238E27FC236}">
+                <a16:creationId xmlns:a16="http://schemas.microsoft.com/office/drawing/2014/main" id="{E647FCB7-1A79-2330-FAC0-A6A627D73391}"/>
+              </a:ext>
+            </a:extLst>
+          </p:cNvPr>
+          <p:cNvCxnSpPr>
+            <a:cxnSpLocks/>
+            <a:stCxn id="12" idx="3"/>
+          </p:cNvCxnSpPr>
+          <p:nvPr/>
+        </p:nvCxnSpPr>
+        <p:spPr>
+          <a:xfrm>
+            <a:off x="5454050" y="1669119"/>
+            <a:ext cx="237299" cy="1249745"/>
+          </a:xfrm>
+          <a:prstGeom prst="bentConnector2">
+            <a:avLst/>
+          </a:prstGeom>
+          <a:ln w="38100">
+            <a:solidFill>
+              <a:srgbClr val="7030A0"/>
+            </a:solidFill>
+          </a:ln>
+        </p:spPr>
+        <p:style>
+          <a:lnRef idx="1">
+            <a:schemeClr val="accent1"/>
+          </a:lnRef>
+          <a:fillRef idx="0">
+            <a:schemeClr val="accent1"/>
+          </a:fillRef>
+          <a:effectRef idx="0">
+            <a:schemeClr val="accent1"/>
+          </a:effectRef>
+          <a:fontRef idx="minor">
+            <a:schemeClr val="tx1"/>
+          </a:fontRef>
+        </p:style>
+      </p:cxnSp>
+      <p:cxnSp>
+        <p:nvCxnSpPr>
+          <p:cNvPr id="58" name="Elbow Connector 57">
+            <a:extLst>
+              <a:ext uri="{FF2B5EF4-FFF2-40B4-BE49-F238E27FC236}">
+                <a16:creationId xmlns:a16="http://schemas.microsoft.com/office/drawing/2014/main" id="{199173F3-B7D2-787A-55D8-81ADB390B523}"/>
+              </a:ext>
+            </a:extLst>
+          </p:cNvPr>
+          <p:cNvCxnSpPr>
+            <a:cxnSpLocks noChangeAspect="1"/>
+          </p:cNvCxnSpPr>
+          <p:nvPr/>
+        </p:nvCxnSpPr>
+        <p:spPr>
+          <a:xfrm rot="10800000" flipV="1">
+            <a:off x="4100011" y="2902494"/>
+            <a:ext cx="772006" cy="179621"/>
+          </a:xfrm>
+          <a:prstGeom prst="bentConnector3">
+            <a:avLst>
+              <a:gd name="adj1" fmla="val 166703"/>
+            </a:avLst>
+          </a:prstGeom>
+          <a:ln w="38100">
+            <a:solidFill>
+              <a:srgbClr val="7030A0"/>
+            </a:solidFill>
+            <a:prstDash val="solid"/>
+          </a:ln>
+        </p:spPr>
+        <p:style>
+          <a:lnRef idx="1">
+            <a:schemeClr val="accent1"/>
+          </a:lnRef>
+          <a:fillRef idx="0">
+            <a:schemeClr val="accent1"/>
+          </a:fillRef>
+          <a:effectRef idx="0">
+            <a:schemeClr val="accent1"/>
+          </a:effectRef>
+          <a:fontRef idx="minor">
+            <a:schemeClr val="tx1"/>
+          </a:fontRef>
+        </p:style>
+      </p:cxnSp>
+      <p:sp>
+        <p:nvSpPr>
+          <p:cNvPr id="94" name="Rounded Rectangle 93">
+            <a:extLst>
+              <a:ext uri="{FF2B5EF4-FFF2-40B4-BE49-F238E27FC236}">
+                <a16:creationId xmlns:a16="http://schemas.microsoft.com/office/drawing/2014/main" id="{E6236453-D7D3-A594-309B-84818FEFF086}"/>
+              </a:ext>
+            </a:extLst>
+          </p:cNvPr>
+          <p:cNvSpPr>
+            <a:spLocks noChangeAspect="1"/>
+          </p:cNvSpPr>
+          <p:nvPr/>
+        </p:nvSpPr>
+        <p:spPr>
+          <a:xfrm>
+            <a:off x="3011860" y="3066051"/>
+            <a:ext cx="1164075" cy="677285"/>
+          </a:xfrm>
+          <a:prstGeom prst="roundRect">
+            <a:avLst/>
+          </a:prstGeom>
+          <a:solidFill>
+            <a:schemeClr val="tx1"/>
+          </a:solidFill>
+        </p:spPr>
+        <p:style>
+          <a:lnRef idx="2">
+            <a:schemeClr val="accent1">
+              <a:shade val="15000"/>
+            </a:schemeClr>
+          </a:lnRef>
+          <a:fillRef idx="1">
+            <a:schemeClr val="accent1"/>
+          </a:fillRef>
+          <a:effectRef idx="0">
+            <a:schemeClr val="accent1"/>
+          </a:effectRef>
+          <a:fontRef idx="minor">
+            <a:schemeClr val="lt1"/>
+          </a:fontRef>
+        </p:style>
+        <p:txBody>
+          <a:bodyPr rtlCol="0" anchor="ctr"/>
+          <a:lstStyle/>
+          <a:p>
+            <a:pPr algn="ctr"/>
+            <a:r>
+              <a:rPr lang="en-US" sz="1760" b="1" dirty="0">
+                <a:solidFill>
+                  <a:schemeClr val="bg1"/>
+                </a:solidFill>
+                <a:latin typeface="Verdana" panose="020B0604030504040204" pitchFamily="34" charset="0"/>
+                <a:ea typeface="Verdana" panose="020B0604030504040204" pitchFamily="34" charset="0"/>
+                <a:cs typeface="Verdana" panose="020B0604030504040204" pitchFamily="34" charset="0"/>
+              </a:rPr>
+              <a:t>soil moist</a:t>
+            </a:r>
+          </a:p>
+        </p:txBody>
+      </p:sp>
+      <p:sp>
+        <p:nvSpPr>
+          <p:cNvPr id="79" name="Rounded Rectangle 78">
+            <a:extLst>
+              <a:ext uri="{FF2B5EF4-FFF2-40B4-BE49-F238E27FC236}">
+                <a16:creationId xmlns:a16="http://schemas.microsoft.com/office/drawing/2014/main" id="{6FB1113A-4956-B7E0-757F-12DE6245BE21}"/>
+              </a:ext>
+            </a:extLst>
+          </p:cNvPr>
+          <p:cNvSpPr>
+            <a:spLocks noChangeAspect="1"/>
+          </p:cNvSpPr>
+          <p:nvPr/>
+        </p:nvSpPr>
+        <p:spPr>
+          <a:xfrm>
+            <a:off x="3010442" y="3757658"/>
+            <a:ext cx="1160860" cy="257139"/>
+          </a:xfrm>
+          <a:prstGeom prst="roundRect">
+            <a:avLst/>
+          </a:prstGeom>
+          <a:solidFill>
+            <a:schemeClr val="bg1">
+              <a:lumMod val="85000"/>
+            </a:schemeClr>
+          </a:solidFill>
+        </p:spPr>
+        <p:style>
+          <a:lnRef idx="2">
+            <a:schemeClr val="accent1">
+              <a:shade val="15000"/>
+            </a:schemeClr>
+          </a:lnRef>
+          <a:fillRef idx="1">
+            <a:schemeClr val="accent1"/>
+          </a:fillRef>
+          <a:effectRef idx="0">
+            <a:schemeClr val="accent1"/>
+          </a:effectRef>
+          <a:fontRef idx="minor">
+            <a:schemeClr val="lt1"/>
+          </a:fontRef>
+        </p:style>
+        <p:txBody>
+          <a:bodyPr rtlCol="0" anchor="ctr"/>
+          <a:lstStyle/>
+          <a:p>
+            <a:pPr algn="ctr"/>
+            <a:r>
+              <a:rPr lang="en-US" sz="1760" b="1" dirty="0">
+                <a:solidFill>
+                  <a:schemeClr val="tx1"/>
+                </a:solidFill>
+                <a:latin typeface="Verdana" panose="020B0604030504040204" pitchFamily="34" charset="0"/>
+                <a:ea typeface="Verdana" panose="020B0604030504040204" pitchFamily="34" charset="0"/>
+                <a:cs typeface="Verdana" panose="020B0604030504040204" pitchFamily="34" charset="0"/>
+              </a:rPr>
+              <a:t>dd</a:t>
+            </a:r>
+          </a:p>
+        </p:txBody>
+      </p:sp>
+      <p:cxnSp>
+        <p:nvCxnSpPr>
+          <p:cNvPr id="80" name="Elbow Connector 79">
+            <a:extLst>
+              <a:ext uri="{FF2B5EF4-FFF2-40B4-BE49-F238E27FC236}">
+                <a16:creationId xmlns:a16="http://schemas.microsoft.com/office/drawing/2014/main" id="{681C516C-D5C7-13D8-174A-A1D4DFA903D5}"/>
+              </a:ext>
+            </a:extLst>
+          </p:cNvPr>
+          <p:cNvCxnSpPr>
+            <a:cxnSpLocks noChangeAspect="1"/>
+          </p:cNvCxnSpPr>
+          <p:nvPr/>
+        </p:nvCxnSpPr>
+        <p:spPr>
+          <a:xfrm rot="10800000" flipV="1">
+            <a:off x="2797996" y="2900592"/>
+            <a:ext cx="772006" cy="179621"/>
+          </a:xfrm>
+          <a:prstGeom prst="bentConnector3">
+            <a:avLst>
+              <a:gd name="adj1" fmla="val 166703"/>
+            </a:avLst>
+          </a:prstGeom>
+          <a:ln w="38100">
+            <a:solidFill>
+              <a:srgbClr val="7030A0"/>
+            </a:solidFill>
+            <a:prstDash val="solid"/>
+          </a:ln>
+        </p:spPr>
+        <p:style>
+          <a:lnRef idx="1">
+            <a:schemeClr val="accent1"/>
+          </a:lnRef>
+          <a:fillRef idx="0">
+            <a:schemeClr val="accent1"/>
+          </a:fillRef>
+          <a:effectRef idx="0">
+            <a:schemeClr val="accent1"/>
+          </a:effectRef>
+          <a:fontRef idx="minor">
+            <a:schemeClr val="tx1"/>
+          </a:fontRef>
+        </p:style>
+      </p:cxnSp>
+      <p:sp>
+        <p:nvSpPr>
+          <p:cNvPr id="81" name="Rounded Rectangle 80">
+            <a:extLst>
+              <a:ext uri="{FF2B5EF4-FFF2-40B4-BE49-F238E27FC236}">
+                <a16:creationId xmlns:a16="http://schemas.microsoft.com/office/drawing/2014/main" id="{3AA36FDF-A707-260B-4E98-A445FB755003}"/>
+              </a:ext>
+            </a:extLst>
+          </p:cNvPr>
+          <p:cNvSpPr>
+            <a:spLocks noChangeAspect="1"/>
+          </p:cNvSpPr>
+          <p:nvPr/>
+        </p:nvSpPr>
+        <p:spPr>
+          <a:xfrm>
+            <a:off x="1709845" y="3064149"/>
+            <a:ext cx="1164075" cy="677285"/>
+          </a:xfrm>
+          <a:prstGeom prst="roundRect">
+            <a:avLst/>
+          </a:prstGeom>
+          <a:solidFill>
+            <a:schemeClr val="tx1"/>
+          </a:solidFill>
+        </p:spPr>
+        <p:style>
+          <a:lnRef idx="2">
+            <a:schemeClr val="accent1">
+              <a:shade val="15000"/>
+            </a:schemeClr>
+          </a:lnRef>
+          <a:fillRef idx="1">
+            <a:schemeClr val="accent1"/>
+          </a:fillRef>
+          <a:effectRef idx="0">
+            <a:schemeClr val="accent1"/>
+          </a:effectRef>
+          <a:fontRef idx="minor">
+            <a:schemeClr val="lt1"/>
+          </a:fontRef>
+        </p:style>
+        <p:txBody>
+          <a:bodyPr rtlCol="0" anchor="ctr"/>
+          <a:lstStyle/>
+          <a:p>
+            <a:pPr algn="ctr"/>
+            <a:r>
+              <a:rPr lang="en-US" sz="1760" b="1" dirty="0">
+                <a:solidFill>
+                  <a:schemeClr val="bg1"/>
+                </a:solidFill>
+                <a:latin typeface="Verdana" panose="020B0604030504040204" pitchFamily="34" charset="0"/>
+                <a:ea typeface="Verdana" panose="020B0604030504040204" pitchFamily="34" charset="0"/>
+                <a:cs typeface="Verdana" panose="020B0604030504040204" pitchFamily="34" charset="0"/>
+              </a:rPr>
+              <a:t>air temp</a:t>
+            </a:r>
+          </a:p>
+        </p:txBody>
+      </p:sp>
+      <p:sp>
+        <p:nvSpPr>
+          <p:cNvPr id="87" name="Rounded Rectangle 86">
+            <a:extLst>
+              <a:ext uri="{FF2B5EF4-FFF2-40B4-BE49-F238E27FC236}">
+                <a16:creationId xmlns:a16="http://schemas.microsoft.com/office/drawing/2014/main" id="{5CDACEE4-6D52-DD38-4020-BDF5242A5135}"/>
+              </a:ext>
+            </a:extLst>
+          </p:cNvPr>
+          <p:cNvSpPr>
+            <a:spLocks noChangeAspect="1"/>
+          </p:cNvSpPr>
+          <p:nvPr/>
+        </p:nvSpPr>
+        <p:spPr>
+          <a:xfrm>
+            <a:off x="1708429" y="3755756"/>
+            <a:ext cx="1164075" cy="257851"/>
+          </a:xfrm>
+          <a:prstGeom prst="roundRect">
+            <a:avLst/>
+          </a:prstGeom>
+          <a:solidFill>
+            <a:schemeClr val="bg1">
+              <a:lumMod val="85000"/>
+            </a:schemeClr>
+          </a:solidFill>
+        </p:spPr>
+        <p:style>
+          <a:lnRef idx="2">
+            <a:schemeClr val="accent1">
+              <a:shade val="15000"/>
+            </a:schemeClr>
+          </a:lnRef>
+          <a:fillRef idx="1">
+            <a:schemeClr val="accent1"/>
+          </a:fillRef>
+          <a:effectRef idx="0">
+            <a:schemeClr val="accent1"/>
+          </a:effectRef>
+          <a:fontRef idx="minor">
+            <a:schemeClr val="lt1"/>
+          </a:fontRef>
+        </p:style>
+        <p:txBody>
+          <a:bodyPr rtlCol="0" anchor="ctr"/>
+          <a:lstStyle/>
+          <a:p>
+            <a:pPr algn="ctr"/>
+            <a:r>
+              <a:rPr lang="en-US" sz="1760" b="1" dirty="0">
+                <a:solidFill>
+                  <a:schemeClr val="tx1"/>
+                </a:solidFill>
+                <a:latin typeface="Verdana" panose="020B0604030504040204" pitchFamily="34" charset="0"/>
+                <a:ea typeface="Verdana" panose="020B0604030504040204" pitchFamily="34" charset="0"/>
+                <a:cs typeface="Verdana" panose="020B0604030504040204" pitchFamily="34" charset="0"/>
+              </a:rPr>
+              <a:t>dd</a:t>
+            </a:r>
+          </a:p>
+        </p:txBody>
+      </p:sp>
+      <p:sp>
+        <p:nvSpPr>
+          <p:cNvPr id="96" name="Rounded Rectangle 95">
+            <a:extLst>
+              <a:ext uri="{FF2B5EF4-FFF2-40B4-BE49-F238E27FC236}">
+                <a16:creationId xmlns:a16="http://schemas.microsoft.com/office/drawing/2014/main" id="{589A0F41-3534-4A57-1977-178CC6AB71E8}"/>
+              </a:ext>
+            </a:extLst>
+          </p:cNvPr>
+          <p:cNvSpPr>
+            <a:spLocks noChangeAspect="1"/>
+          </p:cNvSpPr>
+          <p:nvPr/>
+        </p:nvSpPr>
+        <p:spPr>
+          <a:xfrm>
+            <a:off x="385233" y="3755755"/>
+            <a:ext cx="1164075" cy="257851"/>
+          </a:xfrm>
+          <a:prstGeom prst="roundRect">
+            <a:avLst/>
+          </a:prstGeom>
+          <a:solidFill>
+            <a:schemeClr val="bg1">
+              <a:lumMod val="85000"/>
+            </a:schemeClr>
+          </a:solidFill>
+        </p:spPr>
+        <p:style>
+          <a:lnRef idx="2">
+            <a:schemeClr val="accent1">
+              <a:shade val="15000"/>
+            </a:schemeClr>
+          </a:lnRef>
+          <a:fillRef idx="1">
+            <a:schemeClr val="accent1"/>
+          </a:fillRef>
+          <a:effectRef idx="0">
+            <a:schemeClr val="accent1"/>
+          </a:effectRef>
+          <a:fontRef idx="minor">
+            <a:schemeClr val="lt1"/>
+          </a:fontRef>
+        </p:style>
+        <p:txBody>
+          <a:bodyPr rtlCol="0" anchor="ctr"/>
+          <a:lstStyle/>
+          <a:p>
+            <a:pPr algn="ctr"/>
+            <a:r>
+              <a:rPr lang="en-US" sz="1760" b="1" dirty="0">
+                <a:solidFill>
+                  <a:schemeClr val="tx1"/>
+                </a:solidFill>
+                <a:latin typeface="Verdana" panose="020B0604030504040204" pitchFamily="34" charset="0"/>
+                <a:ea typeface="Verdana" panose="020B0604030504040204" pitchFamily="34" charset="0"/>
+                <a:cs typeface="Verdana" panose="020B0604030504040204" pitchFamily="34" charset="0"/>
+              </a:rPr>
+              <a:t>dd</a:t>
+            </a:r>
+          </a:p>
+        </p:txBody>
+      </p:sp>
+      <p:cxnSp>
+        <p:nvCxnSpPr>
+          <p:cNvPr id="114" name="Straight Connector 113">
+            <a:extLst>
+              <a:ext uri="{FF2B5EF4-FFF2-40B4-BE49-F238E27FC236}">
+                <a16:creationId xmlns:a16="http://schemas.microsoft.com/office/drawing/2014/main" id="{D26ADDBD-5E29-F47D-1D3C-029F2CBE351E}"/>
+              </a:ext>
+            </a:extLst>
+          </p:cNvPr>
+          <p:cNvCxnSpPr>
+            <a:cxnSpLocks/>
+          </p:cNvCxnSpPr>
+          <p:nvPr/>
+        </p:nvCxnSpPr>
+        <p:spPr>
+          <a:xfrm flipV="1">
+            <a:off x="2915930" y="4463500"/>
+            <a:ext cx="0" cy="258113"/>
+          </a:xfrm>
+          <a:prstGeom prst="line">
+            <a:avLst/>
+          </a:prstGeom>
+          <a:ln w="38100">
+            <a:solidFill>
+              <a:srgbClr val="7030A0"/>
+            </a:solidFill>
+          </a:ln>
+        </p:spPr>
+        <p:style>
+          <a:lnRef idx="1">
+            <a:schemeClr val="accent1"/>
+          </a:lnRef>
+          <a:fillRef idx="0">
+            <a:schemeClr val="accent1"/>
+          </a:fillRef>
+          <a:effectRef idx="0">
+            <a:schemeClr val="accent1"/>
+          </a:effectRef>
+          <a:fontRef idx="minor">
+            <a:schemeClr val="tx1"/>
+          </a:fontRef>
+        </p:style>
+      </p:cxnSp>
+      <p:cxnSp>
+        <p:nvCxnSpPr>
+          <p:cNvPr id="128" name="Straight Connector 127">
+            <a:extLst>
+              <a:ext uri="{FF2B5EF4-FFF2-40B4-BE49-F238E27FC236}">
+                <a16:creationId xmlns:a16="http://schemas.microsoft.com/office/drawing/2014/main" id="{D6167651-5710-68FB-E9FC-4272B52A08F7}"/>
+              </a:ext>
+            </a:extLst>
+          </p:cNvPr>
+          <p:cNvCxnSpPr>
+            <a:cxnSpLocks/>
+          </p:cNvCxnSpPr>
+          <p:nvPr/>
+        </p:nvCxnSpPr>
+        <p:spPr>
+          <a:xfrm rot="5400000" flipV="1">
+            <a:off x="2918015" y="4425065"/>
+            <a:ext cx="0" cy="191936"/>
+          </a:xfrm>
+          <a:prstGeom prst="line">
+            <a:avLst/>
+          </a:prstGeom>
+          <a:ln w="38100">
+            <a:solidFill>
+              <a:srgbClr val="7030A0"/>
+            </a:solidFill>
+          </a:ln>
+        </p:spPr>
+        <p:style>
+          <a:lnRef idx="1">
+            <a:schemeClr val="accent1"/>
+          </a:lnRef>
+          <a:fillRef idx="0">
+            <a:schemeClr val="accent1"/>
+          </a:fillRef>
+          <a:effectRef idx="0">
+            <a:schemeClr val="accent1"/>
+          </a:effectRef>
+          <a:fontRef idx="minor">
+            <a:schemeClr val="tx1"/>
+          </a:fontRef>
+        </p:style>
+      </p:cxnSp>
+      <p:cxnSp>
+        <p:nvCxnSpPr>
+          <p:cNvPr id="145" name="Straight Connector 144">
+            <a:extLst>
+              <a:ext uri="{FF2B5EF4-FFF2-40B4-BE49-F238E27FC236}">
+                <a16:creationId xmlns:a16="http://schemas.microsoft.com/office/drawing/2014/main" id="{3E57FECA-0122-3045-EF98-08376E7679BB}"/>
+              </a:ext>
+            </a:extLst>
+          </p:cNvPr>
+          <p:cNvCxnSpPr>
+            <a:cxnSpLocks/>
+          </p:cNvCxnSpPr>
+          <p:nvPr/>
+        </p:nvCxnSpPr>
+        <p:spPr>
+          <a:xfrm flipV="1">
+            <a:off x="4233785" y="1602505"/>
+            <a:ext cx="0" cy="191936"/>
+          </a:xfrm>
+          <a:prstGeom prst="line">
+            <a:avLst/>
+          </a:prstGeom>
+          <a:ln w="38100">
+            <a:solidFill>
+              <a:srgbClr val="7030A0"/>
+            </a:solidFill>
+          </a:ln>
+        </p:spPr>
+        <p:style>
+          <a:lnRef idx="1">
+            <a:schemeClr val="accent1"/>
+          </a:lnRef>
+          <a:fillRef idx="0">
+            <a:schemeClr val="accent1"/>
+          </a:fillRef>
+          <a:effectRef idx="0">
+            <a:schemeClr val="accent1"/>
+          </a:effectRef>
+          <a:fontRef idx="minor">
+            <a:schemeClr val="tx1"/>
+          </a:fontRef>
+        </p:style>
+      </p:cxnSp>
+      <p:sp>
+        <p:nvSpPr>
+          <p:cNvPr id="151" name="Oval 150">
+            <a:extLst>
+              <a:ext uri="{FF2B5EF4-FFF2-40B4-BE49-F238E27FC236}">
+                <a16:creationId xmlns:a16="http://schemas.microsoft.com/office/drawing/2014/main" id="{D9EF0F6B-A111-7F28-210C-945B6A358C43}"/>
+              </a:ext>
+            </a:extLst>
+          </p:cNvPr>
+          <p:cNvSpPr>
+            <a:spLocks noChangeAspect="1"/>
+          </p:cNvSpPr>
+          <p:nvPr/>
+        </p:nvSpPr>
+        <p:spPr>
+          <a:xfrm rot="5400000">
+            <a:off x="3540968" y="2845978"/>
+            <a:ext cx="108000" cy="108000"/>
+          </a:xfrm>
+          <a:prstGeom prst="ellipse">
+            <a:avLst/>
+          </a:prstGeom>
+          <a:solidFill>
+            <a:schemeClr val="bg1"/>
+          </a:solidFill>
+          <a:ln>
+            <a:solidFill>
+              <a:srgbClr val="7030A0"/>
+            </a:solidFill>
+          </a:ln>
+        </p:spPr>
+        <p:style>
+          <a:lnRef idx="2">
+            <a:schemeClr val="accent1">
+              <a:shade val="15000"/>
+            </a:schemeClr>
+          </a:lnRef>
+          <a:fillRef idx="1">
+            <a:schemeClr val="accent1"/>
+          </a:fillRef>
+          <a:effectRef idx="0">
+            <a:schemeClr val="accent1"/>
+          </a:effectRef>
+          <a:fontRef idx="minor">
+            <a:schemeClr val="lt1"/>
+          </a:fontRef>
+        </p:style>
+        <p:txBody>
+          <a:bodyPr rtlCol="0" anchor="ctr"/>
+          <a:lstStyle/>
+          <a:p>
+            <a:pPr algn="ctr"/>
+            <a:endParaRPr lang="en-US" sz="1863" dirty="0"/>
+          </a:p>
+        </p:txBody>
+      </p:sp>
+      <p:sp>
+        <p:nvSpPr>
+          <p:cNvPr id="154" name="Oval 153">
+            <a:extLst>
+              <a:ext uri="{FF2B5EF4-FFF2-40B4-BE49-F238E27FC236}">
+                <a16:creationId xmlns:a16="http://schemas.microsoft.com/office/drawing/2014/main" id="{CBE3A2F4-F34E-E288-1C98-E28367CCAC8A}"/>
+              </a:ext>
+            </a:extLst>
+          </p:cNvPr>
+          <p:cNvSpPr>
+            <a:spLocks noChangeAspect="1"/>
+          </p:cNvSpPr>
+          <p:nvPr/>
+        </p:nvSpPr>
+        <p:spPr>
+          <a:xfrm rot="5400000">
+            <a:off x="2237099" y="2845976"/>
+            <a:ext cx="108000" cy="108000"/>
+          </a:xfrm>
+          <a:prstGeom prst="ellipse">
+            <a:avLst/>
+          </a:prstGeom>
+          <a:solidFill>
+            <a:schemeClr val="bg1"/>
+          </a:solidFill>
+          <a:ln>
+            <a:solidFill>
+              <a:srgbClr val="7030A0"/>
+            </a:solidFill>
+          </a:ln>
+        </p:spPr>
+        <p:style>
+          <a:lnRef idx="2">
+            <a:schemeClr val="accent1">
+              <a:shade val="15000"/>
+            </a:schemeClr>
+          </a:lnRef>
+          <a:fillRef idx="1">
+            <a:schemeClr val="accent1"/>
+          </a:fillRef>
+          <a:effectRef idx="0">
+            <a:schemeClr val="accent1"/>
+          </a:effectRef>
+          <a:fontRef idx="minor">
+            <a:schemeClr val="lt1"/>
+          </a:fontRef>
+        </p:style>
+        <p:txBody>
+          <a:bodyPr rtlCol="0" anchor="ctr"/>
+          <a:lstStyle/>
+          <a:p>
+            <a:pPr algn="ctr"/>
+            <a:endParaRPr lang="en-US" sz="1863" dirty="0"/>
+          </a:p>
+        </p:txBody>
+      </p:sp>
+      <p:sp>
+        <p:nvSpPr>
+          <p:cNvPr id="155" name="Oval 154">
+            <a:extLst>
+              <a:ext uri="{FF2B5EF4-FFF2-40B4-BE49-F238E27FC236}">
+                <a16:creationId xmlns:a16="http://schemas.microsoft.com/office/drawing/2014/main" id="{5A6797D5-FE0F-A653-E938-65C3AFE225B9}"/>
+              </a:ext>
+            </a:extLst>
+          </p:cNvPr>
+          <p:cNvSpPr>
+            <a:spLocks noChangeAspect="1"/>
+          </p:cNvSpPr>
+          <p:nvPr/>
+        </p:nvSpPr>
+        <p:spPr>
+          <a:xfrm rot="5400000">
+            <a:off x="924764" y="2845972"/>
+            <a:ext cx="108000" cy="108000"/>
+          </a:xfrm>
+          <a:prstGeom prst="ellipse">
+            <a:avLst/>
+          </a:prstGeom>
+          <a:solidFill>
+            <a:schemeClr val="bg1"/>
+          </a:solidFill>
+          <a:ln>
+            <a:solidFill>
+              <a:srgbClr val="7030A0"/>
+            </a:solidFill>
+          </a:ln>
+        </p:spPr>
+        <p:style>
+          <a:lnRef idx="2">
+            <a:schemeClr val="accent1">
+              <a:shade val="15000"/>
+            </a:schemeClr>
+          </a:lnRef>
+          <a:fillRef idx="1">
+            <a:schemeClr val="accent1"/>
+          </a:fillRef>
+          <a:effectRef idx="0">
+            <a:schemeClr val="accent1"/>
+          </a:effectRef>
+          <a:fontRef idx="minor">
+            <a:schemeClr val="lt1"/>
+          </a:fontRef>
+        </p:style>
+        <p:txBody>
+          <a:bodyPr rtlCol="0" anchor="ctr"/>
+          <a:lstStyle/>
+          <a:p>
+            <a:pPr algn="ctr"/>
+            <a:endParaRPr lang="en-US" sz="1863" dirty="0"/>
+          </a:p>
+        </p:txBody>
+      </p:sp>
+      <p:cxnSp>
+        <p:nvCxnSpPr>
+          <p:cNvPr id="156" name="Straight Connector 155">
+            <a:extLst>
+              <a:ext uri="{FF2B5EF4-FFF2-40B4-BE49-F238E27FC236}">
+                <a16:creationId xmlns:a16="http://schemas.microsoft.com/office/drawing/2014/main" id="{2F07394D-741F-2264-76CD-994392C8756A}"/>
+              </a:ext>
+            </a:extLst>
+          </p:cNvPr>
+          <p:cNvCxnSpPr>
+            <a:cxnSpLocks/>
+          </p:cNvCxnSpPr>
+          <p:nvPr/>
+        </p:nvCxnSpPr>
+        <p:spPr>
+          <a:xfrm>
+            <a:off x="4888958" y="2803262"/>
+            <a:ext cx="0" cy="178021"/>
+          </a:xfrm>
+          <a:prstGeom prst="line">
+            <a:avLst/>
+          </a:prstGeom>
+          <a:ln w="38100">
+            <a:solidFill>
+              <a:srgbClr val="7030A0"/>
+            </a:solidFill>
+          </a:ln>
+        </p:spPr>
+        <p:style>
+          <a:lnRef idx="1">
+            <a:schemeClr val="accent1"/>
+          </a:lnRef>
+          <a:fillRef idx="0">
+            <a:schemeClr val="accent1"/>
+          </a:fillRef>
+          <a:effectRef idx="0">
+            <a:schemeClr val="accent1"/>
+          </a:effectRef>
+          <a:fontRef idx="minor">
+            <a:schemeClr val="tx1"/>
+          </a:fontRef>
+        </p:style>
+      </p:cxnSp>
+    </p:spTree>
+    <p:extLst>
+      <p:ext uri="{BB962C8B-B14F-4D97-AF65-F5344CB8AC3E}">
+        <p14:creationId xmlns:p14="http://schemas.microsoft.com/office/powerpoint/2010/main" val="2892947507"/>
+      </p:ext>
+    </p:extLst>
+  </p:cSld>
+  <p:clrMapOvr>
+    <a:masterClrMapping/>
+  </p:clrMapOvr>
+</p:sld>
+</file>
+
+<file path=ppt/slides/slide3.xml><?xml version="1.0" encoding="utf-8"?>
+<p:sld xmlns:a="http://schemas.openxmlformats.org/drawingml/2006/main" xmlns:r="http://schemas.openxmlformats.org/officeDocument/2006/relationships" xmlns:p="http://schemas.openxmlformats.org/presentationml/2006/main">
+  <p:cSld>
+    <p:spTree>
+      <p:nvGrpSpPr>
         <p:cNvPr id="1" name=""/>
         <p:cNvGrpSpPr/>
         <p:nvPr/>
@@ -5989,8 +7741,8 @@
         </p:nvSpPr>
         <p:spPr>
           <a:xfrm>
-            <a:off x="246877" y="120513"/>
-            <a:ext cx="4761945" cy="369332"/>
+            <a:off x="-3083125" y="-1452"/>
+            <a:ext cx="5098688" cy="392351"/>
           </a:xfrm>
           <a:prstGeom prst="rect">
             <a:avLst/>
@@ -6004,7 +7756,7 @@
           <a:lstStyle/>
           <a:p>
             <a:r>
-              <a:rPr lang="en-US" b="1" dirty="0">
+              <a:rPr lang="en-US" sz="1863" b="1" dirty="0">
                 <a:latin typeface="Verdana" panose="020B0604030504040204" pitchFamily="34" charset="0"/>
                 <a:ea typeface="Verdana" panose="020B0604030504040204" pitchFamily="34" charset="0"/>
                 <a:cs typeface="Verdana" panose="020B0604030504040204" pitchFamily="34" charset="0"/>
@@ -6012,7 +7764,7 @@
               <a:t>Figure 2. </a:t>
             </a:r>
             <a:r>
-              <a:rPr lang="en-US" dirty="0">
+              <a:rPr lang="en-US" sz="1863" dirty="0">
                 <a:latin typeface="Verdana" panose="020B0604030504040204" pitchFamily="34" charset="0"/>
                 <a:ea typeface="Verdana" panose="020B0604030504040204" pitchFamily="34" charset="0"/>
                 <a:cs typeface="Verdana" panose="020B0604030504040204" pitchFamily="34" charset="0"/>
@@ -6036,8 +7788,8 @@
         </p:nvSpPr>
         <p:spPr>
           <a:xfrm>
-            <a:off x="2347255" y="2226633"/>
-            <a:ext cx="1049967" cy="400110"/>
+            <a:off x="-908845" y="2178772"/>
+            <a:ext cx="1115054" cy="425339"/>
           </a:xfrm>
           <a:prstGeom prst="rect">
             <a:avLst/>
@@ -6051,10 +7803,10 @@
           <a:lstStyle/>
           <a:p>
             <a:r>
-              <a:rPr lang="en-US" sz="2000" dirty="0" err="1"/>
+              <a:rPr lang="en-US" sz="2070" dirty="0" err="1"/>
               <a:t>sweddie</a:t>
             </a:r>
-            <a:endParaRPr lang="en-US" sz="2000" dirty="0"/>
+            <a:endParaRPr lang="en-US" sz="2070" dirty="0"/>
           </a:p>
         </p:txBody>
       </p:sp>
@@ -6072,8 +7824,8 @@
         </p:nvSpPr>
         <p:spPr>
           <a:xfrm>
-            <a:off x="107742" y="2971747"/>
-            <a:ext cx="945900" cy="400110"/>
+            <a:off x="-3227155" y="2950103"/>
+            <a:ext cx="1003940" cy="425339"/>
           </a:xfrm>
           <a:prstGeom prst="rect">
             <a:avLst/>
@@ -6087,7 +7839,7 @@
           <a:lstStyle/>
           <a:p>
             <a:r>
-              <a:rPr lang="en-US" sz="2000" dirty="0"/>
+              <a:rPr lang="en-US" sz="2070" dirty="0"/>
               <a:t>reports</a:t>
             </a:r>
           </a:p>
@@ -6107,8 +7859,8 @@
         </p:nvSpPr>
         <p:spPr>
           <a:xfrm>
-            <a:off x="4291553" y="2974621"/>
-            <a:ext cx="1229952" cy="400110"/>
+            <a:off x="1103864" y="2953079"/>
+            <a:ext cx="1302899" cy="425339"/>
           </a:xfrm>
           <a:prstGeom prst="rect">
             <a:avLst/>
@@ -6122,7 +7874,7 @@
           <a:lstStyle/>
           <a:p>
             <a:r>
-              <a:rPr lang="en-US" sz="2000" dirty="0"/>
+              <a:rPr lang="en-US" sz="2070" dirty="0"/>
               <a:t>templates</a:t>
             </a:r>
           </a:p>
@@ -6142,8 +7894,8 @@
         </p:nvSpPr>
         <p:spPr>
           <a:xfrm>
-            <a:off x="2350809" y="2941420"/>
-            <a:ext cx="1042017" cy="400110"/>
+            <a:off x="-905166" y="2918709"/>
+            <a:ext cx="1103306" cy="425339"/>
           </a:xfrm>
           <a:prstGeom prst="rect">
             <a:avLst/>
@@ -6157,10 +7909,10 @@
           <a:lstStyle/>
           <a:p>
             <a:r>
-              <a:rPr lang="en-US" sz="2000" dirty="0" err="1"/>
+              <a:rPr lang="en-US" sz="2070" dirty="0" err="1"/>
               <a:t>siteData</a:t>
             </a:r>
-            <a:endParaRPr lang="en-US" sz="2000" dirty="0"/>
+            <a:endParaRPr lang="en-US" sz="2070" dirty="0"/>
           </a:p>
         </p:txBody>
       </p:sp>
@@ -6178,8 +7930,8 @@
         </p:nvSpPr>
         <p:spPr>
           <a:xfrm>
-            <a:off x="1294667" y="3911092"/>
-            <a:ext cx="686855" cy="400110"/>
+            <a:off x="-1998469" y="3922499"/>
+            <a:ext cx="725890" cy="425339"/>
           </a:xfrm>
           <a:prstGeom prst="rect">
             <a:avLst/>
@@ -6193,7 +7945,7 @@
           <a:lstStyle/>
           <a:p>
             <a:r>
-              <a:rPr lang="en-US" sz="2000" dirty="0"/>
+              <a:rPr lang="en-US" sz="2070" dirty="0"/>
               <a:t>site1</a:t>
             </a:r>
           </a:p>
@@ -6213,8 +7965,8 @@
         </p:nvSpPr>
         <p:spPr>
           <a:xfrm>
-            <a:off x="3762833" y="3910305"/>
-            <a:ext cx="722121" cy="400110"/>
+            <a:off x="556541" y="3921685"/>
+            <a:ext cx="764057" cy="425339"/>
           </a:xfrm>
           <a:prstGeom prst="rect">
             <a:avLst/>
@@ -6228,10 +7980,10 @@
           <a:lstStyle/>
           <a:p>
             <a:r>
-              <a:rPr lang="en-US" sz="2000" dirty="0" err="1"/>
+              <a:rPr lang="en-US" sz="2070" dirty="0" err="1"/>
               <a:t>siteN</a:t>
             </a:r>
-            <a:endParaRPr lang="en-US" sz="2000" dirty="0"/>
+            <a:endParaRPr lang="en-US" sz="2070" dirty="0"/>
           </a:p>
         </p:txBody>
       </p:sp>
@@ -6249,8 +8001,8 @@
         </p:nvSpPr>
         <p:spPr>
           <a:xfrm>
-            <a:off x="7014221" y="461104"/>
-            <a:ext cx="470000" cy="400110"/>
+            <a:off x="3922329" y="351123"/>
+            <a:ext cx="498154" cy="425339"/>
           </a:xfrm>
           <a:prstGeom prst="rect">
             <a:avLst/>
@@ -6264,10 +8016,10 @@
           <a:lstStyle/>
           <a:p>
             <a:r>
-              <a:rPr lang="en-US" sz="2000" dirty="0" err="1"/>
+              <a:rPr lang="en-US" sz="2070" dirty="0" err="1"/>
               <a:t>prj</a:t>
             </a:r>
-            <a:endParaRPr lang="en-US" sz="2000" dirty="0"/>
+            <a:endParaRPr lang="en-US" sz="2070" dirty="0"/>
           </a:p>
         </p:txBody>
       </p:sp>
@@ -6285,8 +8037,8 @@
         </p:nvSpPr>
         <p:spPr>
           <a:xfrm>
-            <a:off x="9755537" y="1355338"/>
-            <a:ext cx="480644" cy="400110"/>
+            <a:off x="6760099" y="1276821"/>
+            <a:ext cx="507379" cy="425339"/>
           </a:xfrm>
           <a:prstGeom prst="rect">
             <a:avLst/>
@@ -6300,10 +8052,10 @@
           <a:lstStyle/>
           <a:p>
             <a:r>
-              <a:rPr lang="en-US" sz="2000" dirty="0" err="1"/>
+              <a:rPr lang="en-US" sz="2070" dirty="0" err="1"/>
               <a:t>src</a:t>
             </a:r>
-            <a:endParaRPr lang="en-US" sz="2000" dirty="0"/>
+            <a:endParaRPr lang="en-US" sz="2070" dirty="0"/>
           </a:p>
         </p:txBody>
       </p:sp>
@@ -6321,8 +8073,8 @@
         </p:nvSpPr>
         <p:spPr>
           <a:xfrm>
-            <a:off x="4087530" y="1355338"/>
-            <a:ext cx="526939" cy="400110"/>
+            <a:off x="892662" y="1276821"/>
+            <a:ext cx="555371" cy="425339"/>
           </a:xfrm>
           <a:prstGeom prst="rect">
             <a:avLst/>
@@ -6336,10 +8088,10 @@
           <a:lstStyle/>
           <a:p>
             <a:r>
-              <a:rPr lang="en-US" sz="2000" dirty="0" err="1"/>
+              <a:rPr lang="en-US" sz="2070" dirty="0" err="1"/>
               <a:t>dat</a:t>
             </a:r>
-            <a:endParaRPr lang="en-US" sz="2000" dirty="0"/>
+            <a:endParaRPr lang="en-US" sz="2070" dirty="0"/>
           </a:p>
         </p:txBody>
       </p:sp>
@@ -6357,8 +8109,8 @@
         </p:nvSpPr>
         <p:spPr>
           <a:xfrm>
-            <a:off x="8420017" y="2327673"/>
-            <a:ext cx="573619" cy="400110"/>
+            <a:off x="5377589" y="2283368"/>
+            <a:ext cx="606811" cy="425339"/>
           </a:xfrm>
           <a:prstGeom prst="rect">
             <a:avLst/>
@@ -6372,7 +8124,7 @@
           <a:lstStyle/>
           <a:p>
             <a:r>
-              <a:rPr lang="en-US" sz="2000" dirty="0"/>
+              <a:rPr lang="en-US" sz="2070" dirty="0"/>
               <a:t>raw</a:t>
             </a:r>
           </a:p>
@@ -6392,8 +8144,8 @@
         </p:nvSpPr>
         <p:spPr>
           <a:xfrm>
-            <a:off x="2528750" y="3910305"/>
-            <a:ext cx="686855" cy="400110"/>
+            <a:off x="-720964" y="3921685"/>
+            <a:ext cx="725890" cy="425339"/>
           </a:xfrm>
           <a:prstGeom prst="rect">
             <a:avLst/>
@@ -6407,7 +8159,7 @@
           <a:lstStyle/>
           <a:p>
             <a:r>
-              <a:rPr lang="en-US" sz="2000" dirty="0"/>
+              <a:rPr lang="en-US" sz="2070" dirty="0"/>
               <a:t>site2</a:t>
             </a:r>
           </a:p>
@@ -6431,8 +8183,8 @@
         </p:nvCxnSpPr>
         <p:spPr>
           <a:xfrm>
-            <a:off x="7249221" y="861214"/>
-            <a:ext cx="2746638" cy="494124"/>
+            <a:off x="4171406" y="776462"/>
+            <a:ext cx="2842382" cy="500359"/>
           </a:xfrm>
           <a:prstGeom prst="line">
             <a:avLst/>
@@ -6472,8 +8224,8 @@
         </p:nvCxnSpPr>
         <p:spPr>
           <a:xfrm flipH="1">
-            <a:off x="4351000" y="861214"/>
-            <a:ext cx="2898221" cy="494124"/>
+            <a:off x="1170348" y="776462"/>
+            <a:ext cx="3001059" cy="500359"/>
           </a:xfrm>
           <a:prstGeom prst="line">
             <a:avLst/>
@@ -6513,8 +8265,8 @@
         </p:nvCxnSpPr>
         <p:spPr>
           <a:xfrm flipH="1" flipV="1">
-            <a:off x="4351000" y="1755448"/>
-            <a:ext cx="4355827" cy="572225"/>
+            <a:off x="1170348" y="1702159"/>
+            <a:ext cx="4510647" cy="581208"/>
           </a:xfrm>
           <a:prstGeom prst="line">
             <a:avLst/>
@@ -6554,8 +8306,8 @@
         </p:nvCxnSpPr>
         <p:spPr>
           <a:xfrm flipV="1">
-            <a:off x="2872239" y="1755448"/>
-            <a:ext cx="1478761" cy="471185"/>
+            <a:off x="-351318" y="1702160"/>
+            <a:ext cx="1521665" cy="476613"/>
           </a:xfrm>
           <a:prstGeom prst="line">
             <a:avLst/>
@@ -6595,8 +8347,8 @@
         </p:nvCxnSpPr>
         <p:spPr>
           <a:xfrm flipH="1">
-            <a:off x="580692" y="2626743"/>
-            <a:ext cx="2291547" cy="345004"/>
+            <a:off x="-2725185" y="2604110"/>
+            <a:ext cx="2373867" cy="345992"/>
           </a:xfrm>
           <a:prstGeom prst="line">
             <a:avLst/>
@@ -6636,8 +8388,8 @@
         </p:nvCxnSpPr>
         <p:spPr>
           <a:xfrm flipH="1">
-            <a:off x="2871818" y="2626743"/>
-            <a:ext cx="421" cy="314677"/>
+            <a:off x="-353513" y="2604111"/>
+            <a:ext cx="2195" cy="314598"/>
           </a:xfrm>
           <a:prstGeom prst="line">
             <a:avLst/>
@@ -6677,8 +8429,8 @@
         </p:nvCxnSpPr>
         <p:spPr>
           <a:xfrm>
-            <a:off x="2872239" y="2626743"/>
-            <a:ext cx="2034290" cy="347878"/>
+            <a:off x="-351318" y="2604112"/>
+            <a:ext cx="2106631" cy="348967"/>
           </a:xfrm>
           <a:prstGeom prst="line">
             <a:avLst/>
@@ -6718,8 +8470,8 @@
         </p:nvCxnSpPr>
         <p:spPr>
           <a:xfrm flipH="1">
-            <a:off x="1638095" y="3341530"/>
-            <a:ext cx="1233723" cy="569562"/>
+            <a:off x="-1635524" y="3344048"/>
+            <a:ext cx="1282011" cy="578451"/>
           </a:xfrm>
           <a:prstGeom prst="line">
             <a:avLst/>
@@ -6758,9 +8510,9 @@
           <p:nvPr/>
         </p:nvCxnSpPr>
         <p:spPr>
-          <a:xfrm>
-            <a:off x="2871818" y="3341530"/>
-            <a:ext cx="360" cy="568775"/>
+          <a:xfrm flipH="1">
+            <a:off x="-358019" y="3344048"/>
+            <a:ext cx="4506" cy="577636"/>
           </a:xfrm>
           <a:prstGeom prst="line">
             <a:avLst/>
@@ -6800,8 +8552,8 @@
         </p:nvCxnSpPr>
         <p:spPr>
           <a:xfrm>
-            <a:off x="2871818" y="3341530"/>
-            <a:ext cx="1252076" cy="568775"/>
+            <a:off x="-353512" y="3344048"/>
+            <a:ext cx="1292082" cy="577636"/>
           </a:xfrm>
           <a:prstGeom prst="line">
             <a:avLst/>
@@ -6837,8 +8589,8 @@
         </p:nvSpPr>
         <p:spPr>
           <a:xfrm>
-            <a:off x="1329265" y="4191892"/>
-            <a:ext cx="1294906" cy="307777"/>
+            <a:off x="-1962653" y="4213179"/>
+            <a:ext cx="1378302" cy="326438"/>
           </a:xfrm>
           <a:prstGeom prst="rect">
             <a:avLst/>
@@ -6852,10 +8604,10 @@
           <a:lstStyle/>
           <a:p>
             <a:r>
-              <a:rPr lang="en-US" sz="1400" dirty="0" err="1"/>
+              <a:rPr lang="en-US" sz="1449" dirty="0" err="1"/>
               <a:t>experiment.csv</a:t>
             </a:r>
-            <a:endParaRPr lang="en-US" sz="1400" dirty="0"/>
+            <a:endParaRPr lang="en-US" sz="1449" dirty="0"/>
           </a:p>
         </p:txBody>
       </p:sp>
@@ -6873,8 +8625,8 @@
         </p:nvSpPr>
         <p:spPr>
           <a:xfrm>
-            <a:off x="1329265" y="4403873"/>
-            <a:ext cx="715452" cy="307777"/>
+            <a:off x="-1962654" y="4432619"/>
+            <a:ext cx="757021" cy="326438"/>
           </a:xfrm>
           <a:prstGeom prst="rect">
             <a:avLst/>
@@ -6888,10 +8640,10 @@
           <a:lstStyle/>
           <a:p>
             <a:r>
-              <a:rPr lang="en-US" sz="1400" dirty="0" err="1"/>
+              <a:rPr lang="en-US" sz="1449" dirty="0" err="1"/>
               <a:t>site.csv</a:t>
             </a:r>
-            <a:endParaRPr lang="en-US" sz="1400" dirty="0"/>
+            <a:endParaRPr lang="en-US" sz="1449" dirty="0"/>
           </a:p>
         </p:txBody>
       </p:sp>
@@ -6909,8 +8661,8 @@
         </p:nvSpPr>
         <p:spPr>
           <a:xfrm>
-            <a:off x="1316427" y="4604278"/>
-            <a:ext cx="746230" cy="307777"/>
+            <a:off x="-1975943" y="4640075"/>
+            <a:ext cx="790607" cy="326438"/>
           </a:xfrm>
           <a:prstGeom prst="rect">
             <a:avLst/>
@@ -6924,10 +8676,10 @@
           <a:lstStyle/>
           <a:p>
             <a:r>
-              <a:rPr lang="en-US" sz="1400" dirty="0" err="1"/>
+              <a:rPr lang="en-US" sz="1449" dirty="0" err="1"/>
               <a:t>plot.csv</a:t>
             </a:r>
-            <a:endParaRPr lang="en-US" sz="1400" dirty="0"/>
+            <a:endParaRPr lang="en-US" sz="1449" dirty="0"/>
           </a:p>
         </p:txBody>
       </p:sp>
@@ -6945,8 +8697,8 @@
         </p:nvSpPr>
         <p:spPr>
           <a:xfrm>
-            <a:off x="2618744" y="4186401"/>
-            <a:ext cx="1294906" cy="307777"/>
+            <a:off x="-627803" y="4207495"/>
+            <a:ext cx="1378302" cy="326438"/>
           </a:xfrm>
           <a:prstGeom prst="rect">
             <a:avLst/>
@@ -6960,10 +8712,10 @@
           <a:lstStyle/>
           <a:p>
             <a:r>
-              <a:rPr lang="en-US" sz="1400" dirty="0" err="1"/>
+              <a:rPr lang="en-US" sz="1449" dirty="0" err="1"/>
               <a:t>experiment.csv</a:t>
             </a:r>
-            <a:endParaRPr lang="en-US" sz="1400" dirty="0"/>
+            <a:endParaRPr lang="en-US" sz="1449" dirty="0"/>
           </a:p>
         </p:txBody>
       </p:sp>
@@ -6981,8 +8733,8 @@
         </p:nvSpPr>
         <p:spPr>
           <a:xfrm>
-            <a:off x="2618744" y="4398382"/>
-            <a:ext cx="715452" cy="307777"/>
+            <a:off x="-627804" y="4426935"/>
+            <a:ext cx="757021" cy="326438"/>
           </a:xfrm>
           <a:prstGeom prst="rect">
             <a:avLst/>
@@ -6996,10 +8748,10 @@
           <a:lstStyle/>
           <a:p>
             <a:r>
-              <a:rPr lang="en-US" sz="1400" dirty="0" err="1"/>
+              <a:rPr lang="en-US" sz="1449" dirty="0" err="1"/>
               <a:t>site.csv</a:t>
             </a:r>
-            <a:endParaRPr lang="en-US" sz="1400" dirty="0"/>
+            <a:endParaRPr lang="en-US" sz="1449" dirty="0"/>
           </a:p>
         </p:txBody>
       </p:sp>
@@ -7017,8 +8769,8 @@
         </p:nvSpPr>
         <p:spPr>
           <a:xfrm>
-            <a:off x="2605906" y="4598787"/>
-            <a:ext cx="746230" cy="307777"/>
+            <a:off x="-641093" y="4634391"/>
+            <a:ext cx="790607" cy="326438"/>
           </a:xfrm>
           <a:prstGeom prst="rect">
             <a:avLst/>
@@ -7032,10 +8784,10 @@
           <a:lstStyle/>
           <a:p>
             <a:r>
-              <a:rPr lang="en-US" sz="1400" dirty="0" err="1"/>
+              <a:rPr lang="en-US" sz="1449" dirty="0" err="1"/>
               <a:t>plot.csv</a:t>
             </a:r>
-            <a:endParaRPr lang="en-US" sz="1400" dirty="0"/>
+            <a:endParaRPr lang="en-US" sz="1449" dirty="0"/>
           </a:p>
         </p:txBody>
       </p:sp>
@@ -7053,8 +8805,8 @@
         </p:nvSpPr>
         <p:spPr>
           <a:xfrm>
-            <a:off x="3916451" y="4186401"/>
-            <a:ext cx="1294906" cy="307777"/>
+            <a:off x="715564" y="4207495"/>
+            <a:ext cx="1378302" cy="326438"/>
           </a:xfrm>
           <a:prstGeom prst="rect">
             <a:avLst/>
@@ -7068,10 +8820,10 @@
           <a:lstStyle/>
           <a:p>
             <a:r>
-              <a:rPr lang="en-US" sz="1400" dirty="0" err="1"/>
+              <a:rPr lang="en-US" sz="1449" dirty="0" err="1"/>
               <a:t>experiment.csv</a:t>
             </a:r>
-            <a:endParaRPr lang="en-US" sz="1400" dirty="0"/>
+            <a:endParaRPr lang="en-US" sz="1449" dirty="0"/>
           </a:p>
         </p:txBody>
       </p:sp>
@@ -7089,8 +8841,8 @@
         </p:nvSpPr>
         <p:spPr>
           <a:xfrm>
-            <a:off x="3916451" y="4398382"/>
-            <a:ext cx="715452" cy="307777"/>
+            <a:off x="715564" y="4426935"/>
+            <a:ext cx="757021" cy="326438"/>
           </a:xfrm>
           <a:prstGeom prst="rect">
             <a:avLst/>
@@ -7104,10 +8856,10 @@
           <a:lstStyle/>
           <a:p>
             <a:r>
-              <a:rPr lang="en-US" sz="1400" dirty="0" err="1"/>
+              <a:rPr lang="en-US" sz="1449" dirty="0" err="1"/>
               <a:t>site.csv</a:t>
             </a:r>
-            <a:endParaRPr lang="en-US" sz="1400" dirty="0"/>
+            <a:endParaRPr lang="en-US" sz="1449" dirty="0"/>
           </a:p>
         </p:txBody>
       </p:sp>
@@ -7125,8 +8877,8 @@
         </p:nvSpPr>
         <p:spPr>
           <a:xfrm>
-            <a:off x="3903613" y="4598787"/>
-            <a:ext cx="746230" cy="307777"/>
+            <a:off x="702275" y="4634391"/>
+            <a:ext cx="790607" cy="326438"/>
           </a:xfrm>
           <a:prstGeom prst="rect">
             <a:avLst/>
@@ -7140,10 +8892,10 @@
           <a:lstStyle/>
           <a:p>
             <a:r>
-              <a:rPr lang="en-US" sz="1400" dirty="0" err="1"/>
+              <a:rPr lang="en-US" sz="1449" dirty="0" err="1"/>
               <a:t>plot.csv</a:t>
             </a:r>
-            <a:endParaRPr lang="en-US" sz="1400" dirty="0"/>
+            <a:endParaRPr lang="en-US" sz="1449" dirty="0"/>
           </a:p>
         </p:txBody>
       </p:sp>
@@ -7161,8 +8913,8 @@
         </p:nvSpPr>
         <p:spPr>
           <a:xfrm>
-            <a:off x="6551319" y="2968679"/>
-            <a:ext cx="686855" cy="400110"/>
+            <a:off x="3443140" y="2946928"/>
+            <a:ext cx="725890" cy="425339"/>
           </a:xfrm>
           <a:prstGeom prst="rect">
             <a:avLst/>
@@ -7176,7 +8928,7 @@
           <a:lstStyle/>
           <a:p>
             <a:r>
-              <a:rPr lang="en-US" sz="2000" dirty="0"/>
+              <a:rPr lang="en-US" sz="2070" dirty="0"/>
               <a:t>site1</a:t>
             </a:r>
           </a:p>
@@ -7196,8 +8948,8 @@
         </p:nvSpPr>
         <p:spPr>
           <a:xfrm>
-            <a:off x="8777369" y="2963103"/>
-            <a:ext cx="686855" cy="400110"/>
+            <a:off x="5747514" y="2941155"/>
+            <a:ext cx="725890" cy="425339"/>
           </a:xfrm>
           <a:prstGeom prst="rect">
             <a:avLst/>
@@ -7211,7 +8963,7 @@
           <a:lstStyle/>
           <a:p>
             <a:r>
-              <a:rPr lang="en-US" sz="2000" dirty="0"/>
+              <a:rPr lang="en-US" sz="2070" dirty="0"/>
               <a:t>site2</a:t>
             </a:r>
           </a:p>
@@ -7231,8 +8983,8 @@
         </p:nvSpPr>
         <p:spPr>
           <a:xfrm>
-            <a:off x="10101353" y="2968679"/>
-            <a:ext cx="722121" cy="400110"/>
+            <a:off x="7118082" y="2946928"/>
+            <a:ext cx="764057" cy="425339"/>
           </a:xfrm>
           <a:prstGeom prst="rect">
             <a:avLst/>
@@ -7246,10 +8998,10 @@
           <a:lstStyle/>
           <a:p>
             <a:r>
-              <a:rPr lang="en-US" sz="2000" dirty="0" err="1"/>
+              <a:rPr lang="en-US" sz="2070" dirty="0" err="1"/>
               <a:t>siteN</a:t>
             </a:r>
-            <a:endParaRPr lang="en-US" sz="2000" dirty="0"/>
+            <a:endParaRPr lang="en-US" sz="2070" dirty="0"/>
           </a:p>
         </p:txBody>
       </p:sp>
@@ -7267,8 +9019,8 @@
         </p:nvSpPr>
         <p:spPr>
           <a:xfrm>
-            <a:off x="7037771" y="4182510"/>
-            <a:ext cx="1023229" cy="307777"/>
+            <a:off x="3946708" y="4203467"/>
+            <a:ext cx="1088902" cy="326438"/>
           </a:xfrm>
           <a:prstGeom prst="rect">
             <a:avLst/>
@@ -7282,7 +9034,7 @@
           <a:lstStyle/>
           <a:p>
             <a:r>
-              <a:rPr lang="en-US" sz="1400" dirty="0"/>
+              <a:rPr lang="en-US" sz="1449" dirty="0"/>
               <a:t>temp10.csv</a:t>
             </a:r>
           </a:p>
@@ -7302,8 +9054,8 @@
         </p:nvSpPr>
         <p:spPr>
           <a:xfrm>
-            <a:off x="7038091" y="4349327"/>
-            <a:ext cx="1411220" cy="307777"/>
+            <a:off x="3947039" y="4376154"/>
+            <a:ext cx="1503686" cy="326438"/>
           </a:xfrm>
           <a:prstGeom prst="rect">
             <a:avLst/>
@@ -7317,7 +9069,7 @@
           <a:lstStyle/>
           <a:p>
             <a:r>
-              <a:rPr lang="en-US" sz="1400" dirty="0"/>
+              <a:rPr lang="en-US" sz="1449" dirty="0"/>
               <a:t>temp10Meta.csv</a:t>
             </a:r>
           </a:p>
@@ -7341,8 +9093,8 @@
         </p:nvCxnSpPr>
         <p:spPr>
           <a:xfrm flipH="1">
-            <a:off x="6894747" y="2727783"/>
-            <a:ext cx="1812080" cy="240896"/>
+            <a:off x="3806086" y="2708707"/>
+            <a:ext cx="1874909" cy="238221"/>
           </a:xfrm>
           <a:prstGeom prst="line">
             <a:avLst/>
@@ -7382,8 +9134,8 @@
         </p:nvCxnSpPr>
         <p:spPr>
           <a:xfrm>
-            <a:off x="8706827" y="2727783"/>
-            <a:ext cx="413970" cy="235320"/>
+            <a:off x="5680995" y="2708706"/>
+            <a:ext cx="429465" cy="232449"/>
           </a:xfrm>
           <a:prstGeom prst="line">
             <a:avLst/>
@@ -7423,8 +9175,8 @@
         </p:nvCxnSpPr>
         <p:spPr>
           <a:xfrm>
-            <a:off x="8706827" y="2727783"/>
-            <a:ext cx="1755587" cy="240896"/>
+            <a:off x="5680995" y="2708707"/>
+            <a:ext cx="1819117" cy="238221"/>
           </a:xfrm>
           <a:prstGeom prst="line">
             <a:avLst/>
@@ -7460,8 +9212,8 @@
         </p:nvSpPr>
         <p:spPr>
           <a:xfrm>
-            <a:off x="5557116" y="4176875"/>
-            <a:ext cx="1122551" cy="307777"/>
+            <a:off x="2413956" y="4197634"/>
+            <a:ext cx="1191652" cy="326438"/>
           </a:xfrm>
           <a:prstGeom prst="rect">
             <a:avLst/>
@@ -7475,10 +9227,10 @@
           <a:lstStyle/>
           <a:p>
             <a:r>
-              <a:rPr lang="en-US" sz="1400" dirty="0" err="1"/>
+              <a:rPr lang="en-US" sz="1449" dirty="0" err="1"/>
               <a:t>soilMoist.csv</a:t>
             </a:r>
-            <a:endParaRPr lang="en-US" sz="1400" dirty="0"/>
+            <a:endParaRPr lang="en-US" sz="1449" dirty="0"/>
           </a:p>
         </p:txBody>
       </p:sp>
@@ -7496,8 +9248,8 @@
         </p:nvSpPr>
         <p:spPr>
           <a:xfrm>
-            <a:off x="5557115" y="4373596"/>
-            <a:ext cx="1510542" cy="307777"/>
+            <a:off x="2413956" y="4401277"/>
+            <a:ext cx="1606437" cy="326438"/>
           </a:xfrm>
           <a:prstGeom prst="rect">
             <a:avLst/>
@@ -7511,10 +9263,10 @@
           <a:lstStyle/>
           <a:p>
             <a:r>
-              <a:rPr lang="en-US" sz="1400" dirty="0" err="1"/>
+              <a:rPr lang="en-US" sz="1449" dirty="0" err="1"/>
               <a:t>soilMoistMeta.csv</a:t>
             </a:r>
-            <a:endParaRPr lang="en-US" sz="1400" dirty="0"/>
+            <a:endParaRPr lang="en-US" sz="1449" dirty="0"/>
           </a:p>
         </p:txBody>
       </p:sp>
@@ -7532,8 +9284,8 @@
         </p:nvSpPr>
         <p:spPr>
           <a:xfrm>
-            <a:off x="10977130" y="4204882"/>
-            <a:ext cx="787844" cy="307777"/>
+            <a:off x="8024673" y="4226626"/>
+            <a:ext cx="835279" cy="326438"/>
           </a:xfrm>
           <a:prstGeom prst="rect">
             <a:avLst/>
@@ -7547,10 +9299,10 @@
           <a:lstStyle/>
           <a:p>
             <a:r>
-              <a:rPr lang="en-US" sz="1400" dirty="0" err="1"/>
+              <a:rPr lang="en-US" sz="1449" dirty="0" err="1"/>
               <a:t>datX.csv</a:t>
             </a:r>
-            <a:endParaRPr lang="en-US" sz="1400" dirty="0"/>
+            <a:endParaRPr lang="en-US" sz="1449" dirty="0"/>
           </a:p>
         </p:txBody>
       </p:sp>
@@ -7568,8 +9320,8 @@
         </p:nvSpPr>
         <p:spPr>
           <a:xfrm>
-            <a:off x="10975568" y="4378942"/>
-            <a:ext cx="1175835" cy="307777"/>
+            <a:off x="8023057" y="4406811"/>
+            <a:ext cx="1250064" cy="326438"/>
           </a:xfrm>
           <a:prstGeom prst="rect">
             <a:avLst/>
@@ -7583,10 +9335,10 @@
           <a:lstStyle/>
           <a:p>
             <a:r>
-              <a:rPr lang="en-US" sz="1400" dirty="0" err="1"/>
+              <a:rPr lang="en-US" sz="1449" dirty="0" err="1"/>
               <a:t>datXMeta.csv</a:t>
             </a:r>
-            <a:endParaRPr lang="en-US" sz="1400" dirty="0"/>
+            <a:endParaRPr lang="en-US" sz="1449" dirty="0"/>
           </a:p>
         </p:txBody>
       </p:sp>
@@ -7608,8 +9360,8 @@
         </p:nvCxnSpPr>
         <p:spPr>
           <a:xfrm>
-            <a:off x="9995859" y="1755448"/>
-            <a:ext cx="1069328" cy="354889"/>
+            <a:off x="7013788" y="1702160"/>
+            <a:ext cx="1106189" cy="356225"/>
           </a:xfrm>
           <a:prstGeom prst="line">
             <a:avLst/>
@@ -7645,8 +9397,8 @@
         </p:nvSpPr>
         <p:spPr>
           <a:xfrm>
-            <a:off x="4642784" y="3230921"/>
-            <a:ext cx="1102674" cy="307777"/>
+            <a:off x="1467453" y="3218396"/>
+            <a:ext cx="1170942" cy="326438"/>
           </a:xfrm>
           <a:prstGeom prst="rect">
             <a:avLst/>
@@ -7660,10 +9412,10 @@
           <a:lstStyle/>
           <a:p>
             <a:r>
-              <a:rPr lang="en-US" sz="1400" dirty="0" err="1"/>
+              <a:rPr lang="en-US" sz="1449" dirty="0" err="1"/>
               <a:t>expMeta.csv</a:t>
             </a:r>
-            <a:endParaRPr lang="en-US" sz="1400" dirty="0"/>
+            <a:endParaRPr lang="en-US" sz="1449" dirty="0"/>
           </a:p>
         </p:txBody>
       </p:sp>
@@ -7681,8 +9433,8 @@
         </p:nvSpPr>
         <p:spPr>
           <a:xfrm>
-            <a:off x="4642784" y="3442902"/>
-            <a:ext cx="1015599" cy="307777"/>
+            <a:off x="1467453" y="3437836"/>
+            <a:ext cx="1077618" cy="326438"/>
           </a:xfrm>
           <a:prstGeom prst="rect">
             <a:avLst/>
@@ -7696,10 +9448,10 @@
           <a:lstStyle/>
           <a:p>
             <a:r>
-              <a:rPr lang="en-US" sz="1400" dirty="0" err="1"/>
+              <a:rPr lang="en-US" sz="1449" dirty="0" err="1"/>
               <a:t>sitMeta.csv</a:t>
             </a:r>
-            <a:endParaRPr lang="en-US" sz="1400" dirty="0"/>
+            <a:endParaRPr lang="en-US" sz="1449" dirty="0"/>
           </a:p>
         </p:txBody>
       </p:sp>
@@ -7717,8 +9469,8 @@
         </p:nvSpPr>
         <p:spPr>
           <a:xfrm>
-            <a:off x="4629946" y="3643307"/>
-            <a:ext cx="1039644" cy="307777"/>
+            <a:off x="1454164" y="3645292"/>
+            <a:ext cx="1104169" cy="326438"/>
           </a:xfrm>
           <a:prstGeom prst="rect">
             <a:avLst/>
@@ -7732,10 +9484,10 @@
           <a:lstStyle/>
           <a:p>
             <a:r>
-              <a:rPr lang="en-US" sz="1400" dirty="0" err="1"/>
+              <a:rPr lang="en-US" sz="1449" dirty="0" err="1"/>
               <a:t>pltMeta.csv</a:t>
             </a:r>
-            <a:endParaRPr lang="en-US" sz="1400" dirty="0"/>
+            <a:endParaRPr lang="en-US" sz="1449" dirty="0"/>
           </a:p>
         </p:txBody>
       </p:sp>
@@ -7753,8 +9505,8 @@
         </p:nvSpPr>
         <p:spPr>
           <a:xfrm>
-            <a:off x="256030" y="3250289"/>
-            <a:ext cx="1081065" cy="307777"/>
+            <a:off x="-3073650" y="3238446"/>
+            <a:ext cx="1150366" cy="326438"/>
           </a:xfrm>
           <a:prstGeom prst="rect">
             <a:avLst/>
@@ -7768,10 +9520,10 @@
           <a:lstStyle/>
           <a:p>
             <a:r>
-              <a:rPr lang="en-US" sz="1400" dirty="0" err="1"/>
+              <a:rPr lang="en-US" sz="1449" dirty="0" err="1"/>
               <a:t>coreData.Rd</a:t>
             </a:r>
-            <a:endParaRPr lang="en-US" sz="1400" dirty="0"/>
+            <a:endParaRPr lang="en-US" sz="1449" dirty="0"/>
           </a:p>
         </p:txBody>
       </p:sp>
@@ -7789,8 +9541,8 @@
         </p:nvSpPr>
         <p:spPr>
           <a:xfrm>
-            <a:off x="254324" y="3413422"/>
-            <a:ext cx="1055097" cy="307777"/>
+            <a:off x="-3075417" y="3407319"/>
+            <a:ext cx="1123551" cy="326438"/>
           </a:xfrm>
           <a:prstGeom prst="rect">
             <a:avLst/>
@@ -7804,10 +9556,10 @@
           <a:lstStyle/>
           <a:p>
             <a:r>
-              <a:rPr lang="en-US" sz="1400" dirty="0" err="1"/>
+              <a:rPr lang="en-US" sz="1449" dirty="0" err="1"/>
               <a:t>tempPro.Rd</a:t>
             </a:r>
-            <a:endParaRPr lang="en-US" sz="1400" dirty="0"/>
+            <a:endParaRPr lang="en-US" sz="1449" dirty="0"/>
           </a:p>
         </p:txBody>
       </p:sp>
@@ -7825,10 +9577,10 @@
         </p:nvGrpSpPr>
         <p:grpSpPr>
           <a:xfrm>
-            <a:off x="10832591" y="2110337"/>
-            <a:ext cx="1311517" cy="1102564"/>
+            <a:off x="7875049" y="2058384"/>
+            <a:ext cx="1394103" cy="1149190"/>
             <a:chOff x="10895193" y="2301801"/>
-            <a:chExt cx="1311517" cy="1102564"/>
+            <a:chExt cx="1346718" cy="1110130"/>
           </a:xfrm>
         </p:grpSpPr>
         <p:sp>
@@ -7846,7 +9598,7 @@
           <p:spPr>
             <a:xfrm>
               <a:off x="10895193" y="2301801"/>
-              <a:ext cx="465192" cy="400110"/>
+              <a:ext cx="473206" cy="410882"/>
             </a:xfrm>
             <a:prstGeom prst="rect">
               <a:avLst/>
@@ -7860,10 +9612,10 @@
             <a:lstStyle/>
             <a:p>
               <a:r>
-                <a:rPr lang="en-US" sz="2000" dirty="0" err="1"/>
+                <a:rPr lang="en-US" sz="2070" dirty="0" err="1"/>
                 <a:t>utl</a:t>
               </a:r>
-              <a:endParaRPr lang="en-US" sz="2000" dirty="0"/>
+              <a:endParaRPr lang="en-US" sz="2070" dirty="0"/>
             </a:p>
           </p:txBody>
         </p:sp>
@@ -7882,7 +9634,7 @@
           <p:spPr>
             <a:xfrm>
               <a:off x="11017352" y="2622387"/>
-              <a:ext cx="1084784" cy="307777"/>
+              <a:ext cx="1116781" cy="315343"/>
             </a:xfrm>
             <a:prstGeom prst="rect">
               <a:avLst/>
@@ -7898,10 +9650,10 @@
             <a:lstStyle/>
             <a:p>
               <a:r>
-                <a:rPr lang="en-US" sz="1400" dirty="0" err="1"/>
+                <a:rPr lang="en-US" sz="1449" dirty="0" err="1"/>
                 <a:t>checkCore.R</a:t>
               </a:r>
-              <a:endParaRPr lang="en-US" sz="1400" dirty="0"/>
+              <a:endParaRPr lang="en-US" sz="1449" dirty="0"/>
             </a:p>
           </p:txBody>
         </p:sp>
@@ -7920,7 +9672,7 @@
           <p:spPr>
             <a:xfrm>
               <a:off x="11017352" y="2864750"/>
-              <a:ext cx="1138389" cy="307777"/>
+              <a:ext cx="1168781" cy="315343"/>
             </a:xfrm>
             <a:prstGeom prst="rect">
               <a:avLst/>
@@ -7936,10 +9688,10 @@
             <a:lstStyle/>
             <a:p>
               <a:r>
-                <a:rPr lang="en-US" sz="1400" dirty="0" err="1"/>
+                <a:rPr lang="en-US" sz="1449" dirty="0" err="1"/>
                 <a:t>shoeStrDat.R</a:t>
               </a:r>
-              <a:endParaRPr lang="en-US" sz="1400" dirty="0"/>
+              <a:endParaRPr lang="en-US" sz="1449" dirty="0"/>
             </a:p>
           </p:txBody>
         </p:sp>
@@ -7958,7 +9710,7 @@
           <p:spPr>
             <a:xfrm>
               <a:off x="11001700" y="3096588"/>
-              <a:ext cx="1205010" cy="307777"/>
+              <a:ext cx="1240211" cy="315343"/>
             </a:xfrm>
             <a:prstGeom prst="rect">
               <a:avLst/>
@@ -7974,10 +9726,10 @@
             <a:lstStyle/>
             <a:p>
               <a:r>
-                <a:rPr lang="en-US" sz="1400" dirty="0" err="1"/>
+                <a:rPr lang="en-US" sz="1449" dirty="0" err="1"/>
                 <a:t>depthSpline.R</a:t>
               </a:r>
-              <a:endParaRPr lang="en-US" sz="1400" dirty="0"/>
+              <a:endParaRPr lang="en-US" sz="1449" dirty="0"/>
             </a:p>
           </p:txBody>
         </p:sp>
@@ -7996,8 +9748,8 @@
         </p:nvSpPr>
         <p:spPr>
           <a:xfrm>
-            <a:off x="1298487" y="4804321"/>
-            <a:ext cx="570669" cy="307777"/>
+            <a:off x="-1994514" y="4847157"/>
+            <a:ext cx="597319" cy="326438"/>
           </a:xfrm>
           <a:prstGeom prst="rect">
             <a:avLst/>
@@ -8011,7 +9763,7 @@
           <a:lstStyle/>
           <a:p>
             <a:r>
-              <a:rPr lang="en-US" sz="1400" i="1" dirty="0"/>
+              <a:rPr lang="en-US" sz="1449" i="1" dirty="0"/>
               <a:t>temp</a:t>
             </a:r>
           </a:p>
@@ -8031,8 +9783,8 @@
         </p:nvSpPr>
         <p:spPr>
           <a:xfrm>
-            <a:off x="1294667" y="4977146"/>
-            <a:ext cx="846322" cy="307777"/>
+            <a:off x="-1998469" y="5026063"/>
+            <a:ext cx="897539" cy="326438"/>
           </a:xfrm>
           <a:prstGeom prst="rect">
             <a:avLst/>
@@ -8046,10 +9798,10 @@
           <a:lstStyle/>
           <a:p>
             <a:r>
-              <a:rPr lang="en-US" sz="1400" i="1" dirty="0" err="1"/>
+              <a:rPr lang="en-US" sz="1449" i="1" dirty="0" err="1"/>
               <a:t>soilMoist</a:t>
             </a:r>
-            <a:endParaRPr lang="en-US" sz="1400" i="1" dirty="0"/>
+            <a:endParaRPr lang="en-US" sz="1449" i="1" dirty="0"/>
           </a:p>
         </p:txBody>
       </p:sp>
@@ -8067,8 +9819,8 @@
         </p:nvSpPr>
         <p:spPr>
           <a:xfrm>
-            <a:off x="2609726" y="4804321"/>
-            <a:ext cx="570669" cy="307777"/>
+            <a:off x="-637138" y="4847157"/>
+            <a:ext cx="597319" cy="326438"/>
           </a:xfrm>
           <a:prstGeom prst="rect">
             <a:avLst/>
@@ -8082,7 +9834,7 @@
           <a:lstStyle/>
           <a:p>
             <a:r>
-              <a:rPr lang="en-US" sz="1400" i="1" dirty="0"/>
+              <a:rPr lang="en-US" sz="1449" i="1" dirty="0"/>
               <a:t>temp</a:t>
             </a:r>
           </a:p>
@@ -8102,8 +9854,8 @@
         </p:nvSpPr>
         <p:spPr>
           <a:xfrm>
-            <a:off x="2605906" y="4977146"/>
-            <a:ext cx="846322" cy="307777"/>
+            <a:off x="-641094" y="5026063"/>
+            <a:ext cx="897539" cy="326438"/>
           </a:xfrm>
           <a:prstGeom prst="rect">
             <a:avLst/>
@@ -8117,10 +9869,10 @@
           <a:lstStyle/>
           <a:p>
             <a:r>
-              <a:rPr lang="en-US" sz="1400" i="1" dirty="0" err="1"/>
+              <a:rPr lang="en-US" sz="1449" i="1" dirty="0" err="1"/>
               <a:t>soilMoist</a:t>
             </a:r>
-            <a:endParaRPr lang="en-US" sz="1400" i="1" dirty="0"/>
+            <a:endParaRPr lang="en-US" sz="1449" i="1" dirty="0"/>
           </a:p>
         </p:txBody>
       </p:sp>
@@ -8138,8 +9890,8 @@
         </p:nvSpPr>
         <p:spPr>
           <a:xfrm>
-            <a:off x="2605906" y="5201616"/>
-            <a:ext cx="660630" cy="307777"/>
+            <a:off x="-641093" y="5258431"/>
+            <a:ext cx="700401" cy="326438"/>
           </a:xfrm>
           <a:prstGeom prst="rect">
             <a:avLst/>
@@ -8153,7 +9905,7 @@
           <a:lstStyle/>
           <a:p>
             <a:r>
-              <a:rPr lang="en-US" sz="1400" i="1" dirty="0"/>
+              <a:rPr lang="en-US" sz="1449" i="1" dirty="0"/>
               <a:t>CO2flx</a:t>
             </a:r>
           </a:p>
@@ -8173,8 +9925,8 @@
         </p:nvSpPr>
         <p:spPr>
           <a:xfrm>
-            <a:off x="3895385" y="4806733"/>
-            <a:ext cx="524503" cy="307777"/>
+            <a:off x="693756" y="4849654"/>
+            <a:ext cx="554574" cy="326438"/>
           </a:xfrm>
           <a:prstGeom prst="rect">
             <a:avLst/>
@@ -8188,10 +9940,10 @@
           <a:lstStyle/>
           <a:p>
             <a:r>
-              <a:rPr lang="en-US" sz="1400" i="1" dirty="0" err="1"/>
+              <a:rPr lang="en-US" sz="1449" i="1" dirty="0" err="1"/>
               <a:t>datX</a:t>
             </a:r>
-            <a:endParaRPr lang="en-US" sz="1400" i="1" dirty="0"/>
+            <a:endParaRPr lang="en-US" sz="1449" i="1" dirty="0"/>
           </a:p>
         </p:txBody>
       </p:sp>
@@ -8209,8 +9961,8 @@
         </p:nvSpPr>
         <p:spPr>
           <a:xfrm>
-            <a:off x="9866802" y="1675938"/>
-            <a:ext cx="1147174" cy="307777"/>
+            <a:off x="6875278" y="1608701"/>
+            <a:ext cx="1222384" cy="326438"/>
           </a:xfrm>
           <a:prstGeom prst="rect">
             <a:avLst/>
@@ -8226,10 +9978,10 @@
           <a:lstStyle/>
           <a:p>
             <a:r>
-              <a:rPr lang="en-US" sz="1400" dirty="0" err="1"/>
+              <a:rPr lang="en-US" sz="1449" dirty="0" err="1"/>
               <a:t>sswedie.Rmd</a:t>
             </a:r>
-            <a:endParaRPr lang="en-US" sz="1400" dirty="0"/>
+            <a:endParaRPr lang="en-US" sz="1449" dirty="0"/>
           </a:p>
         </p:txBody>
       </p:sp>
@@ -8247,8 +9999,8 @@
         </p:nvSpPr>
         <p:spPr>
           <a:xfrm>
-            <a:off x="7031350" y="5168086"/>
-            <a:ext cx="1133837" cy="307777"/>
+            <a:off x="3940060" y="5223721"/>
+            <a:ext cx="1206720" cy="326438"/>
           </a:xfrm>
           <a:prstGeom prst="rect">
             <a:avLst/>
@@ -8262,10 +10014,10 @@
           <a:lstStyle/>
           <a:p>
             <a:r>
-              <a:rPr lang="en-US" sz="1400" dirty="0" err="1"/>
+              <a:rPr lang="en-US" sz="1449" dirty="0" err="1"/>
               <a:t>tempAnn.csv</a:t>
             </a:r>
-            <a:endParaRPr lang="en-US" sz="1400" dirty="0"/>
+            <a:endParaRPr lang="en-US" sz="1449" dirty="0"/>
           </a:p>
         </p:txBody>
       </p:sp>
@@ -8283,8 +10035,8 @@
         </p:nvSpPr>
         <p:spPr>
           <a:xfrm>
-            <a:off x="10975568" y="4584943"/>
-            <a:ext cx="1081193" cy="307777"/>
+            <a:off x="8023057" y="4620060"/>
+            <a:ext cx="1148906" cy="326438"/>
           </a:xfrm>
           <a:prstGeom prst="rect">
             <a:avLst/>
@@ -8298,10 +10050,10 @@
           <a:lstStyle/>
           <a:p>
             <a:r>
-              <a:rPr lang="en-US" sz="1400" dirty="0" err="1"/>
+              <a:rPr lang="en-US" sz="1449" dirty="0" err="1"/>
               <a:t>datXAnn.csv</a:t>
             </a:r>
-            <a:endParaRPr lang="en-US" sz="1400" dirty="0"/>
+            <a:endParaRPr lang="en-US" sz="1449" dirty="0"/>
           </a:p>
         </p:txBody>
       </p:sp>
@@ -8319,8 +10071,8 @@
         </p:nvSpPr>
         <p:spPr>
           <a:xfrm>
-            <a:off x="5551912" y="4574772"/>
-            <a:ext cx="1415900" cy="307777"/>
+            <a:off x="2408569" y="4609531"/>
+            <a:ext cx="1505279" cy="326438"/>
           </a:xfrm>
           <a:prstGeom prst="rect">
             <a:avLst/>
@@ -8334,10 +10086,10 @@
           <a:lstStyle/>
           <a:p>
             <a:r>
-              <a:rPr lang="en-US" sz="1400" dirty="0" err="1"/>
+              <a:rPr lang="en-US" sz="1449" dirty="0" err="1"/>
               <a:t>soilMoistAnn.csv</a:t>
             </a:r>
-            <a:endParaRPr lang="en-US" sz="1400" dirty="0"/>
+            <a:endParaRPr lang="en-US" sz="1449" dirty="0"/>
           </a:p>
         </p:txBody>
       </p:sp>
@@ -8355,8 +10107,8 @@
         </p:nvSpPr>
         <p:spPr>
           <a:xfrm>
-            <a:off x="5393125" y="3910305"/>
-            <a:ext cx="1137171" cy="400110"/>
+            <a:off x="2244195" y="3921685"/>
+            <a:ext cx="1208645" cy="425339"/>
           </a:xfrm>
           <a:prstGeom prst="rect">
             <a:avLst/>
@@ -8370,10 +10122,10 @@
           <a:lstStyle/>
           <a:p>
             <a:r>
-              <a:rPr lang="en-US" sz="2000" dirty="0" err="1"/>
+              <a:rPr lang="en-US" sz="2070" dirty="0" err="1"/>
               <a:t>soilMoist</a:t>
             </a:r>
-            <a:endParaRPr lang="en-US" sz="2000" dirty="0"/>
+            <a:endParaRPr lang="en-US" sz="2070" dirty="0"/>
           </a:p>
         </p:txBody>
       </p:sp>
@@ -8391,8 +10143,8 @@
         </p:nvSpPr>
         <p:spPr>
           <a:xfrm>
-            <a:off x="6896958" y="3945272"/>
-            <a:ext cx="736548" cy="400110"/>
+            <a:off x="3800941" y="3957882"/>
+            <a:ext cx="778991" cy="425339"/>
           </a:xfrm>
           <a:prstGeom prst="rect">
             <a:avLst/>
@@ -8406,7 +10158,7 @@
           <a:lstStyle/>
           <a:p>
             <a:r>
-              <a:rPr lang="en-US" sz="2000" dirty="0"/>
+              <a:rPr lang="en-US" sz="2070" dirty="0"/>
               <a:t>temp</a:t>
             </a:r>
           </a:p>
@@ -8426,8 +10178,8 @@
         </p:nvSpPr>
         <p:spPr>
           <a:xfrm>
-            <a:off x="10803614" y="3946443"/>
-            <a:ext cx="659989" cy="400110"/>
+            <a:off x="7845052" y="3959094"/>
+            <a:ext cx="698079" cy="425339"/>
           </a:xfrm>
           <a:prstGeom prst="rect">
             <a:avLst/>
@@ -8441,10 +10193,10 @@
           <a:lstStyle/>
           <a:p>
             <a:r>
-              <a:rPr lang="en-US" sz="2000" dirty="0" err="1"/>
+              <a:rPr lang="en-US" sz="2070" dirty="0" err="1"/>
               <a:t>datX</a:t>
             </a:r>
-            <a:endParaRPr lang="en-US" sz="2000" dirty="0"/>
+            <a:endParaRPr lang="en-US" sz="2070" dirty="0"/>
           </a:p>
         </p:txBody>
       </p:sp>
@@ -8462,8 +10214,8 @@
         </p:nvSpPr>
         <p:spPr>
           <a:xfrm>
-            <a:off x="9670564" y="4158189"/>
-            <a:ext cx="840486" cy="307777"/>
+            <a:off x="6672136" y="4178290"/>
+            <a:ext cx="893093" cy="326438"/>
           </a:xfrm>
           <a:prstGeom prst="rect">
             <a:avLst/>
@@ -8477,10 +10229,10 @@
           <a:lstStyle/>
           <a:p>
             <a:r>
-              <a:rPr lang="en-US" sz="1400" dirty="0" err="1"/>
+              <a:rPr lang="en-US" sz="1449" dirty="0" err="1"/>
               <a:t>temp.csv</a:t>
             </a:r>
-            <a:endParaRPr lang="en-US" sz="1400" dirty="0"/>
+            <a:endParaRPr lang="en-US" sz="1449" dirty="0"/>
           </a:p>
         </p:txBody>
       </p:sp>
@@ -8498,8 +10250,8 @@
         </p:nvSpPr>
         <p:spPr>
           <a:xfrm>
-            <a:off x="8448910" y="4170710"/>
-            <a:ext cx="933782" cy="307777"/>
+            <a:off x="5407498" y="4191252"/>
+            <a:ext cx="991395" cy="326438"/>
           </a:xfrm>
           <a:prstGeom prst="rect">
             <a:avLst/>
@@ -8513,7 +10265,7 @@
           <a:lstStyle/>
           <a:p>
             <a:r>
-              <a:rPr lang="en-US" sz="1400" dirty="0"/>
+              <a:rPr lang="en-US" sz="1449" dirty="0"/>
               <a:t>CO2flx.csv</a:t>
             </a:r>
           </a:p>
@@ -8533,8 +10285,8 @@
         </p:nvSpPr>
         <p:spPr>
           <a:xfrm>
-            <a:off x="8448909" y="4367431"/>
-            <a:ext cx="1321772" cy="307777"/>
+            <a:off x="5407497" y="4394895"/>
+            <a:ext cx="1406180" cy="326438"/>
           </a:xfrm>
           <a:prstGeom prst="rect">
             <a:avLst/>
@@ -8548,7 +10300,7 @@
           <a:lstStyle/>
           <a:p>
             <a:r>
-              <a:rPr lang="en-US" sz="1400" dirty="0"/>
+              <a:rPr lang="en-US" sz="1449" dirty="0"/>
               <a:t>CO2flxMeta.csv</a:t>
             </a:r>
           </a:p>
@@ -8568,8 +10320,8 @@
         </p:nvSpPr>
         <p:spPr>
           <a:xfrm>
-            <a:off x="8443706" y="4568607"/>
-            <a:ext cx="1227131" cy="307777"/>
+            <a:off x="5402111" y="4603149"/>
+            <a:ext cx="1305023" cy="326438"/>
           </a:xfrm>
           <a:prstGeom prst="rect">
             <a:avLst/>
@@ -8583,7 +10335,7 @@
           <a:lstStyle/>
           <a:p>
             <a:r>
-              <a:rPr lang="en-US" sz="1400" dirty="0"/>
+              <a:rPr lang="en-US" sz="1449" dirty="0"/>
               <a:t>CO2flxAnn.csv</a:t>
             </a:r>
           </a:p>
@@ -8603,8 +10355,8 @@
         </p:nvSpPr>
         <p:spPr>
           <a:xfrm>
-            <a:off x="8307245" y="3926843"/>
-            <a:ext cx="866904" cy="400110"/>
+            <a:off x="5260848" y="3938805"/>
+            <a:ext cx="923890" cy="425339"/>
           </a:xfrm>
           <a:prstGeom prst="rect">
             <a:avLst/>
@@ -8618,7 +10370,7 @@
           <a:lstStyle/>
           <a:p>
             <a:r>
-              <a:rPr lang="en-US" sz="2000" dirty="0"/>
+              <a:rPr lang="en-US" sz="2070" dirty="0"/>
               <a:t>CO2flx</a:t>
             </a:r>
           </a:p>
@@ -8638,8 +10390,8 @@
         </p:nvSpPr>
         <p:spPr>
           <a:xfrm>
-            <a:off x="9552053" y="3920951"/>
-            <a:ext cx="736548" cy="400110"/>
+            <a:off x="6549455" y="3932705"/>
+            <a:ext cx="778991" cy="425339"/>
           </a:xfrm>
           <a:prstGeom prst="rect">
             <a:avLst/>
@@ -8653,7 +10405,7 @@
           <a:lstStyle/>
           <a:p>
             <a:r>
-              <a:rPr lang="en-US" sz="2000" dirty="0"/>
+              <a:rPr lang="en-US" sz="2070" dirty="0"/>
               <a:t>temp</a:t>
             </a:r>
           </a:p>
@@ -8673,8 +10425,8 @@
         </p:nvSpPr>
         <p:spPr>
           <a:xfrm>
-            <a:off x="9673756" y="4335123"/>
-            <a:ext cx="1270925" cy="307777"/>
+            <a:off x="6675440" y="4361450"/>
+            <a:ext cx="1351885" cy="326438"/>
           </a:xfrm>
           <a:prstGeom prst="rect">
             <a:avLst/>
@@ -8688,10 +10440,10 @@
           <a:lstStyle/>
           <a:p>
             <a:r>
-              <a:rPr lang="en-US" sz="1400" dirty="0" err="1"/>
+              <a:rPr lang="en-US" sz="1449" dirty="0" err="1"/>
               <a:t>tempMeta.xlsx</a:t>
             </a:r>
-            <a:endParaRPr lang="en-US" sz="1400" dirty="0"/>
+            <a:endParaRPr lang="en-US" sz="1449" dirty="0"/>
           </a:p>
         </p:txBody>
       </p:sp>
@@ -8709,8 +10461,8 @@
         </p:nvSpPr>
         <p:spPr>
           <a:xfrm>
-            <a:off x="9670200" y="4502839"/>
-            <a:ext cx="1133837" cy="307777"/>
+            <a:off x="6671759" y="4535067"/>
+            <a:ext cx="1206720" cy="326438"/>
           </a:xfrm>
           <a:prstGeom prst="rect">
             <a:avLst/>
@@ -8724,10 +10476,10 @@
           <a:lstStyle/>
           <a:p>
             <a:r>
-              <a:rPr lang="en-US" sz="1400" dirty="0" err="1"/>
+              <a:rPr lang="en-US" sz="1449" dirty="0" err="1"/>
               <a:t>tempAnn.csv</a:t>
             </a:r>
-            <a:endParaRPr lang="en-US" sz="1400" dirty="0"/>
+            <a:endParaRPr lang="en-US" sz="1449" dirty="0"/>
           </a:p>
         </p:txBody>
       </p:sp>
@@ -8749,8 +10501,8 @@
         </p:nvCxnSpPr>
         <p:spPr>
           <a:xfrm flipV="1">
-            <a:off x="5961711" y="3368789"/>
-            <a:ext cx="933036" cy="541516"/>
+            <a:off x="2848517" y="3372266"/>
+            <a:ext cx="957568" cy="549418"/>
           </a:xfrm>
           <a:prstGeom prst="line">
             <a:avLst/>
@@ -8790,8 +10542,8 @@
         </p:nvCxnSpPr>
         <p:spPr>
           <a:xfrm flipH="1" flipV="1">
-            <a:off x="6894747" y="3368789"/>
-            <a:ext cx="370485" cy="576483"/>
+            <a:off x="3806086" y="3372266"/>
+            <a:ext cx="384351" cy="585616"/>
           </a:xfrm>
           <a:prstGeom prst="line">
             <a:avLst/>
@@ -8831,8 +10583,8 @@
         </p:nvCxnSpPr>
         <p:spPr>
           <a:xfrm flipV="1">
-            <a:off x="8740697" y="3363213"/>
-            <a:ext cx="380100" cy="563630"/>
+            <a:off x="5722795" y="3366493"/>
+            <a:ext cx="387665" cy="572310"/>
           </a:xfrm>
           <a:prstGeom prst="line">
             <a:avLst/>
@@ -8872,8 +10624,8 @@
         </p:nvCxnSpPr>
         <p:spPr>
           <a:xfrm flipH="1" flipV="1">
-            <a:off x="9120797" y="3363213"/>
-            <a:ext cx="799530" cy="557738"/>
+            <a:off x="6110459" y="3366494"/>
+            <a:ext cx="828492" cy="566211"/>
           </a:xfrm>
           <a:prstGeom prst="line">
             <a:avLst/>
@@ -8913,8 +10665,8 @@
         </p:nvCxnSpPr>
         <p:spPr>
           <a:xfrm flipH="1" flipV="1">
-            <a:off x="10462414" y="3368789"/>
-            <a:ext cx="671195" cy="577654"/>
+            <a:off x="7500111" y="3372265"/>
+            <a:ext cx="693981" cy="586828"/>
           </a:xfrm>
           <a:prstGeom prst="line">
             <a:avLst/>
@@ -8950,8 +10702,8 @@
         </p:nvSpPr>
         <p:spPr>
           <a:xfrm>
-            <a:off x="7034269" y="4498676"/>
-            <a:ext cx="1023229" cy="307777"/>
+            <a:off x="3943083" y="4530757"/>
+            <a:ext cx="1088902" cy="326438"/>
           </a:xfrm>
           <a:prstGeom prst="rect">
             <a:avLst/>
@@ -8965,7 +10717,7 @@
           <a:lstStyle/>
           <a:p>
             <a:r>
-              <a:rPr lang="en-US" sz="1400" dirty="0"/>
+              <a:rPr lang="en-US" sz="1449" dirty="0"/>
               <a:t>temp20.csv</a:t>
             </a:r>
           </a:p>
@@ -8985,8 +10737,8 @@
         </p:nvSpPr>
         <p:spPr>
           <a:xfrm>
-            <a:off x="7034589" y="4665493"/>
-            <a:ext cx="1411220" cy="307777"/>
+            <a:off x="3943414" y="4703444"/>
+            <a:ext cx="1503686" cy="326438"/>
           </a:xfrm>
           <a:prstGeom prst="rect">
             <a:avLst/>
@@ -9000,7 +10752,7 @@
           <a:lstStyle/>
           <a:p>
             <a:r>
-              <a:rPr lang="en-US" sz="1400" dirty="0"/>
+              <a:rPr lang="en-US" sz="1449" dirty="0"/>
               <a:t>temp20Meta.csv</a:t>
             </a:r>
           </a:p>
@@ -9020,8 +10772,8 @@
         </p:nvSpPr>
         <p:spPr>
           <a:xfrm>
-            <a:off x="7031350" y="4828944"/>
-            <a:ext cx="1023229" cy="307777"/>
+            <a:off x="3940061" y="4872646"/>
+            <a:ext cx="1088902" cy="326438"/>
           </a:xfrm>
           <a:prstGeom prst="rect">
             <a:avLst/>
@@ -9035,7 +10787,7 @@
           <a:lstStyle/>
           <a:p>
             <a:r>
-              <a:rPr lang="en-US" sz="1400" dirty="0"/>
+              <a:rPr lang="en-US" sz="1449" dirty="0"/>
               <a:t>temp50.csv</a:t>
             </a:r>
           </a:p>
@@ -9055,8 +10807,8 @@
         </p:nvSpPr>
         <p:spPr>
           <a:xfrm>
-            <a:off x="7031670" y="4995761"/>
-            <a:ext cx="1411220" cy="307777"/>
+            <a:off x="3940392" y="5045332"/>
+            <a:ext cx="1503686" cy="326438"/>
           </a:xfrm>
           <a:prstGeom prst="rect">
             <a:avLst/>
@@ -9070,7 +10822,7 @@
           <a:lstStyle/>
           <a:p>
             <a:r>
-              <a:rPr lang="en-US" sz="1400" dirty="0"/>
+              <a:rPr lang="en-US" sz="1449" dirty="0"/>
               <a:t>temp50Meta.csv</a:t>
             </a:r>
           </a:p>
@@ -9090,9 +10842,9 @@
 </file>
 
 <file path=ppt/theme/theme1.xml><?xml version="1.0" encoding="utf-8"?>
-<a:theme xmlns:a="http://schemas.openxmlformats.org/drawingml/2006/main" name="Office Theme">
+<a:theme xmlns:a="http://schemas.openxmlformats.org/drawingml/2006/main" name="Office 2013 - 2022 Theme">
   <a:themeElements>
-    <a:clrScheme name="Office">
+    <a:clrScheme name="Office 2013 - 2022 Theme">
       <a:dk1>
         <a:sysClr val="windowText" lastClr="000000"/>
       </a:dk1>
@@ -9130,7 +10882,7 @@
         <a:srgbClr val="954F72"/>
       </a:folHlink>
     </a:clrScheme>
-    <a:fontScheme name="Office">
+    <a:fontScheme name="Office 2013 - 2022 Theme">
       <a:majorFont>
         <a:latin typeface="Calibri Light" panose="020F0302020204030204"/>
         <a:ea typeface=""/>
@@ -9165,23 +10917,6 @@
         <a:font script="Viet" typeface="Times New Roman"/>
         <a:font script="Uigh" typeface="Microsoft Uighur"/>
         <a:font script="Geor" typeface="Sylfaen"/>
-        <a:font script="Armn" typeface="Arial"/>
-        <a:font script="Bugi" typeface="Leelawadee UI"/>
-        <a:font script="Bopo" typeface="Microsoft JhengHei"/>
-        <a:font script="Java" typeface="Javanese Text"/>
-        <a:font script="Lisu" typeface="Segoe UI"/>
-        <a:font script="Mymr" typeface="Myanmar Text"/>
-        <a:font script="Nkoo" typeface="Ebrima"/>
-        <a:font script="Olck" typeface="Nirmala UI"/>
-        <a:font script="Osma" typeface="Ebrima"/>
-        <a:font script="Phag" typeface="Phagspa"/>
-        <a:font script="Syrn" typeface="Estrangelo Edessa"/>
-        <a:font script="Syrj" typeface="Estrangelo Edessa"/>
-        <a:font script="Syre" typeface="Estrangelo Edessa"/>
-        <a:font script="Sora" typeface="Nirmala UI"/>
-        <a:font script="Tale" typeface="Microsoft Tai Le"/>
-        <a:font script="Talu" typeface="Microsoft New Tai Lue"/>
-        <a:font script="Tfng" typeface="Ebrima"/>
       </a:majorFont>
       <a:minorFont>
         <a:latin typeface="Calibri" panose="020F0502020204030204"/>
@@ -9217,26 +10952,9 @@
         <a:font script="Viet" typeface="Arial"/>
         <a:font script="Uigh" typeface="Microsoft Uighur"/>
         <a:font script="Geor" typeface="Sylfaen"/>
-        <a:font script="Armn" typeface="Arial"/>
-        <a:font script="Bugi" typeface="Leelawadee UI"/>
-        <a:font script="Bopo" typeface="Microsoft JhengHei"/>
-        <a:font script="Java" typeface="Javanese Text"/>
-        <a:font script="Lisu" typeface="Segoe UI"/>
-        <a:font script="Mymr" typeface="Myanmar Text"/>
-        <a:font script="Nkoo" typeface="Ebrima"/>
-        <a:font script="Olck" typeface="Nirmala UI"/>
-        <a:font script="Osma" typeface="Ebrima"/>
-        <a:font script="Phag" typeface="Phagspa"/>
-        <a:font script="Syrn" typeface="Estrangelo Edessa"/>
-        <a:font script="Syrj" typeface="Estrangelo Edessa"/>
-        <a:font script="Syre" typeface="Estrangelo Edessa"/>
-        <a:font script="Sora" typeface="Nirmala UI"/>
-        <a:font script="Tale" typeface="Microsoft Tai Le"/>
-        <a:font script="Talu" typeface="Microsoft New Tai Lue"/>
-        <a:font script="Tfng" typeface="Ebrima"/>
       </a:minorFont>
     </a:fontScheme>
-    <a:fmtScheme name="Office">
+    <a:fmtScheme name="Office 2013 - 2022 Theme">
       <a:fillStyleLst>
         <a:solidFill>
           <a:schemeClr val="phClr"/>
@@ -9378,7 +11096,7 @@
   <a:extraClrSchemeLst/>
   <a:extLst>
     <a:ext uri="{05A4C25C-085E-4340-85A3-A5531E510DB2}">
-      <thm15:themeFamily xmlns:thm15="http://schemas.microsoft.com/office/thememl/2012/main" name="Office Theme" id="{62F939B6-93AF-4DB8-9C6B-D6C7DFDC589F}" vid="{4A3C46E8-61CC-4603-A589-7422A47A8E4A}"/>
+      <thm15:themeFamily xmlns:thm15="http://schemas.microsoft.com/office/thememl/2012/main" name="Office 2013 - 2022 Theme" id="{62F939B6-93AF-4DB8-9C6B-D6C7DFDC589F}" vid="{4A3C46E8-61CC-4603-A589-7422A47A8E4A}"/>
     </a:ext>
   </a:extLst>
 </a:theme>
